--- a/yang-manager/reports/ConfigurationGraph.pptx
+++ b/yang-manager/reports/ConfigurationGraph.pptx
@@ -292,7 +292,7 @@
             <a:fld id="{D90DD0E7-912E-854E-A2F3-5EE813E1B99E}" type="datetimeFigureOut">
               <a:rPr lang="fr-FR" smtClean="0"/>
               <a:pPr/>
-              <a:t>20/01/10</a:t>
+              <a:t>21/01/10</a:t>
             </a:fld>
             <a:endParaRPr lang="fr-FR"/>
           </a:p>
@@ -459,7 +459,7 @@
             <a:fld id="{D90DD0E7-912E-854E-A2F3-5EE813E1B99E}" type="datetimeFigureOut">
               <a:rPr lang="fr-FR" smtClean="0"/>
               <a:pPr/>
-              <a:t>20/01/10</a:t>
+              <a:t>21/01/10</a:t>
             </a:fld>
             <a:endParaRPr lang="fr-FR"/>
           </a:p>
@@ -636,7 +636,7 @@
             <a:fld id="{D90DD0E7-912E-854E-A2F3-5EE813E1B99E}" type="datetimeFigureOut">
               <a:rPr lang="fr-FR" smtClean="0"/>
               <a:pPr/>
-              <a:t>20/01/10</a:t>
+              <a:t>21/01/10</a:t>
             </a:fld>
             <a:endParaRPr lang="fr-FR"/>
           </a:p>
@@ -803,7 +803,7 @@
             <a:fld id="{D90DD0E7-912E-854E-A2F3-5EE813E1B99E}" type="datetimeFigureOut">
               <a:rPr lang="fr-FR" smtClean="0"/>
               <a:pPr/>
-              <a:t>20/01/10</a:t>
+              <a:t>21/01/10</a:t>
             </a:fld>
             <a:endParaRPr lang="fr-FR"/>
           </a:p>
@@ -1046,7 +1046,7 @@
             <a:fld id="{D90DD0E7-912E-854E-A2F3-5EE813E1B99E}" type="datetimeFigureOut">
               <a:rPr lang="fr-FR" smtClean="0"/>
               <a:pPr/>
-              <a:t>20/01/10</a:t>
+              <a:t>21/01/10</a:t>
             </a:fld>
             <a:endParaRPr lang="fr-FR"/>
           </a:p>
@@ -1331,7 +1331,7 @@
             <a:fld id="{D90DD0E7-912E-854E-A2F3-5EE813E1B99E}" type="datetimeFigureOut">
               <a:rPr lang="fr-FR" smtClean="0"/>
               <a:pPr/>
-              <a:t>20/01/10</a:t>
+              <a:t>21/01/10</a:t>
             </a:fld>
             <a:endParaRPr lang="fr-FR"/>
           </a:p>
@@ -1750,7 +1750,7 @@
             <a:fld id="{D90DD0E7-912E-854E-A2F3-5EE813E1B99E}" type="datetimeFigureOut">
               <a:rPr lang="fr-FR" smtClean="0"/>
               <a:pPr/>
-              <a:t>20/01/10</a:t>
+              <a:t>21/01/10</a:t>
             </a:fld>
             <a:endParaRPr lang="fr-FR"/>
           </a:p>
@@ -1865,7 +1865,7 @@
             <a:fld id="{D90DD0E7-912E-854E-A2F3-5EE813E1B99E}" type="datetimeFigureOut">
               <a:rPr lang="fr-FR" smtClean="0"/>
               <a:pPr/>
-              <a:t>20/01/10</a:t>
+              <a:t>21/01/10</a:t>
             </a:fld>
             <a:endParaRPr lang="fr-FR"/>
           </a:p>
@@ -1957,7 +1957,7 @@
             <a:fld id="{D90DD0E7-912E-854E-A2F3-5EE813E1B99E}" type="datetimeFigureOut">
               <a:rPr lang="fr-FR" smtClean="0"/>
               <a:pPr/>
-              <a:t>20/01/10</a:t>
+              <a:t>21/01/10</a:t>
             </a:fld>
             <a:endParaRPr lang="fr-FR"/>
           </a:p>
@@ -2231,7 +2231,7 @@
             <a:fld id="{D90DD0E7-912E-854E-A2F3-5EE813E1B99E}" type="datetimeFigureOut">
               <a:rPr lang="fr-FR" smtClean="0"/>
               <a:pPr/>
-              <a:t>20/01/10</a:t>
+              <a:t>21/01/10</a:t>
             </a:fld>
             <a:endParaRPr lang="fr-FR"/>
           </a:p>
@@ -2481,7 +2481,7 @@
             <a:fld id="{D90DD0E7-912E-854E-A2F3-5EE813E1B99E}" type="datetimeFigureOut">
               <a:rPr lang="fr-FR" smtClean="0"/>
               <a:pPr/>
-              <a:t>20/01/10</a:t>
+              <a:t>21/01/10</a:t>
             </a:fld>
             <a:endParaRPr lang="fr-FR"/>
           </a:p>
@@ -2691,7 +2691,7 @@
             <a:fld id="{D90DD0E7-912E-854E-A2F3-5EE813E1B99E}" type="datetimeFigureOut">
               <a:rPr lang="fr-FR" smtClean="0"/>
               <a:pPr/>
-              <a:t>20/01/10</a:t>
+              <a:t>21/01/10</a:t>
             </a:fld>
             <a:endParaRPr lang="fr-FR"/>
           </a:p>
@@ -7685,244 +7685,46 @@
           <a:chExt cx="0" cy="0"/>
         </a:xfrm>
       </p:grpSpPr>
-      <p:sp>
-        <p:nvSpPr>
-          <p:cNvPr id="115" name="Flèche vers la droite 114"/>
-          <p:cNvSpPr/>
-          <p:nvPr/>
-        </p:nvSpPr>
-        <p:spPr>
-          <a:xfrm>
-            <a:off x="1024467" y="838200"/>
-            <a:ext cx="3983458" cy="4241800"/>
-          </a:xfrm>
-          <a:prstGeom prst="rightArrow">
-            <a:avLst>
-              <a:gd name="adj1" fmla="val 50000"/>
-              <a:gd name="adj2" fmla="val 50213"/>
-            </a:avLst>
-          </a:prstGeom>
-          <a:solidFill>
-            <a:schemeClr val="bg1">
-              <a:lumMod val="85000"/>
-            </a:schemeClr>
-          </a:solidFill>
-        </p:spPr>
-        <p:style>
-          <a:lnRef idx="1">
-            <a:schemeClr val="accent1"/>
-          </a:lnRef>
-          <a:fillRef idx="3">
-            <a:schemeClr val="accent1"/>
-          </a:fillRef>
-          <a:effectRef idx="2">
-            <a:schemeClr val="accent1"/>
-          </a:effectRef>
-          <a:fontRef idx="minor">
-            <a:schemeClr val="lt1"/>
-          </a:fontRef>
-        </p:style>
-        <p:txBody>
-          <a:bodyPr rtlCol="0" anchor="ctr"/>
-          <a:lstStyle/>
-          <a:p>
-            <a:pPr algn="ctr"/>
-            <a:endParaRPr lang="fr-FR"/>
-          </a:p>
-        </p:txBody>
-      </p:sp>
-      <p:sp>
-        <p:nvSpPr>
-          <p:cNvPr id="4" name="Ellipse 3"/>
-          <p:cNvSpPr/>
-          <p:nvPr/>
-        </p:nvSpPr>
-        <p:spPr>
-          <a:xfrm>
-            <a:off x="5091478" y="2303105"/>
-            <a:ext cx="3483907" cy="1233960"/>
-          </a:xfrm>
-          <a:prstGeom prst="ellipse">
-            <a:avLst/>
-          </a:prstGeom>
-          <a:solidFill>
-            <a:schemeClr val="bg1">
-              <a:lumMod val="85000"/>
-            </a:schemeClr>
-          </a:solidFill>
-        </p:spPr>
-        <p:style>
-          <a:lnRef idx="1">
-            <a:schemeClr val="accent1"/>
-          </a:lnRef>
-          <a:fillRef idx="3">
-            <a:schemeClr val="accent1"/>
-          </a:fillRef>
-          <a:effectRef idx="2">
-            <a:schemeClr val="accent1"/>
-          </a:effectRef>
-          <a:fontRef idx="minor">
-            <a:schemeClr val="lt1"/>
-          </a:fontRef>
-        </p:style>
-        <p:txBody>
-          <a:bodyPr rtlCol="0" anchor="ctr"/>
-          <a:lstStyle/>
-          <a:p>
-            <a:pPr algn="ctr"/>
-            <a:endParaRPr lang="fr-FR"/>
-          </a:p>
-        </p:txBody>
-      </p:sp>
       <p:grpSp>
         <p:nvGrpSpPr>
-          <p:cNvPr id="5" name="Grouper 4"/>
+          <p:cNvPr id="188" name="Grouper 187"/>
           <p:cNvGrpSpPr/>
           <p:nvPr/>
         </p:nvGrpSpPr>
         <p:grpSpPr>
           <a:xfrm>
-            <a:off x="5734621" y="1820664"/>
-            <a:ext cx="2064084" cy="2044464"/>
-            <a:chOff x="1755716" y="1441609"/>
-            <a:chExt cx="2064084" cy="2044464"/>
+            <a:off x="757764" y="468868"/>
+            <a:ext cx="8206861" cy="5410890"/>
+            <a:chOff x="757764" y="468868"/>
+            <a:chExt cx="8206861" cy="5410890"/>
           </a:xfrm>
-          <a:scene3d>
-            <a:camera prst="perspectiveFront">
-              <a:rot lat="17699988" lon="0" rev="0"/>
-            </a:camera>
-            <a:lightRig rig="threePt" dir="t"/>
-          </a:scene3d>
         </p:grpSpPr>
-        <p:grpSp>
-          <p:nvGrpSpPr>
-            <p:cNvPr id="6" name="Grouper 6"/>
-            <p:cNvGrpSpPr/>
-            <p:nvPr/>
-          </p:nvGrpSpPr>
-          <p:grpSpPr>
-            <a:xfrm rot="2904786">
-              <a:off x="2894305" y="1436281"/>
-              <a:ext cx="129591" cy="140248"/>
-              <a:chOff x="1897063" y="2516188"/>
-              <a:chExt cx="129591" cy="140248"/>
-            </a:xfrm>
-          </p:grpSpPr>
-          <p:sp>
-            <p:nvSpPr>
-              <p:cNvPr id="51" name="Ellipse 3"/>
-              <p:cNvSpPr/>
-              <p:nvPr/>
-            </p:nvSpPr>
-            <p:spPr>
-              <a:xfrm>
-                <a:off x="1897063" y="2516188"/>
-                <a:ext cx="129591" cy="140248"/>
-              </a:xfrm>
-              <a:prstGeom prst="ellipse">
-                <a:avLst/>
-              </a:prstGeom>
-              <a:solidFill>
-                <a:schemeClr val="tx1"/>
-              </a:solidFill>
-              <a:ln>
-                <a:solidFill>
-                  <a:schemeClr val="tx1"/>
-                </a:solidFill>
-              </a:ln>
-              <a:sp3d/>
-            </p:spPr>
-            <p:style>
-              <a:lnRef idx="1">
-                <a:schemeClr val="accent1"/>
-              </a:lnRef>
-              <a:fillRef idx="3">
-                <a:schemeClr val="accent1"/>
-              </a:fillRef>
-              <a:effectRef idx="2">
-                <a:schemeClr val="accent1"/>
-              </a:effectRef>
-              <a:fontRef idx="minor">
-                <a:schemeClr val="lt1"/>
-              </a:fontRef>
-            </p:style>
-            <p:txBody>
-              <a:bodyPr rtlCol="0" anchor="ctr"/>
-              <a:lstStyle/>
-              <a:p>
-                <a:pPr algn="ctr"/>
-                <a:endParaRPr lang="fr-FR"/>
-              </a:p>
-            </p:txBody>
-          </p:sp>
-          <p:sp>
-            <p:nvSpPr>
-              <p:cNvPr id="52" name="Ellipse 5"/>
-              <p:cNvSpPr/>
-              <p:nvPr/>
-            </p:nvSpPr>
-            <p:spPr>
-              <a:xfrm>
-                <a:off x="1897063" y="2557196"/>
-                <a:ext cx="45719" cy="49479"/>
-              </a:xfrm>
-              <a:prstGeom prst="ellipse">
-                <a:avLst/>
-              </a:prstGeom>
-              <a:solidFill>
-                <a:schemeClr val="bg1"/>
-              </a:solidFill>
-              <a:ln>
-                <a:solidFill>
-                  <a:schemeClr val="tx1"/>
-                </a:solidFill>
-              </a:ln>
-              <a:sp3d/>
-            </p:spPr>
-            <p:style>
-              <a:lnRef idx="1">
-                <a:schemeClr val="accent1"/>
-              </a:lnRef>
-              <a:fillRef idx="3">
-                <a:schemeClr val="accent1"/>
-              </a:fillRef>
-              <a:effectRef idx="2">
-                <a:schemeClr val="accent1"/>
-              </a:effectRef>
-              <a:fontRef idx="minor">
-                <a:schemeClr val="lt1"/>
-              </a:fontRef>
-            </p:style>
-            <p:txBody>
-              <a:bodyPr rtlCol="0" anchor="ctr"/>
-              <a:lstStyle/>
-              <a:p>
-                <a:pPr algn="ctr"/>
-                <a:endParaRPr lang="fr-FR"/>
-              </a:p>
-            </p:txBody>
-          </p:sp>
-        </p:grpSp>
         <p:cxnSp>
           <p:nvCxnSpPr>
-            <p:cNvPr id="7" name="Connecteur droit 6"/>
-            <p:cNvCxnSpPr/>
+            <p:cNvPr id="158" name="Connecteur en arc 157"/>
+            <p:cNvCxnSpPr>
+              <a:stCxn id="101" idx="3"/>
+              <a:endCxn id="156" idx="0"/>
+            </p:cNvCxnSpPr>
             <p:nvPr/>
           </p:nvCxnSpPr>
           <p:spPr>
-            <a:xfrm rot="16200000" flipH="1">
-              <a:off x="2818223" y="1783172"/>
-              <a:ext cx="281754" cy="2"/>
+            <a:xfrm flipH="1">
+              <a:off x="7707560" y="1795365"/>
+              <a:ext cx="237212" cy="1251148"/>
             </a:xfrm>
-            <a:prstGeom prst="line">
-              <a:avLst/>
+            <a:prstGeom prst="curvedConnector4">
+              <a:avLst>
+                <a:gd name="adj1" fmla="val -96369"/>
+                <a:gd name="adj2" fmla="val 65837"/>
+              </a:avLst>
             </a:prstGeom>
             <a:ln>
               <a:solidFill>
-                <a:schemeClr val="tx1"/>
+                <a:srgbClr val="000000"/>
               </a:solidFill>
+              <a:tailEnd type="arrow"/>
             </a:ln>
-            <a:sp3d/>
           </p:spPr>
           <p:style>
             <a:lnRef idx="2">
@@ -7939,244 +7741,105 @@
             </a:fontRef>
           </p:style>
         </p:cxnSp>
-        <p:grpSp>
-          <p:nvGrpSpPr>
-            <p:cNvPr id="8" name="Grouper 7"/>
-            <p:cNvGrpSpPr/>
+        <p:sp>
+          <p:nvSpPr>
+            <p:cNvPr id="160" name="Ellipse 159"/>
+            <p:cNvSpPr/>
             <p:nvPr/>
-          </p:nvGrpSpPr>
-          <p:grpSpPr>
-            <a:xfrm rot="2904786">
-              <a:off x="2885190" y="1991629"/>
-              <a:ext cx="129591" cy="140248"/>
-              <a:chOff x="1897063" y="2516188"/>
-              <a:chExt cx="129591" cy="140248"/>
+          </p:nvSpPr>
+          <p:spPr>
+            <a:xfrm>
+              <a:off x="7774914" y="2015299"/>
+              <a:ext cx="1033015" cy="948676"/>
             </a:xfrm>
-          </p:grpSpPr>
-          <p:sp>
-            <p:nvSpPr>
-              <p:cNvPr id="49" name="Ellipse 8"/>
-              <p:cNvSpPr/>
-              <p:nvPr/>
-            </p:nvSpPr>
-            <p:spPr>
-              <a:xfrm>
-                <a:off x="1897063" y="2516188"/>
-                <a:ext cx="129591" cy="140248"/>
-              </a:xfrm>
-              <a:prstGeom prst="ellipse">
-                <a:avLst/>
-              </a:prstGeom>
-              <a:solidFill>
-                <a:schemeClr val="tx1"/>
-              </a:solidFill>
-              <a:ln>
-                <a:solidFill>
-                  <a:schemeClr val="tx1"/>
-                </a:solidFill>
-              </a:ln>
-              <a:sp3d/>
-            </p:spPr>
-            <p:style>
-              <a:lnRef idx="1">
-                <a:schemeClr val="accent1"/>
-              </a:lnRef>
-              <a:fillRef idx="3">
-                <a:schemeClr val="accent1"/>
-              </a:fillRef>
-              <a:effectRef idx="2">
-                <a:schemeClr val="accent1"/>
-              </a:effectRef>
-              <a:fontRef idx="minor">
-                <a:schemeClr val="lt1"/>
-              </a:fontRef>
-            </p:style>
-            <p:txBody>
-              <a:bodyPr rtlCol="0" anchor="ctr"/>
-              <a:lstStyle/>
-              <a:p>
-                <a:pPr algn="ctr"/>
-                <a:endParaRPr lang="fr-FR"/>
-              </a:p>
-            </p:txBody>
-          </p:sp>
-          <p:sp>
-            <p:nvSpPr>
-              <p:cNvPr id="50" name="Ellipse 9"/>
-              <p:cNvSpPr/>
-              <p:nvPr/>
-            </p:nvSpPr>
-            <p:spPr>
-              <a:xfrm>
-                <a:off x="1897063" y="2557196"/>
-                <a:ext cx="45719" cy="49479"/>
-              </a:xfrm>
-              <a:prstGeom prst="ellipse">
-                <a:avLst/>
-              </a:prstGeom>
-              <a:solidFill>
-                <a:schemeClr val="bg1"/>
-              </a:solidFill>
-              <a:ln>
-                <a:solidFill>
-                  <a:schemeClr val="tx1"/>
-                </a:solidFill>
-              </a:ln>
-              <a:sp3d/>
-            </p:spPr>
-            <p:style>
-              <a:lnRef idx="1">
-                <a:schemeClr val="accent1"/>
-              </a:lnRef>
-              <a:fillRef idx="3">
-                <a:schemeClr val="accent1"/>
-              </a:fillRef>
-              <a:effectRef idx="2">
-                <a:schemeClr val="accent1"/>
-              </a:effectRef>
-              <a:fontRef idx="minor">
-                <a:schemeClr val="lt1"/>
-              </a:fontRef>
-            </p:style>
-            <p:txBody>
-              <a:bodyPr rtlCol="0" anchor="ctr"/>
-              <a:lstStyle/>
-              <a:p>
-                <a:pPr algn="ctr"/>
-                <a:endParaRPr lang="fr-FR"/>
-              </a:p>
-            </p:txBody>
-          </p:sp>
-        </p:grpSp>
-        <p:grpSp>
-          <p:nvGrpSpPr>
-            <p:cNvPr id="9" name="Grouper 16"/>
-            <p:cNvGrpSpPr/>
-            <p:nvPr/>
-          </p:nvGrpSpPr>
-          <p:grpSpPr>
-            <a:xfrm rot="2904786">
-              <a:off x="3684880" y="1991629"/>
-              <a:ext cx="129591" cy="140248"/>
-              <a:chOff x="1897063" y="2516188"/>
-              <a:chExt cx="129591" cy="140248"/>
-            </a:xfrm>
-          </p:grpSpPr>
-          <p:sp>
-            <p:nvSpPr>
-              <p:cNvPr id="47" name="Ellipse 46"/>
-              <p:cNvSpPr/>
-              <p:nvPr/>
-            </p:nvSpPr>
-            <p:spPr>
-              <a:xfrm>
-                <a:off x="1897063" y="2516188"/>
-                <a:ext cx="129591" cy="140248"/>
-              </a:xfrm>
-              <a:prstGeom prst="ellipse">
-                <a:avLst/>
-              </a:prstGeom>
-              <a:solidFill>
-                <a:schemeClr val="tx1"/>
-              </a:solidFill>
-              <a:ln>
-                <a:solidFill>
-                  <a:schemeClr val="tx1"/>
-                </a:solidFill>
-              </a:ln>
-              <a:sp3d/>
-            </p:spPr>
-            <p:style>
-              <a:lnRef idx="1">
-                <a:schemeClr val="accent1"/>
-              </a:lnRef>
-              <a:fillRef idx="3">
-                <a:schemeClr val="accent1"/>
-              </a:fillRef>
-              <a:effectRef idx="2">
-                <a:schemeClr val="accent1"/>
-              </a:effectRef>
-              <a:fontRef idx="minor">
-                <a:schemeClr val="lt1"/>
-              </a:fontRef>
-            </p:style>
-            <p:txBody>
-              <a:bodyPr rtlCol="0" anchor="ctr"/>
-              <a:lstStyle/>
-              <a:p>
-                <a:pPr algn="ctr"/>
-                <a:endParaRPr lang="fr-FR"/>
-              </a:p>
-            </p:txBody>
-          </p:sp>
-          <p:sp>
-            <p:nvSpPr>
-              <p:cNvPr id="48" name="Ellipse 47"/>
-              <p:cNvSpPr/>
-              <p:nvPr/>
-            </p:nvSpPr>
-            <p:spPr>
-              <a:xfrm>
-                <a:off x="1897063" y="2557196"/>
-                <a:ext cx="45719" cy="49479"/>
-              </a:xfrm>
-              <a:prstGeom prst="ellipse">
-                <a:avLst/>
-              </a:prstGeom>
-              <a:solidFill>
-                <a:schemeClr val="bg1"/>
-              </a:solidFill>
-              <a:ln>
-                <a:solidFill>
-                  <a:schemeClr val="tx1"/>
-                </a:solidFill>
-              </a:ln>
-              <a:sp3d/>
-            </p:spPr>
-            <p:style>
-              <a:lnRef idx="1">
-                <a:schemeClr val="accent1"/>
-              </a:lnRef>
-              <a:fillRef idx="3">
-                <a:schemeClr val="accent1"/>
-              </a:fillRef>
-              <a:effectRef idx="2">
-                <a:schemeClr val="accent1"/>
-              </a:effectRef>
-              <a:fontRef idx="minor">
-                <a:schemeClr val="lt1"/>
-              </a:fontRef>
-            </p:style>
-            <p:txBody>
-              <a:bodyPr rtlCol="0" anchor="ctr"/>
-              <a:lstStyle/>
-              <a:p>
-                <a:pPr algn="ctr"/>
-                <a:endParaRPr lang="fr-FR"/>
-              </a:p>
-            </p:txBody>
-          </p:sp>
-        </p:grpSp>
-        <p:cxnSp>
-          <p:nvCxnSpPr>
-            <p:cNvPr id="10" name="Connecteur droit 9"/>
-            <p:cNvCxnSpPr/>
-            <p:nvPr/>
-          </p:nvCxnSpPr>
-          <p:spPr>
-            <a:xfrm rot="10800000" flipV="1">
-              <a:off x="2254869" y="1641987"/>
-              <a:ext cx="636881" cy="351977"/>
-            </a:xfrm>
-            <a:prstGeom prst="line">
+            <a:prstGeom prst="ellipse">
               <a:avLst/>
             </a:prstGeom>
+            <a:solidFill>
+              <a:schemeClr val="bg1">
+                <a:lumMod val="85000"/>
+                <a:alpha val="81000"/>
+              </a:schemeClr>
+            </a:solidFill>
             <a:ln>
               <a:solidFill>
-                <a:schemeClr val="tx1"/>
+                <a:schemeClr val="accent1">
+                  <a:shade val="95000"/>
+                  <a:satMod val="105000"/>
+                  <a:alpha val="94000"/>
+                </a:schemeClr>
               </a:solidFill>
             </a:ln>
-            <a:sp3d/>
+          </p:spPr>
+          <p:style>
+            <a:lnRef idx="1">
+              <a:schemeClr val="accent1"/>
+            </a:lnRef>
+            <a:fillRef idx="3">
+              <a:schemeClr val="accent1"/>
+            </a:fillRef>
+            <a:effectRef idx="2">
+              <a:schemeClr val="accent1"/>
+            </a:effectRef>
+            <a:fontRef idx="minor">
+              <a:schemeClr val="lt1"/>
+            </a:fontRef>
+          </p:style>
+          <p:txBody>
+            <a:bodyPr rtlCol="0" anchor="ctr"/>
+            <a:lstStyle/>
+            <a:p>
+              <a:pPr algn="ctr"/>
+              <a:endParaRPr lang="fr-FR"/>
+            </a:p>
+          </p:txBody>
+        </p:sp>
+        <p:sp>
+          <p:nvSpPr>
+            <p:cNvPr id="108" name="Forme libre 107"/>
+            <p:cNvSpPr/>
+            <p:nvPr/>
+          </p:nvSpPr>
+          <p:spPr>
+            <a:xfrm>
+              <a:off x="930184" y="1795365"/>
+              <a:ext cx="4816321" cy="24740"/>
+            </a:xfrm>
+            <a:custGeom>
+              <a:avLst/>
+              <a:gdLst>
+                <a:gd name="connsiteX0" fmla="*/ 4816321 w 4816321"/>
+                <a:gd name="connsiteY0" fmla="*/ 0 h 24740"/>
+                <a:gd name="connsiteX1" fmla="*/ 0 w 4816321"/>
+                <a:gd name="connsiteY1" fmla="*/ 24740 h 24740"/>
+              </a:gdLst>
+              <a:ahLst/>
+              <a:cxnLst>
+                <a:cxn ang="0">
+                  <a:pos x="connsiteX0" y="connsiteY0"/>
+                </a:cxn>
+                <a:cxn ang="0">
+                  <a:pos x="connsiteX1" y="connsiteY1"/>
+                </a:cxn>
+              </a:cxnLst>
+              <a:rect l="l" t="t" r="r" b="b"/>
+              <a:pathLst>
+                <a:path w="4816321" h="24740">
+                  <a:moveTo>
+                    <a:pt x="4816321" y="0"/>
+                  </a:moveTo>
+                  <a:lnTo>
+                    <a:pt x="0" y="24740"/>
+                  </a:lnTo>
+                </a:path>
+              </a:pathLst>
+            </a:custGeom>
+            <a:ln>
+              <a:solidFill>
+                <a:srgbClr val="000000"/>
+              </a:solidFill>
+              <a:headEnd type="arrow"/>
+            </a:ln>
           </p:spPr>
           <p:style>
             <a:lnRef idx="2">
@@ -8192,1382 +7855,3261 @@
               <a:schemeClr val="tx1"/>
             </a:fontRef>
           </p:style>
-        </p:cxnSp>
-        <p:grpSp>
-          <p:nvGrpSpPr>
-            <p:cNvPr id="11" name="Grouper 30"/>
-            <p:cNvGrpSpPr/>
-            <p:nvPr/>
-          </p:nvGrpSpPr>
-          <p:grpSpPr>
-            <a:xfrm rot="2904786">
-              <a:off x="2094614" y="1990877"/>
-              <a:ext cx="129591" cy="140248"/>
-              <a:chOff x="1897063" y="2516188"/>
-              <a:chExt cx="129591" cy="140248"/>
-            </a:xfrm>
-          </p:grpSpPr>
-          <p:sp>
-            <p:nvSpPr>
-              <p:cNvPr id="45" name="Ellipse 44"/>
-              <p:cNvSpPr/>
-              <p:nvPr/>
-            </p:nvSpPr>
-            <p:spPr>
-              <a:xfrm>
-                <a:off x="1897063" y="2516188"/>
-                <a:ext cx="129591" cy="140248"/>
-              </a:xfrm>
-              <a:prstGeom prst="ellipse">
-                <a:avLst/>
-              </a:prstGeom>
-              <a:solidFill>
-                <a:schemeClr val="tx1"/>
-              </a:solidFill>
-              <a:ln>
-                <a:solidFill>
-                  <a:schemeClr val="tx1"/>
-                </a:solidFill>
-              </a:ln>
-              <a:sp3d/>
-            </p:spPr>
-            <p:style>
-              <a:lnRef idx="1">
-                <a:schemeClr val="accent1"/>
-              </a:lnRef>
-              <a:fillRef idx="3">
-                <a:schemeClr val="accent1"/>
-              </a:fillRef>
-              <a:effectRef idx="2">
-                <a:schemeClr val="accent1"/>
-              </a:effectRef>
-              <a:fontRef idx="minor">
-                <a:schemeClr val="lt1"/>
-              </a:fontRef>
-            </p:style>
-            <p:txBody>
-              <a:bodyPr rtlCol="0" anchor="ctr"/>
-              <a:lstStyle/>
-              <a:p>
-                <a:pPr algn="ctr"/>
-                <a:endParaRPr lang="fr-FR"/>
-              </a:p>
-            </p:txBody>
-          </p:sp>
-          <p:sp>
-            <p:nvSpPr>
-              <p:cNvPr id="46" name="Ellipse 45"/>
-              <p:cNvSpPr/>
-              <p:nvPr/>
-            </p:nvSpPr>
-            <p:spPr>
-              <a:xfrm>
-                <a:off x="1897063" y="2557196"/>
-                <a:ext cx="45719" cy="49479"/>
-              </a:xfrm>
-              <a:prstGeom prst="ellipse">
-                <a:avLst/>
-              </a:prstGeom>
-              <a:solidFill>
-                <a:schemeClr val="bg1"/>
-              </a:solidFill>
-              <a:ln>
-                <a:solidFill>
-                  <a:schemeClr val="tx1"/>
-                </a:solidFill>
-              </a:ln>
-              <a:sp3d/>
-            </p:spPr>
-            <p:style>
-              <a:lnRef idx="1">
-                <a:schemeClr val="accent1"/>
-              </a:lnRef>
-              <a:fillRef idx="3">
-                <a:schemeClr val="accent1"/>
-              </a:fillRef>
-              <a:effectRef idx="2">
-                <a:schemeClr val="accent1"/>
-              </a:effectRef>
-              <a:fontRef idx="minor">
-                <a:schemeClr val="lt1"/>
-              </a:fontRef>
-            </p:style>
-            <p:txBody>
-              <a:bodyPr rtlCol="0" anchor="ctr"/>
-              <a:lstStyle/>
-              <a:p>
-                <a:pPr algn="ctr"/>
-                <a:endParaRPr lang="fr-FR"/>
-              </a:p>
-            </p:txBody>
-          </p:sp>
-        </p:grpSp>
-        <p:grpSp>
-          <p:nvGrpSpPr>
-            <p:cNvPr id="12" name="Grouper 43"/>
-            <p:cNvGrpSpPr/>
-            <p:nvPr/>
-          </p:nvGrpSpPr>
-          <p:grpSpPr>
-            <a:xfrm rot="2904786">
-              <a:off x="2340980" y="2694971"/>
-              <a:ext cx="129591" cy="140248"/>
-              <a:chOff x="1897063" y="2516188"/>
-              <a:chExt cx="129591" cy="140248"/>
-            </a:xfrm>
-          </p:grpSpPr>
-          <p:sp>
-            <p:nvSpPr>
-              <p:cNvPr id="43" name="Ellipse 42"/>
-              <p:cNvSpPr/>
-              <p:nvPr/>
-            </p:nvSpPr>
-            <p:spPr>
-              <a:xfrm>
-                <a:off x="1897063" y="2516188"/>
-                <a:ext cx="129591" cy="140248"/>
-              </a:xfrm>
-              <a:prstGeom prst="ellipse">
-                <a:avLst/>
-              </a:prstGeom>
-              <a:solidFill>
-                <a:schemeClr val="tx1"/>
-              </a:solidFill>
-              <a:ln>
-                <a:solidFill>
-                  <a:schemeClr val="tx1"/>
-                </a:solidFill>
-              </a:ln>
-              <a:sp3d/>
-            </p:spPr>
-            <p:style>
-              <a:lnRef idx="1">
-                <a:schemeClr val="accent1"/>
-              </a:lnRef>
-              <a:fillRef idx="3">
-                <a:schemeClr val="accent1"/>
-              </a:fillRef>
-              <a:effectRef idx="2">
-                <a:schemeClr val="accent1"/>
-              </a:effectRef>
-              <a:fontRef idx="minor">
-                <a:schemeClr val="lt1"/>
-              </a:fontRef>
-            </p:style>
-            <p:txBody>
-              <a:bodyPr rtlCol="0" anchor="ctr"/>
-              <a:lstStyle/>
-              <a:p>
-                <a:pPr algn="ctr"/>
-                <a:endParaRPr lang="fr-FR"/>
-              </a:p>
-            </p:txBody>
-          </p:sp>
-          <p:sp>
-            <p:nvSpPr>
-              <p:cNvPr id="44" name="Ellipse 43"/>
-              <p:cNvSpPr/>
-              <p:nvPr/>
-            </p:nvSpPr>
-            <p:spPr>
-              <a:xfrm>
-                <a:off x="1897063" y="2557196"/>
-                <a:ext cx="45719" cy="49479"/>
-              </a:xfrm>
-              <a:prstGeom prst="ellipse">
-                <a:avLst/>
-              </a:prstGeom>
-              <a:solidFill>
-                <a:schemeClr val="bg1"/>
-              </a:solidFill>
-              <a:ln>
-                <a:solidFill>
-                  <a:schemeClr val="tx1"/>
-                </a:solidFill>
-              </a:ln>
-              <a:sp3d/>
-            </p:spPr>
-            <p:style>
-              <a:lnRef idx="1">
-                <a:schemeClr val="accent1"/>
-              </a:lnRef>
-              <a:fillRef idx="3">
-                <a:schemeClr val="accent1"/>
-              </a:fillRef>
-              <a:effectRef idx="2">
-                <a:schemeClr val="accent1"/>
-              </a:effectRef>
-              <a:fontRef idx="minor">
-                <a:schemeClr val="lt1"/>
-              </a:fontRef>
-            </p:style>
-            <p:txBody>
-              <a:bodyPr rtlCol="0" anchor="ctr"/>
-              <a:lstStyle/>
-              <a:p>
-                <a:pPr algn="ctr"/>
-                <a:endParaRPr lang="fr-FR"/>
-              </a:p>
-            </p:txBody>
-          </p:sp>
-        </p:grpSp>
-        <p:grpSp>
-          <p:nvGrpSpPr>
-            <p:cNvPr id="13" name="Grouper 46"/>
-            <p:cNvGrpSpPr/>
-            <p:nvPr/>
-          </p:nvGrpSpPr>
-          <p:grpSpPr>
-            <a:xfrm rot="2904786">
-              <a:off x="1761044" y="2694970"/>
-              <a:ext cx="129591" cy="140248"/>
-              <a:chOff x="1897063" y="2516188"/>
-              <a:chExt cx="129591" cy="140248"/>
-            </a:xfrm>
-          </p:grpSpPr>
-          <p:sp>
-            <p:nvSpPr>
-              <p:cNvPr id="41" name="Ellipse 40"/>
-              <p:cNvSpPr/>
-              <p:nvPr/>
-            </p:nvSpPr>
-            <p:spPr>
-              <a:xfrm>
-                <a:off x="1897063" y="2516188"/>
-                <a:ext cx="129591" cy="140248"/>
-              </a:xfrm>
-              <a:prstGeom prst="ellipse">
-                <a:avLst/>
-              </a:prstGeom>
-              <a:solidFill>
-                <a:schemeClr val="tx1"/>
-              </a:solidFill>
-              <a:ln>
-                <a:solidFill>
-                  <a:schemeClr val="tx1"/>
-                </a:solidFill>
-              </a:ln>
-              <a:sp3d/>
-            </p:spPr>
-            <p:style>
-              <a:lnRef idx="1">
-                <a:schemeClr val="accent1"/>
-              </a:lnRef>
-              <a:fillRef idx="3">
-                <a:schemeClr val="accent1"/>
-              </a:fillRef>
-              <a:effectRef idx="2">
-                <a:schemeClr val="accent1"/>
-              </a:effectRef>
-              <a:fontRef idx="minor">
-                <a:schemeClr val="lt1"/>
-              </a:fontRef>
-            </p:style>
-            <p:txBody>
-              <a:bodyPr rtlCol="0" anchor="ctr"/>
-              <a:lstStyle/>
-              <a:p>
-                <a:pPr algn="ctr"/>
-                <a:endParaRPr lang="fr-FR"/>
-              </a:p>
-            </p:txBody>
-          </p:sp>
-          <p:sp>
-            <p:nvSpPr>
-              <p:cNvPr id="42" name="Ellipse 41"/>
-              <p:cNvSpPr/>
-              <p:nvPr/>
-            </p:nvSpPr>
-            <p:spPr>
-              <a:xfrm>
-                <a:off x="1897063" y="2557196"/>
-                <a:ext cx="45719" cy="49479"/>
-              </a:xfrm>
-              <a:prstGeom prst="ellipse">
-                <a:avLst/>
-              </a:prstGeom>
-              <a:solidFill>
-                <a:schemeClr val="bg1"/>
-              </a:solidFill>
-              <a:ln>
-                <a:solidFill>
-                  <a:schemeClr val="tx1"/>
-                </a:solidFill>
-              </a:ln>
-              <a:sp3d/>
-            </p:spPr>
-            <p:style>
-              <a:lnRef idx="1">
-                <a:schemeClr val="accent1"/>
-              </a:lnRef>
-              <a:fillRef idx="3">
-                <a:schemeClr val="accent1"/>
-              </a:fillRef>
-              <a:effectRef idx="2">
-                <a:schemeClr val="accent1"/>
-              </a:effectRef>
-              <a:fontRef idx="minor">
-                <a:schemeClr val="lt1"/>
-              </a:fontRef>
-            </p:style>
-            <p:txBody>
-              <a:bodyPr rtlCol="0" anchor="ctr"/>
-              <a:lstStyle/>
-              <a:p>
-                <a:pPr algn="ctr"/>
-                <a:endParaRPr lang="fr-FR"/>
-              </a:p>
-            </p:txBody>
-          </p:sp>
-        </p:grpSp>
-        <p:grpSp>
-          <p:nvGrpSpPr>
-            <p:cNvPr id="14" name="Grouper 49"/>
-            <p:cNvGrpSpPr/>
-            <p:nvPr/>
-          </p:nvGrpSpPr>
-          <p:grpSpPr>
-            <a:xfrm rot="2904786">
-              <a:off x="2885191" y="2696474"/>
-              <a:ext cx="129591" cy="140248"/>
-              <a:chOff x="1897063" y="2516188"/>
-              <a:chExt cx="129591" cy="140248"/>
-            </a:xfrm>
-          </p:grpSpPr>
-          <p:sp>
-            <p:nvSpPr>
-              <p:cNvPr id="39" name="Ellipse 38"/>
-              <p:cNvSpPr/>
-              <p:nvPr/>
-            </p:nvSpPr>
-            <p:spPr>
-              <a:xfrm>
-                <a:off x="1897063" y="2516188"/>
-                <a:ext cx="129591" cy="140248"/>
-              </a:xfrm>
-              <a:prstGeom prst="ellipse">
-                <a:avLst/>
-              </a:prstGeom>
-              <a:solidFill>
-                <a:schemeClr val="tx1"/>
-              </a:solidFill>
-              <a:ln>
-                <a:solidFill>
-                  <a:schemeClr val="tx1"/>
-                </a:solidFill>
-              </a:ln>
-              <a:sp3d/>
-            </p:spPr>
-            <p:style>
-              <a:lnRef idx="1">
-                <a:schemeClr val="accent1"/>
-              </a:lnRef>
-              <a:fillRef idx="3">
-                <a:schemeClr val="accent1"/>
-              </a:fillRef>
-              <a:effectRef idx="2">
-                <a:schemeClr val="accent1"/>
-              </a:effectRef>
-              <a:fontRef idx="minor">
-                <a:schemeClr val="lt1"/>
-              </a:fontRef>
-            </p:style>
-            <p:txBody>
-              <a:bodyPr rtlCol="0" anchor="ctr"/>
-              <a:lstStyle/>
-              <a:p>
-                <a:pPr algn="ctr"/>
-                <a:endParaRPr lang="fr-FR"/>
-              </a:p>
-            </p:txBody>
-          </p:sp>
-          <p:sp>
-            <p:nvSpPr>
-              <p:cNvPr id="40" name="Ellipse 39"/>
-              <p:cNvSpPr/>
-              <p:nvPr/>
-            </p:nvSpPr>
-            <p:spPr>
-              <a:xfrm>
-                <a:off x="1897063" y="2557196"/>
-                <a:ext cx="45719" cy="49479"/>
-              </a:xfrm>
-              <a:prstGeom prst="ellipse">
-                <a:avLst/>
-              </a:prstGeom>
-              <a:solidFill>
-                <a:schemeClr val="bg1"/>
-              </a:solidFill>
-              <a:ln>
-                <a:solidFill>
-                  <a:schemeClr val="tx1"/>
-                </a:solidFill>
-              </a:ln>
-              <a:sp3d/>
-            </p:spPr>
-            <p:style>
-              <a:lnRef idx="1">
-                <a:schemeClr val="accent1"/>
-              </a:lnRef>
-              <a:fillRef idx="3">
-                <a:schemeClr val="accent1"/>
-              </a:fillRef>
-              <a:effectRef idx="2">
-                <a:schemeClr val="accent1"/>
-              </a:effectRef>
-              <a:fontRef idx="minor">
-                <a:schemeClr val="lt1"/>
-              </a:fontRef>
-            </p:style>
-            <p:txBody>
-              <a:bodyPr rtlCol="0" anchor="ctr"/>
-              <a:lstStyle/>
-              <a:p>
-                <a:pPr algn="ctr"/>
-                <a:endParaRPr lang="fr-FR"/>
-              </a:p>
-            </p:txBody>
-          </p:sp>
-        </p:grpSp>
-        <p:grpSp>
-          <p:nvGrpSpPr>
-            <p:cNvPr id="15" name="Grouper 52"/>
-            <p:cNvGrpSpPr/>
-            <p:nvPr/>
-          </p:nvGrpSpPr>
-          <p:grpSpPr>
-            <a:xfrm rot="2904786">
-              <a:off x="3219148" y="2696474"/>
-              <a:ext cx="129591" cy="140248"/>
-              <a:chOff x="1897063" y="2516188"/>
-              <a:chExt cx="129591" cy="140248"/>
-            </a:xfrm>
-          </p:grpSpPr>
-          <p:sp>
-            <p:nvSpPr>
-              <p:cNvPr id="37" name="Ellipse 36"/>
-              <p:cNvSpPr/>
-              <p:nvPr/>
-            </p:nvSpPr>
-            <p:spPr>
-              <a:xfrm>
-                <a:off x="1897063" y="2516188"/>
-                <a:ext cx="129591" cy="140248"/>
-              </a:xfrm>
-              <a:prstGeom prst="ellipse">
-                <a:avLst/>
-              </a:prstGeom>
-              <a:solidFill>
-                <a:schemeClr val="tx1"/>
-              </a:solidFill>
-              <a:ln>
-                <a:solidFill>
-                  <a:schemeClr val="tx1"/>
-                </a:solidFill>
-              </a:ln>
-              <a:sp3d/>
-            </p:spPr>
-            <p:style>
-              <a:lnRef idx="1">
-                <a:schemeClr val="accent1"/>
-              </a:lnRef>
-              <a:fillRef idx="3">
-                <a:schemeClr val="accent1"/>
-              </a:fillRef>
-              <a:effectRef idx="2">
-                <a:schemeClr val="accent1"/>
-              </a:effectRef>
-              <a:fontRef idx="minor">
-                <a:schemeClr val="lt1"/>
-              </a:fontRef>
-            </p:style>
-            <p:txBody>
-              <a:bodyPr rtlCol="0" anchor="ctr"/>
-              <a:lstStyle/>
-              <a:p>
-                <a:pPr algn="ctr"/>
-                <a:endParaRPr lang="fr-FR"/>
-              </a:p>
-            </p:txBody>
-          </p:sp>
-          <p:sp>
-            <p:nvSpPr>
-              <p:cNvPr id="38" name="Ellipse 37"/>
-              <p:cNvSpPr/>
-              <p:nvPr/>
-            </p:nvSpPr>
-            <p:spPr>
-              <a:xfrm>
-                <a:off x="1897063" y="2557196"/>
-                <a:ext cx="45719" cy="49479"/>
-              </a:xfrm>
-              <a:prstGeom prst="ellipse">
-                <a:avLst/>
-              </a:prstGeom>
-              <a:solidFill>
-                <a:schemeClr val="bg1"/>
-              </a:solidFill>
-              <a:ln>
-                <a:solidFill>
-                  <a:schemeClr val="tx1"/>
-                </a:solidFill>
-              </a:ln>
-              <a:sp3d/>
-            </p:spPr>
-            <p:style>
-              <a:lnRef idx="1">
-                <a:schemeClr val="accent1"/>
-              </a:lnRef>
-              <a:fillRef idx="3">
-                <a:schemeClr val="accent1"/>
-              </a:fillRef>
-              <a:effectRef idx="2">
-                <a:schemeClr val="accent1"/>
-              </a:effectRef>
-              <a:fontRef idx="minor">
-                <a:schemeClr val="lt1"/>
-              </a:fontRef>
-            </p:style>
-            <p:txBody>
-              <a:bodyPr rtlCol="0" anchor="ctr"/>
-              <a:lstStyle/>
-              <a:p>
-                <a:pPr algn="ctr"/>
-                <a:endParaRPr lang="fr-FR"/>
-              </a:p>
-            </p:txBody>
-          </p:sp>
-        </p:grpSp>
-        <p:grpSp>
-          <p:nvGrpSpPr>
-            <p:cNvPr id="16" name="Grouper 55"/>
-            <p:cNvGrpSpPr/>
-            <p:nvPr/>
-          </p:nvGrpSpPr>
-          <p:grpSpPr>
-            <a:xfrm rot="2904786">
-              <a:off x="2571127" y="2694971"/>
-              <a:ext cx="129591" cy="140248"/>
-              <a:chOff x="1897063" y="2516188"/>
-              <a:chExt cx="129591" cy="140248"/>
-            </a:xfrm>
-          </p:grpSpPr>
-          <p:sp>
-            <p:nvSpPr>
-              <p:cNvPr id="35" name="Ellipse 34"/>
-              <p:cNvSpPr/>
-              <p:nvPr/>
-            </p:nvSpPr>
-            <p:spPr>
-              <a:xfrm>
-                <a:off x="1897063" y="2516188"/>
-                <a:ext cx="129591" cy="140248"/>
-              </a:xfrm>
-              <a:prstGeom prst="ellipse">
-                <a:avLst/>
-              </a:prstGeom>
-              <a:solidFill>
-                <a:schemeClr val="tx1"/>
-              </a:solidFill>
-              <a:ln>
-                <a:solidFill>
-                  <a:schemeClr val="tx1"/>
-                </a:solidFill>
-              </a:ln>
-              <a:sp3d/>
-            </p:spPr>
-            <p:style>
-              <a:lnRef idx="1">
-                <a:schemeClr val="accent1"/>
-              </a:lnRef>
-              <a:fillRef idx="3">
-                <a:schemeClr val="accent1"/>
-              </a:fillRef>
-              <a:effectRef idx="2">
-                <a:schemeClr val="accent1"/>
-              </a:effectRef>
-              <a:fontRef idx="minor">
-                <a:schemeClr val="lt1"/>
-              </a:fontRef>
-            </p:style>
-            <p:txBody>
-              <a:bodyPr rtlCol="0" anchor="ctr"/>
-              <a:lstStyle/>
-              <a:p>
-                <a:pPr algn="ctr"/>
-                <a:endParaRPr lang="fr-FR"/>
-              </a:p>
-            </p:txBody>
-          </p:sp>
-          <p:sp>
-            <p:nvSpPr>
-              <p:cNvPr id="36" name="Ellipse 35"/>
-              <p:cNvSpPr/>
-              <p:nvPr/>
-            </p:nvSpPr>
-            <p:spPr>
-              <a:xfrm>
-                <a:off x="1897063" y="2557196"/>
-                <a:ext cx="45719" cy="49479"/>
-              </a:xfrm>
-              <a:prstGeom prst="ellipse">
-                <a:avLst/>
-              </a:prstGeom>
-              <a:solidFill>
-                <a:schemeClr val="bg1"/>
-              </a:solidFill>
-              <a:ln>
-                <a:solidFill>
-                  <a:schemeClr val="tx1"/>
-                </a:solidFill>
-              </a:ln>
-              <a:sp3d/>
-            </p:spPr>
-            <p:style>
-              <a:lnRef idx="1">
-                <a:schemeClr val="accent1"/>
-              </a:lnRef>
-              <a:fillRef idx="3">
-                <a:schemeClr val="accent1"/>
-              </a:fillRef>
-              <a:effectRef idx="2">
-                <a:schemeClr val="accent1"/>
-              </a:effectRef>
-              <a:fontRef idx="minor">
-                <a:schemeClr val="lt1"/>
-              </a:fontRef>
-            </p:style>
-            <p:txBody>
-              <a:bodyPr rtlCol="0" anchor="ctr"/>
-              <a:lstStyle/>
-              <a:p>
-                <a:pPr algn="ctr"/>
-                <a:endParaRPr lang="fr-FR"/>
-              </a:p>
-            </p:txBody>
-          </p:sp>
-        </p:grpSp>
-        <p:grpSp>
-          <p:nvGrpSpPr>
-            <p:cNvPr id="17" name="Grouper 58"/>
-            <p:cNvGrpSpPr/>
-            <p:nvPr/>
-          </p:nvGrpSpPr>
-          <p:grpSpPr>
-            <a:xfrm rot="2904786">
-              <a:off x="3501783" y="3351154"/>
-              <a:ext cx="129591" cy="140248"/>
-              <a:chOff x="1897063" y="2516188"/>
-              <a:chExt cx="129591" cy="140248"/>
-            </a:xfrm>
-          </p:grpSpPr>
-          <p:sp>
-            <p:nvSpPr>
-              <p:cNvPr id="33" name="Ellipse 32"/>
-              <p:cNvSpPr/>
-              <p:nvPr/>
-            </p:nvSpPr>
-            <p:spPr>
-              <a:xfrm>
-                <a:off x="1897063" y="2516188"/>
-                <a:ext cx="129591" cy="140248"/>
-              </a:xfrm>
-              <a:prstGeom prst="ellipse">
-                <a:avLst/>
-              </a:prstGeom>
-              <a:solidFill>
-                <a:schemeClr val="tx1"/>
-              </a:solidFill>
-              <a:ln>
-                <a:solidFill>
-                  <a:schemeClr val="tx1"/>
-                </a:solidFill>
-              </a:ln>
-              <a:sp3d/>
-            </p:spPr>
-            <p:style>
-              <a:lnRef idx="1">
-                <a:schemeClr val="accent1"/>
-              </a:lnRef>
-              <a:fillRef idx="3">
-                <a:schemeClr val="accent1"/>
-              </a:fillRef>
-              <a:effectRef idx="2">
-                <a:schemeClr val="accent1"/>
-              </a:effectRef>
-              <a:fontRef idx="minor">
-                <a:schemeClr val="lt1"/>
-              </a:fontRef>
-            </p:style>
-            <p:txBody>
-              <a:bodyPr rtlCol="0" anchor="ctr"/>
-              <a:lstStyle/>
-              <a:p>
-                <a:pPr algn="ctr"/>
-                <a:endParaRPr lang="fr-FR"/>
-              </a:p>
-            </p:txBody>
-          </p:sp>
-          <p:sp>
-            <p:nvSpPr>
-              <p:cNvPr id="34" name="Ellipse 33"/>
-              <p:cNvSpPr/>
-              <p:nvPr/>
-            </p:nvSpPr>
-            <p:spPr>
-              <a:xfrm>
-                <a:off x="1897063" y="2557196"/>
-                <a:ext cx="45719" cy="49479"/>
-              </a:xfrm>
-              <a:prstGeom prst="ellipse">
-                <a:avLst/>
-              </a:prstGeom>
-              <a:solidFill>
-                <a:schemeClr val="bg1"/>
-              </a:solidFill>
-              <a:ln>
-                <a:solidFill>
-                  <a:schemeClr val="tx1"/>
-                </a:solidFill>
-              </a:ln>
-              <a:sp3d/>
-            </p:spPr>
-            <p:style>
-              <a:lnRef idx="1">
-                <a:schemeClr val="accent1"/>
-              </a:lnRef>
-              <a:fillRef idx="3">
-                <a:schemeClr val="accent1"/>
-              </a:fillRef>
-              <a:effectRef idx="2">
-                <a:schemeClr val="accent1"/>
-              </a:effectRef>
-              <a:fontRef idx="minor">
-                <a:schemeClr val="lt1"/>
-              </a:fontRef>
-            </p:style>
-            <p:txBody>
-              <a:bodyPr rtlCol="0" anchor="ctr"/>
-              <a:lstStyle/>
-              <a:p>
-                <a:pPr algn="ctr"/>
-                <a:endParaRPr lang="fr-FR"/>
-              </a:p>
-            </p:txBody>
-          </p:sp>
-        </p:grpSp>
-        <p:grpSp>
-          <p:nvGrpSpPr>
-            <p:cNvPr id="18" name="Grouper 61"/>
-            <p:cNvGrpSpPr/>
-            <p:nvPr/>
-          </p:nvGrpSpPr>
-          <p:grpSpPr>
-            <a:xfrm rot="2904786">
-              <a:off x="2931524" y="3351153"/>
-              <a:ext cx="129591" cy="140248"/>
-              <a:chOff x="1897063" y="2516188"/>
-              <a:chExt cx="129591" cy="140248"/>
-            </a:xfrm>
-          </p:grpSpPr>
-          <p:sp>
-            <p:nvSpPr>
-              <p:cNvPr id="31" name="Ellipse 30"/>
-              <p:cNvSpPr/>
-              <p:nvPr/>
-            </p:nvSpPr>
-            <p:spPr>
-              <a:xfrm>
-                <a:off x="1897063" y="2516188"/>
-                <a:ext cx="129591" cy="140248"/>
-              </a:xfrm>
-              <a:prstGeom prst="ellipse">
-                <a:avLst/>
-              </a:prstGeom>
-              <a:solidFill>
-                <a:schemeClr val="tx1"/>
-              </a:solidFill>
-              <a:ln>
-                <a:solidFill>
-                  <a:schemeClr val="tx1"/>
-                </a:solidFill>
-              </a:ln>
-              <a:sp3d/>
-            </p:spPr>
-            <p:style>
-              <a:lnRef idx="1">
-                <a:schemeClr val="accent1"/>
-              </a:lnRef>
-              <a:fillRef idx="3">
-                <a:schemeClr val="accent1"/>
-              </a:fillRef>
-              <a:effectRef idx="2">
-                <a:schemeClr val="accent1"/>
-              </a:effectRef>
-              <a:fontRef idx="minor">
-                <a:schemeClr val="lt1"/>
-              </a:fontRef>
-            </p:style>
-            <p:txBody>
-              <a:bodyPr rtlCol="0" anchor="ctr"/>
-              <a:lstStyle/>
-              <a:p>
-                <a:pPr algn="ctr"/>
-                <a:endParaRPr lang="fr-FR"/>
-              </a:p>
-            </p:txBody>
-          </p:sp>
-          <p:sp>
-            <p:nvSpPr>
-              <p:cNvPr id="32" name="Ellipse 31"/>
-              <p:cNvSpPr/>
-              <p:nvPr/>
-            </p:nvSpPr>
-            <p:spPr>
-              <a:xfrm>
-                <a:off x="1897063" y="2557196"/>
-                <a:ext cx="45719" cy="49479"/>
-              </a:xfrm>
-              <a:prstGeom prst="ellipse">
-                <a:avLst/>
-              </a:prstGeom>
-              <a:solidFill>
-                <a:schemeClr val="bg1"/>
-              </a:solidFill>
-              <a:ln>
-                <a:solidFill>
-                  <a:schemeClr val="tx1"/>
-                </a:solidFill>
-              </a:ln>
-              <a:sp3d/>
-            </p:spPr>
-            <p:style>
-              <a:lnRef idx="1">
-                <a:schemeClr val="accent1"/>
-              </a:lnRef>
-              <a:fillRef idx="3">
-                <a:schemeClr val="accent1"/>
-              </a:fillRef>
-              <a:effectRef idx="2">
-                <a:schemeClr val="accent1"/>
-              </a:effectRef>
-              <a:fontRef idx="minor">
-                <a:schemeClr val="lt1"/>
-              </a:fontRef>
-            </p:style>
-            <p:txBody>
-              <a:bodyPr rtlCol="0" anchor="ctr"/>
-              <a:lstStyle/>
-              <a:p>
-                <a:pPr algn="ctr"/>
-                <a:endParaRPr lang="fr-FR"/>
-              </a:p>
-            </p:txBody>
-          </p:sp>
-        </p:grpSp>
-        <p:grpSp>
-          <p:nvGrpSpPr>
-            <p:cNvPr id="19" name="Grouper 64"/>
-            <p:cNvGrpSpPr/>
-            <p:nvPr/>
-          </p:nvGrpSpPr>
-          <p:grpSpPr>
-            <a:xfrm rot="2904786">
-              <a:off x="2325300" y="3351154"/>
-              <a:ext cx="129591" cy="140248"/>
-              <a:chOff x="1897063" y="2516188"/>
-              <a:chExt cx="129591" cy="140248"/>
-            </a:xfrm>
-          </p:grpSpPr>
-          <p:sp>
-            <p:nvSpPr>
-              <p:cNvPr id="29" name="Ellipse 28"/>
-              <p:cNvSpPr/>
-              <p:nvPr/>
-            </p:nvSpPr>
-            <p:spPr>
-              <a:xfrm>
-                <a:off x="1897063" y="2516188"/>
-                <a:ext cx="129591" cy="140248"/>
-              </a:xfrm>
-              <a:prstGeom prst="ellipse">
-                <a:avLst/>
-              </a:prstGeom>
-              <a:solidFill>
-                <a:schemeClr val="tx1"/>
-              </a:solidFill>
-              <a:ln>
-                <a:solidFill>
-                  <a:schemeClr val="tx1"/>
-                </a:solidFill>
-              </a:ln>
-              <a:sp3d/>
-            </p:spPr>
-            <p:style>
-              <a:lnRef idx="1">
-                <a:schemeClr val="accent1"/>
-              </a:lnRef>
-              <a:fillRef idx="3">
-                <a:schemeClr val="accent1"/>
-              </a:fillRef>
-              <a:effectRef idx="2">
-                <a:schemeClr val="accent1"/>
-              </a:effectRef>
-              <a:fontRef idx="minor">
-                <a:schemeClr val="lt1"/>
-              </a:fontRef>
-            </p:style>
-            <p:txBody>
-              <a:bodyPr rtlCol="0" anchor="ctr"/>
-              <a:lstStyle/>
-              <a:p>
-                <a:pPr algn="ctr"/>
-                <a:endParaRPr lang="fr-FR"/>
-              </a:p>
-            </p:txBody>
-          </p:sp>
-          <p:sp>
-            <p:nvSpPr>
-              <p:cNvPr id="30" name="Ellipse 29"/>
-              <p:cNvSpPr/>
-              <p:nvPr/>
-            </p:nvSpPr>
-            <p:spPr>
-              <a:xfrm>
-                <a:off x="1897063" y="2557196"/>
-                <a:ext cx="45719" cy="49479"/>
-              </a:xfrm>
-              <a:prstGeom prst="ellipse">
-                <a:avLst/>
-              </a:prstGeom>
-              <a:solidFill>
-                <a:schemeClr val="bg1"/>
-              </a:solidFill>
-              <a:ln>
-                <a:solidFill>
-                  <a:schemeClr val="tx1"/>
-                </a:solidFill>
-              </a:ln>
-              <a:sp3d/>
-            </p:spPr>
-            <p:style>
-              <a:lnRef idx="1">
-                <a:schemeClr val="accent1"/>
-              </a:lnRef>
-              <a:fillRef idx="3">
-                <a:schemeClr val="accent1"/>
-              </a:fillRef>
-              <a:effectRef idx="2">
-                <a:schemeClr val="accent1"/>
-              </a:effectRef>
-              <a:fontRef idx="minor">
-                <a:schemeClr val="lt1"/>
-              </a:fontRef>
-            </p:style>
-            <p:txBody>
-              <a:bodyPr rtlCol="0" anchor="ctr"/>
-              <a:lstStyle/>
-              <a:p>
-                <a:pPr algn="ctr"/>
-                <a:endParaRPr lang="fr-FR"/>
-              </a:p>
-            </p:txBody>
-          </p:sp>
-        </p:grpSp>
-        <p:cxnSp>
-          <p:nvCxnSpPr>
-            <p:cNvPr id="20" name="Connecteur droit 19"/>
-            <p:cNvCxnSpPr/>
-            <p:nvPr/>
-          </p:nvCxnSpPr>
-          <p:spPr>
-            <a:xfrm rot="10800000" flipH="1" flipV="1">
-              <a:off x="3025155" y="1642295"/>
-              <a:ext cx="636881" cy="351977"/>
-            </a:xfrm>
-            <a:prstGeom prst="line">
-              <a:avLst/>
-            </a:prstGeom>
-            <a:ln>
-              <a:solidFill>
-                <a:schemeClr val="tx1"/>
-              </a:solidFill>
-            </a:ln>
-            <a:sp3d/>
-          </p:spPr>
-          <p:style>
-            <a:lnRef idx="2">
-              <a:schemeClr val="accent1"/>
-            </a:lnRef>
-            <a:fillRef idx="0">
-              <a:schemeClr val="accent1"/>
-            </a:fillRef>
-            <a:effectRef idx="1">
-              <a:schemeClr val="accent1"/>
-            </a:effectRef>
-            <a:fontRef idx="minor">
-              <a:schemeClr val="tx1"/>
-            </a:fontRef>
-          </p:style>
-        </p:cxnSp>
-        <p:cxnSp>
-          <p:nvCxnSpPr>
-            <p:cNvPr id="21" name="Connecteur droit 20"/>
-            <p:cNvCxnSpPr/>
-            <p:nvPr/>
-          </p:nvCxnSpPr>
-          <p:spPr>
-            <a:xfrm rot="5400000">
-              <a:off x="1774487" y="2302218"/>
-              <a:ext cx="431798" cy="221569"/>
-            </a:xfrm>
-            <a:prstGeom prst="line">
-              <a:avLst/>
-            </a:prstGeom>
-            <a:ln>
-              <a:solidFill>
-                <a:schemeClr val="tx1"/>
-              </a:solidFill>
-            </a:ln>
-            <a:sp3d/>
-          </p:spPr>
-          <p:style>
-            <a:lnRef idx="2">
-              <a:schemeClr val="accent1"/>
-            </a:lnRef>
-            <a:fillRef idx="0">
-              <a:schemeClr val="accent1"/>
-            </a:fillRef>
-            <a:effectRef idx="1">
-              <a:schemeClr val="accent1"/>
-            </a:effectRef>
-            <a:fontRef idx="minor">
-              <a:schemeClr val="tx1"/>
-            </a:fontRef>
-          </p:style>
-        </p:cxnSp>
-        <p:cxnSp>
-          <p:nvCxnSpPr>
-            <p:cNvPr id="22" name="Connecteur droit 21"/>
-            <p:cNvCxnSpPr/>
-            <p:nvPr/>
-          </p:nvCxnSpPr>
-          <p:spPr>
-            <a:xfrm rot="16200000" flipH="1">
-              <a:off x="2063411" y="2302218"/>
-              <a:ext cx="431798" cy="221569"/>
-            </a:xfrm>
-            <a:prstGeom prst="line">
-              <a:avLst/>
-            </a:prstGeom>
-            <a:ln>
-              <a:solidFill>
-                <a:schemeClr val="tx1"/>
-              </a:solidFill>
-            </a:ln>
-            <a:sp3d/>
-          </p:spPr>
-          <p:style>
-            <a:lnRef idx="2">
-              <a:schemeClr val="accent1"/>
-            </a:lnRef>
-            <a:fillRef idx="0">
-              <a:schemeClr val="accent1"/>
-            </a:fillRef>
-            <a:effectRef idx="1">
-              <a:schemeClr val="accent1"/>
-            </a:effectRef>
-            <a:fontRef idx="minor">
-              <a:schemeClr val="tx1"/>
-            </a:fontRef>
-          </p:style>
-        </p:cxnSp>
-        <p:cxnSp>
-          <p:nvCxnSpPr>
-            <p:cNvPr id="23" name="Connecteur droit 22"/>
-            <p:cNvCxnSpPr/>
-            <p:nvPr/>
-          </p:nvCxnSpPr>
-          <p:spPr>
-            <a:xfrm rot="5400000">
-              <a:off x="2565062" y="2302220"/>
-              <a:ext cx="431798" cy="221569"/>
-            </a:xfrm>
-            <a:prstGeom prst="line">
-              <a:avLst/>
-            </a:prstGeom>
-            <a:ln>
-              <a:solidFill>
-                <a:schemeClr val="tx1"/>
-              </a:solidFill>
-            </a:ln>
-            <a:sp3d/>
-          </p:spPr>
-          <p:style>
-            <a:lnRef idx="2">
-              <a:schemeClr val="accent1"/>
-            </a:lnRef>
-            <a:fillRef idx="0">
-              <a:schemeClr val="accent1"/>
-            </a:fillRef>
-            <a:effectRef idx="1">
-              <a:schemeClr val="accent1"/>
-            </a:effectRef>
-            <a:fontRef idx="minor">
-              <a:schemeClr val="tx1"/>
-            </a:fontRef>
-          </p:style>
-        </p:cxnSp>
-        <p:cxnSp>
-          <p:nvCxnSpPr>
-            <p:cNvPr id="24" name="Connecteur droit 23"/>
-            <p:cNvCxnSpPr/>
-            <p:nvPr/>
-          </p:nvCxnSpPr>
-          <p:spPr>
-            <a:xfrm rot="16200000" flipH="1">
-              <a:off x="2957260" y="2302218"/>
-              <a:ext cx="431798" cy="221569"/>
-            </a:xfrm>
-            <a:prstGeom prst="line">
-              <a:avLst/>
-            </a:prstGeom>
-            <a:ln>
-              <a:solidFill>
-                <a:schemeClr val="tx1"/>
-              </a:solidFill>
-            </a:ln>
-            <a:sp3d/>
-          </p:spPr>
-          <p:style>
-            <a:lnRef idx="2">
-              <a:schemeClr val="accent1"/>
-            </a:lnRef>
-            <a:fillRef idx="0">
-              <a:schemeClr val="accent1"/>
-            </a:fillRef>
-            <a:effectRef idx="1">
-              <a:schemeClr val="accent1"/>
-            </a:effectRef>
-            <a:fontRef idx="minor">
-              <a:schemeClr val="tx1"/>
-            </a:fontRef>
-          </p:style>
-        </p:cxnSp>
-        <p:cxnSp>
-          <p:nvCxnSpPr>
-            <p:cNvPr id="25" name="Connecteur droit 24"/>
-            <p:cNvCxnSpPr/>
-            <p:nvPr/>
-          </p:nvCxnSpPr>
-          <p:spPr>
-            <a:xfrm rot="16200000" flipH="1">
-              <a:off x="2743200" y="2413001"/>
-              <a:ext cx="431801" cy="8"/>
-            </a:xfrm>
-            <a:prstGeom prst="line">
-              <a:avLst/>
-            </a:prstGeom>
-            <a:ln>
-              <a:solidFill>
-                <a:schemeClr val="tx1"/>
-              </a:solidFill>
-            </a:ln>
-            <a:sp3d/>
-          </p:spPr>
-          <p:style>
-            <a:lnRef idx="2">
-              <a:schemeClr val="accent1"/>
-            </a:lnRef>
-            <a:fillRef idx="0">
-              <a:schemeClr val="accent1"/>
-            </a:fillRef>
-            <a:effectRef idx="1">
-              <a:schemeClr val="accent1"/>
-            </a:effectRef>
-            <a:fontRef idx="minor">
-              <a:schemeClr val="tx1"/>
-            </a:fontRef>
-          </p:style>
-        </p:cxnSp>
-        <p:cxnSp>
-          <p:nvCxnSpPr>
-            <p:cNvPr id="26" name="Connecteur droit 25"/>
-            <p:cNvCxnSpPr/>
-            <p:nvPr/>
-          </p:nvCxnSpPr>
-          <p:spPr>
-            <a:xfrm rot="16200000" flipH="1">
-              <a:off x="2174199" y="3076000"/>
-              <a:ext cx="431801" cy="8"/>
-            </a:xfrm>
-            <a:prstGeom prst="line">
-              <a:avLst/>
-            </a:prstGeom>
-            <a:ln>
-              <a:solidFill>
-                <a:schemeClr val="tx1"/>
-              </a:solidFill>
-            </a:ln>
-            <a:sp3d/>
-          </p:spPr>
-          <p:style>
-            <a:lnRef idx="2">
-              <a:schemeClr val="accent1"/>
-            </a:lnRef>
-            <a:fillRef idx="0">
-              <a:schemeClr val="accent1"/>
-            </a:fillRef>
-            <a:effectRef idx="1">
-              <a:schemeClr val="accent1"/>
-            </a:effectRef>
-            <a:fontRef idx="minor">
-              <a:schemeClr val="tx1"/>
-            </a:fontRef>
-          </p:style>
-        </p:cxnSp>
-        <p:cxnSp>
-          <p:nvCxnSpPr>
-            <p:cNvPr id="27" name="Connecteur droit 26"/>
-            <p:cNvCxnSpPr/>
-            <p:nvPr/>
-          </p:nvCxnSpPr>
-          <p:spPr>
-            <a:xfrm rot="5400000">
-              <a:off x="2920039" y="2966722"/>
-              <a:ext cx="431798" cy="221569"/>
-            </a:xfrm>
-            <a:prstGeom prst="line">
-              <a:avLst/>
-            </a:prstGeom>
-            <a:ln>
-              <a:solidFill>
-                <a:schemeClr val="tx1"/>
-              </a:solidFill>
-            </a:ln>
-            <a:sp3d/>
-          </p:spPr>
-          <p:style>
-            <a:lnRef idx="2">
-              <a:schemeClr val="accent1"/>
-            </a:lnRef>
-            <a:fillRef idx="0">
-              <a:schemeClr val="accent1"/>
-            </a:fillRef>
-            <a:effectRef idx="1">
-              <a:schemeClr val="accent1"/>
-            </a:effectRef>
-            <a:fontRef idx="minor">
-              <a:schemeClr val="tx1"/>
-            </a:fontRef>
-          </p:style>
-        </p:cxnSp>
-        <p:cxnSp>
-          <p:nvCxnSpPr>
-            <p:cNvPr id="28" name="Connecteur droit 27"/>
-            <p:cNvCxnSpPr/>
-            <p:nvPr/>
-          </p:nvCxnSpPr>
-          <p:spPr>
-            <a:xfrm rot="16200000" flipH="1">
-              <a:off x="3235705" y="2966723"/>
-              <a:ext cx="431798" cy="221569"/>
-            </a:xfrm>
-            <a:prstGeom prst="line">
-              <a:avLst/>
-            </a:prstGeom>
-            <a:ln>
-              <a:solidFill>
-                <a:schemeClr val="tx1"/>
-              </a:solidFill>
-            </a:ln>
-            <a:sp3d/>
-          </p:spPr>
-          <p:style>
-            <a:lnRef idx="2">
-              <a:schemeClr val="accent1"/>
-            </a:lnRef>
-            <a:fillRef idx="0">
-              <a:schemeClr val="accent1"/>
-            </a:fillRef>
-            <a:effectRef idx="1">
-              <a:schemeClr val="accent1"/>
-            </a:effectRef>
-            <a:fontRef idx="minor">
-              <a:schemeClr val="tx1"/>
-            </a:fontRef>
-          </p:style>
-        </p:cxnSp>
-      </p:grpSp>
-      <p:cxnSp>
-        <p:nvCxnSpPr>
-          <p:cNvPr id="53" name="Connecteur en arc 52"/>
-          <p:cNvCxnSpPr/>
-          <p:nvPr/>
-        </p:nvCxnSpPr>
-        <p:spPr>
-          <a:xfrm rot="10800000">
-            <a:off x="2569326" y="3324041"/>
-            <a:ext cx="522556" cy="554254"/>
-          </a:xfrm>
-          <a:prstGeom prst="curvedConnector3">
-            <a:avLst>
-              <a:gd name="adj1" fmla="val 154869"/>
-            </a:avLst>
-          </a:prstGeom>
-          <a:ln>
-            <a:solidFill>
-              <a:srgbClr val="000000"/>
-            </a:solidFill>
-            <a:tailEnd type="arrow"/>
-          </a:ln>
-        </p:spPr>
-        <p:style>
-          <a:lnRef idx="2">
-            <a:schemeClr val="accent1"/>
-          </a:lnRef>
-          <a:fillRef idx="0">
-            <a:schemeClr val="accent1"/>
-          </a:fillRef>
-          <a:effectRef idx="1">
-            <a:schemeClr val="accent1"/>
-          </a:effectRef>
-          <a:fontRef idx="minor">
-            <a:schemeClr val="tx1"/>
-          </a:fontRef>
-        </p:style>
-      </p:cxnSp>
-      <p:grpSp>
-        <p:nvGrpSpPr>
-          <p:cNvPr id="55" name="Grouper 6"/>
-          <p:cNvGrpSpPr/>
-          <p:nvPr/>
-        </p:nvGrpSpPr>
-        <p:grpSpPr>
-          <a:xfrm rot="2904786">
-            <a:off x="2034030" y="1928800"/>
-            <a:ext cx="129591" cy="140248"/>
-            <a:chOff x="1897063" y="2516188"/>
-            <a:chExt cx="129591" cy="140248"/>
-          </a:xfrm>
-        </p:grpSpPr>
+          <p:txBody>
+            <a:bodyPr rtlCol="0" anchor="ctr"/>
+            <a:lstStyle/>
+            <a:p>
+              <a:pPr algn="ctr"/>
+              <a:endParaRPr lang="fr-FR"/>
+            </a:p>
+          </p:txBody>
+        </p:sp>
         <p:sp>
           <p:nvSpPr>
-            <p:cNvPr id="56" name="Ellipse 3"/>
+            <p:cNvPr id="109" name="Ellipse 108"/>
             <p:cNvSpPr/>
             <p:nvPr/>
           </p:nvSpPr>
           <p:spPr>
             <a:xfrm>
-              <a:off x="1897063" y="2516188"/>
-              <a:ext cx="129591" cy="140248"/>
+              <a:off x="1523611" y="902489"/>
+              <a:ext cx="2476245" cy="1752886"/>
             </a:xfrm>
             <a:prstGeom prst="ellipse">
               <a:avLst/>
             </a:prstGeom>
             <a:solidFill>
-              <a:schemeClr val="tx1"/>
+              <a:schemeClr val="bg1">
+                <a:lumMod val="85000"/>
+                <a:alpha val="81000"/>
+              </a:schemeClr>
             </a:solidFill>
+            <a:ln>
+              <a:solidFill>
+                <a:schemeClr val="accent1">
+                  <a:shade val="95000"/>
+                  <a:satMod val="105000"/>
+                  <a:alpha val="94000"/>
+                </a:schemeClr>
+              </a:solidFill>
+            </a:ln>
+          </p:spPr>
+          <p:style>
+            <a:lnRef idx="1">
+              <a:schemeClr val="accent1"/>
+            </a:lnRef>
+            <a:fillRef idx="3">
+              <a:schemeClr val="accent1"/>
+            </a:fillRef>
+            <a:effectRef idx="2">
+              <a:schemeClr val="accent1"/>
+            </a:effectRef>
+            <a:fontRef idx="minor">
+              <a:schemeClr val="lt1"/>
+            </a:fontRef>
+          </p:style>
+          <p:txBody>
+            <a:bodyPr rtlCol="0" anchor="ctr"/>
+            <a:lstStyle/>
+            <a:p>
+              <a:pPr algn="ctr"/>
+              <a:endParaRPr lang="fr-FR"/>
+            </a:p>
+          </p:txBody>
+        </p:sp>
+        <p:sp>
+          <p:nvSpPr>
+            <p:cNvPr id="4" name="Ellipse 3"/>
+            <p:cNvSpPr/>
+            <p:nvPr/>
+          </p:nvSpPr>
+          <p:spPr>
+            <a:xfrm>
+              <a:off x="5128697" y="4052401"/>
+              <a:ext cx="3483907" cy="1233960"/>
+            </a:xfrm>
+            <a:prstGeom prst="ellipse">
+              <a:avLst/>
+            </a:prstGeom>
+            <a:solidFill>
+              <a:schemeClr val="bg1">
+                <a:lumMod val="85000"/>
+              </a:schemeClr>
+            </a:solidFill>
+          </p:spPr>
+          <p:style>
+            <a:lnRef idx="1">
+              <a:schemeClr val="accent1"/>
+            </a:lnRef>
+            <a:fillRef idx="3">
+              <a:schemeClr val="accent1"/>
+            </a:fillRef>
+            <a:effectRef idx="2">
+              <a:schemeClr val="accent1"/>
+            </a:effectRef>
+            <a:fontRef idx="minor">
+              <a:schemeClr val="lt1"/>
+            </a:fontRef>
+          </p:style>
+          <p:txBody>
+            <a:bodyPr rtlCol="0" anchor="ctr"/>
+            <a:lstStyle/>
+            <a:p>
+              <a:pPr algn="ctr"/>
+              <a:endParaRPr lang="fr-FR"/>
+            </a:p>
+          </p:txBody>
+        </p:sp>
+        <p:grpSp>
+          <p:nvGrpSpPr>
+            <p:cNvPr id="5" name="Grouper 4"/>
+            <p:cNvGrpSpPr/>
+            <p:nvPr/>
+          </p:nvGrpSpPr>
+          <p:grpSpPr>
+            <a:xfrm>
+              <a:off x="5771840" y="3569960"/>
+              <a:ext cx="2064084" cy="2044464"/>
+              <a:chOff x="1755716" y="1441609"/>
+              <a:chExt cx="2064084" cy="2044464"/>
+            </a:xfrm>
+            <a:scene3d>
+              <a:camera prst="perspectiveFront">
+                <a:rot lat="17699988" lon="0" rev="0"/>
+              </a:camera>
+              <a:lightRig rig="threePt" dir="t"/>
+            </a:scene3d>
+          </p:grpSpPr>
+          <p:grpSp>
+            <p:nvGrpSpPr>
+              <p:cNvPr id="6" name="Grouper 6"/>
+              <p:cNvGrpSpPr/>
+              <p:nvPr/>
+            </p:nvGrpSpPr>
+            <p:grpSpPr>
+              <a:xfrm rot="2904786">
+                <a:off x="2894305" y="1436281"/>
+                <a:ext cx="129591" cy="140248"/>
+                <a:chOff x="1897063" y="2516188"/>
+                <a:chExt cx="129591" cy="140248"/>
+              </a:xfrm>
+            </p:grpSpPr>
+            <p:sp>
+              <p:nvSpPr>
+                <p:cNvPr id="51" name="Ellipse 3"/>
+                <p:cNvSpPr/>
+                <p:nvPr/>
+              </p:nvSpPr>
+              <p:spPr>
+                <a:xfrm>
+                  <a:off x="1897063" y="2516188"/>
+                  <a:ext cx="129591" cy="140248"/>
+                </a:xfrm>
+                <a:prstGeom prst="ellipse">
+                  <a:avLst/>
+                </a:prstGeom>
+                <a:solidFill>
+                  <a:schemeClr val="tx1"/>
+                </a:solidFill>
+                <a:ln>
+                  <a:solidFill>
+                    <a:schemeClr val="tx1"/>
+                  </a:solidFill>
+                </a:ln>
+                <a:sp3d/>
+              </p:spPr>
+              <p:style>
+                <a:lnRef idx="1">
+                  <a:schemeClr val="accent1"/>
+                </a:lnRef>
+                <a:fillRef idx="3">
+                  <a:schemeClr val="accent1"/>
+                </a:fillRef>
+                <a:effectRef idx="2">
+                  <a:schemeClr val="accent1"/>
+                </a:effectRef>
+                <a:fontRef idx="minor">
+                  <a:schemeClr val="lt1"/>
+                </a:fontRef>
+              </p:style>
+              <p:txBody>
+                <a:bodyPr rtlCol="0" anchor="ctr"/>
+                <a:lstStyle/>
+                <a:p>
+                  <a:pPr algn="ctr"/>
+                  <a:endParaRPr lang="fr-FR"/>
+                </a:p>
+              </p:txBody>
+            </p:sp>
+            <p:sp>
+              <p:nvSpPr>
+                <p:cNvPr id="52" name="Ellipse 5"/>
+                <p:cNvSpPr/>
+                <p:nvPr/>
+              </p:nvSpPr>
+              <p:spPr>
+                <a:xfrm>
+                  <a:off x="1897063" y="2557196"/>
+                  <a:ext cx="45719" cy="49479"/>
+                </a:xfrm>
+                <a:prstGeom prst="ellipse">
+                  <a:avLst/>
+                </a:prstGeom>
+                <a:solidFill>
+                  <a:schemeClr val="bg1"/>
+                </a:solidFill>
+                <a:ln>
+                  <a:solidFill>
+                    <a:schemeClr val="tx1"/>
+                  </a:solidFill>
+                </a:ln>
+                <a:sp3d/>
+              </p:spPr>
+              <p:style>
+                <a:lnRef idx="1">
+                  <a:schemeClr val="accent1"/>
+                </a:lnRef>
+                <a:fillRef idx="3">
+                  <a:schemeClr val="accent1"/>
+                </a:fillRef>
+                <a:effectRef idx="2">
+                  <a:schemeClr val="accent1"/>
+                </a:effectRef>
+                <a:fontRef idx="minor">
+                  <a:schemeClr val="lt1"/>
+                </a:fontRef>
+              </p:style>
+              <p:txBody>
+                <a:bodyPr rtlCol="0" anchor="ctr"/>
+                <a:lstStyle/>
+                <a:p>
+                  <a:pPr algn="ctr"/>
+                  <a:endParaRPr lang="fr-FR"/>
+                </a:p>
+              </p:txBody>
+            </p:sp>
+          </p:grpSp>
+          <p:cxnSp>
+            <p:nvCxnSpPr>
+              <p:cNvPr id="7" name="Connecteur droit 6"/>
+              <p:cNvCxnSpPr/>
+              <p:nvPr/>
+            </p:nvCxnSpPr>
+            <p:spPr>
+              <a:xfrm rot="16200000" flipH="1">
+                <a:off x="2818223" y="1783172"/>
+                <a:ext cx="281754" cy="2"/>
+              </a:xfrm>
+              <a:prstGeom prst="line">
+                <a:avLst/>
+              </a:prstGeom>
+              <a:ln>
+                <a:solidFill>
+                  <a:schemeClr val="tx1"/>
+                </a:solidFill>
+              </a:ln>
+              <a:sp3d/>
+            </p:spPr>
+            <p:style>
+              <a:lnRef idx="2">
+                <a:schemeClr val="accent1"/>
+              </a:lnRef>
+              <a:fillRef idx="0">
+                <a:schemeClr val="accent1"/>
+              </a:fillRef>
+              <a:effectRef idx="1">
+                <a:schemeClr val="accent1"/>
+              </a:effectRef>
+              <a:fontRef idx="minor">
+                <a:schemeClr val="tx1"/>
+              </a:fontRef>
+            </p:style>
+          </p:cxnSp>
+          <p:grpSp>
+            <p:nvGrpSpPr>
+              <p:cNvPr id="8" name="Grouper 7"/>
+              <p:cNvGrpSpPr/>
+              <p:nvPr/>
+            </p:nvGrpSpPr>
+            <p:grpSpPr>
+              <a:xfrm rot="2904786">
+                <a:off x="2885190" y="1991629"/>
+                <a:ext cx="129591" cy="140248"/>
+                <a:chOff x="1897063" y="2516188"/>
+                <a:chExt cx="129591" cy="140248"/>
+              </a:xfrm>
+            </p:grpSpPr>
+            <p:sp>
+              <p:nvSpPr>
+                <p:cNvPr id="49" name="Ellipse 8"/>
+                <p:cNvSpPr/>
+                <p:nvPr/>
+              </p:nvSpPr>
+              <p:spPr>
+                <a:xfrm>
+                  <a:off x="1897063" y="2516188"/>
+                  <a:ext cx="129591" cy="140248"/>
+                </a:xfrm>
+                <a:prstGeom prst="ellipse">
+                  <a:avLst/>
+                </a:prstGeom>
+                <a:solidFill>
+                  <a:schemeClr val="tx1"/>
+                </a:solidFill>
+                <a:ln>
+                  <a:solidFill>
+                    <a:schemeClr val="tx1"/>
+                  </a:solidFill>
+                </a:ln>
+                <a:sp3d/>
+              </p:spPr>
+              <p:style>
+                <a:lnRef idx="1">
+                  <a:schemeClr val="accent1"/>
+                </a:lnRef>
+                <a:fillRef idx="3">
+                  <a:schemeClr val="accent1"/>
+                </a:fillRef>
+                <a:effectRef idx="2">
+                  <a:schemeClr val="accent1"/>
+                </a:effectRef>
+                <a:fontRef idx="minor">
+                  <a:schemeClr val="lt1"/>
+                </a:fontRef>
+              </p:style>
+              <p:txBody>
+                <a:bodyPr rtlCol="0" anchor="ctr"/>
+                <a:lstStyle/>
+                <a:p>
+                  <a:pPr algn="ctr"/>
+                  <a:endParaRPr lang="fr-FR"/>
+                </a:p>
+              </p:txBody>
+            </p:sp>
+            <p:sp>
+              <p:nvSpPr>
+                <p:cNvPr id="50" name="Ellipse 9"/>
+                <p:cNvSpPr/>
+                <p:nvPr/>
+              </p:nvSpPr>
+              <p:spPr>
+                <a:xfrm>
+                  <a:off x="1897063" y="2557196"/>
+                  <a:ext cx="45719" cy="49479"/>
+                </a:xfrm>
+                <a:prstGeom prst="ellipse">
+                  <a:avLst/>
+                </a:prstGeom>
+                <a:solidFill>
+                  <a:schemeClr val="bg1"/>
+                </a:solidFill>
+                <a:ln>
+                  <a:solidFill>
+                    <a:schemeClr val="tx1"/>
+                  </a:solidFill>
+                </a:ln>
+                <a:sp3d/>
+              </p:spPr>
+              <p:style>
+                <a:lnRef idx="1">
+                  <a:schemeClr val="accent1"/>
+                </a:lnRef>
+                <a:fillRef idx="3">
+                  <a:schemeClr val="accent1"/>
+                </a:fillRef>
+                <a:effectRef idx="2">
+                  <a:schemeClr val="accent1"/>
+                </a:effectRef>
+                <a:fontRef idx="minor">
+                  <a:schemeClr val="lt1"/>
+                </a:fontRef>
+              </p:style>
+              <p:txBody>
+                <a:bodyPr rtlCol="0" anchor="ctr"/>
+                <a:lstStyle/>
+                <a:p>
+                  <a:pPr algn="ctr"/>
+                  <a:endParaRPr lang="fr-FR"/>
+                </a:p>
+              </p:txBody>
+            </p:sp>
+          </p:grpSp>
+          <p:grpSp>
+            <p:nvGrpSpPr>
+              <p:cNvPr id="9" name="Grouper 16"/>
+              <p:cNvGrpSpPr/>
+              <p:nvPr/>
+            </p:nvGrpSpPr>
+            <p:grpSpPr>
+              <a:xfrm rot="2904786">
+                <a:off x="3684880" y="1991629"/>
+                <a:ext cx="129591" cy="140248"/>
+                <a:chOff x="1897063" y="2516188"/>
+                <a:chExt cx="129591" cy="140248"/>
+              </a:xfrm>
+            </p:grpSpPr>
+            <p:sp>
+              <p:nvSpPr>
+                <p:cNvPr id="47" name="Ellipse 46"/>
+                <p:cNvSpPr/>
+                <p:nvPr/>
+              </p:nvSpPr>
+              <p:spPr>
+                <a:xfrm>
+                  <a:off x="1897063" y="2516188"/>
+                  <a:ext cx="129591" cy="140248"/>
+                </a:xfrm>
+                <a:prstGeom prst="ellipse">
+                  <a:avLst/>
+                </a:prstGeom>
+                <a:solidFill>
+                  <a:schemeClr val="tx1"/>
+                </a:solidFill>
+                <a:ln>
+                  <a:solidFill>
+                    <a:schemeClr val="tx1"/>
+                  </a:solidFill>
+                </a:ln>
+                <a:sp3d/>
+              </p:spPr>
+              <p:style>
+                <a:lnRef idx="1">
+                  <a:schemeClr val="accent1"/>
+                </a:lnRef>
+                <a:fillRef idx="3">
+                  <a:schemeClr val="accent1"/>
+                </a:fillRef>
+                <a:effectRef idx="2">
+                  <a:schemeClr val="accent1"/>
+                </a:effectRef>
+                <a:fontRef idx="minor">
+                  <a:schemeClr val="lt1"/>
+                </a:fontRef>
+              </p:style>
+              <p:txBody>
+                <a:bodyPr rtlCol="0" anchor="ctr"/>
+                <a:lstStyle/>
+                <a:p>
+                  <a:pPr algn="ctr"/>
+                  <a:endParaRPr lang="fr-FR"/>
+                </a:p>
+              </p:txBody>
+            </p:sp>
+            <p:sp>
+              <p:nvSpPr>
+                <p:cNvPr id="48" name="Ellipse 47"/>
+                <p:cNvSpPr/>
+                <p:nvPr/>
+              </p:nvSpPr>
+              <p:spPr>
+                <a:xfrm>
+                  <a:off x="1897063" y="2557196"/>
+                  <a:ext cx="45719" cy="49479"/>
+                </a:xfrm>
+                <a:prstGeom prst="ellipse">
+                  <a:avLst/>
+                </a:prstGeom>
+                <a:solidFill>
+                  <a:schemeClr val="bg1"/>
+                </a:solidFill>
+                <a:ln>
+                  <a:solidFill>
+                    <a:schemeClr val="tx1"/>
+                  </a:solidFill>
+                </a:ln>
+                <a:sp3d/>
+              </p:spPr>
+              <p:style>
+                <a:lnRef idx="1">
+                  <a:schemeClr val="accent1"/>
+                </a:lnRef>
+                <a:fillRef idx="3">
+                  <a:schemeClr val="accent1"/>
+                </a:fillRef>
+                <a:effectRef idx="2">
+                  <a:schemeClr val="accent1"/>
+                </a:effectRef>
+                <a:fontRef idx="minor">
+                  <a:schemeClr val="lt1"/>
+                </a:fontRef>
+              </p:style>
+              <p:txBody>
+                <a:bodyPr rtlCol="0" anchor="ctr"/>
+                <a:lstStyle/>
+                <a:p>
+                  <a:pPr algn="ctr"/>
+                  <a:endParaRPr lang="fr-FR"/>
+                </a:p>
+              </p:txBody>
+            </p:sp>
+          </p:grpSp>
+          <p:cxnSp>
+            <p:nvCxnSpPr>
+              <p:cNvPr id="10" name="Connecteur droit 9"/>
+              <p:cNvCxnSpPr/>
+              <p:nvPr/>
+            </p:nvCxnSpPr>
+            <p:spPr>
+              <a:xfrm rot="10800000" flipV="1">
+                <a:off x="2254869" y="1641987"/>
+                <a:ext cx="636881" cy="351977"/>
+              </a:xfrm>
+              <a:prstGeom prst="line">
+                <a:avLst/>
+              </a:prstGeom>
+              <a:ln>
+                <a:solidFill>
+                  <a:schemeClr val="tx1"/>
+                </a:solidFill>
+              </a:ln>
+              <a:sp3d/>
+            </p:spPr>
+            <p:style>
+              <a:lnRef idx="2">
+                <a:schemeClr val="accent1"/>
+              </a:lnRef>
+              <a:fillRef idx="0">
+                <a:schemeClr val="accent1"/>
+              </a:fillRef>
+              <a:effectRef idx="1">
+                <a:schemeClr val="accent1"/>
+              </a:effectRef>
+              <a:fontRef idx="minor">
+                <a:schemeClr val="tx1"/>
+              </a:fontRef>
+            </p:style>
+          </p:cxnSp>
+          <p:grpSp>
+            <p:nvGrpSpPr>
+              <p:cNvPr id="11" name="Grouper 30"/>
+              <p:cNvGrpSpPr/>
+              <p:nvPr/>
+            </p:nvGrpSpPr>
+            <p:grpSpPr>
+              <a:xfrm rot="2904786">
+                <a:off x="2094614" y="1990877"/>
+                <a:ext cx="129591" cy="140248"/>
+                <a:chOff x="1897063" y="2516188"/>
+                <a:chExt cx="129591" cy="140248"/>
+              </a:xfrm>
+            </p:grpSpPr>
+            <p:sp>
+              <p:nvSpPr>
+                <p:cNvPr id="45" name="Ellipse 44"/>
+                <p:cNvSpPr/>
+                <p:nvPr/>
+              </p:nvSpPr>
+              <p:spPr>
+                <a:xfrm>
+                  <a:off x="1897063" y="2516188"/>
+                  <a:ext cx="129591" cy="140248"/>
+                </a:xfrm>
+                <a:prstGeom prst="ellipse">
+                  <a:avLst/>
+                </a:prstGeom>
+                <a:solidFill>
+                  <a:schemeClr val="tx1"/>
+                </a:solidFill>
+                <a:ln>
+                  <a:solidFill>
+                    <a:schemeClr val="tx1"/>
+                  </a:solidFill>
+                </a:ln>
+                <a:sp3d/>
+              </p:spPr>
+              <p:style>
+                <a:lnRef idx="1">
+                  <a:schemeClr val="accent1"/>
+                </a:lnRef>
+                <a:fillRef idx="3">
+                  <a:schemeClr val="accent1"/>
+                </a:fillRef>
+                <a:effectRef idx="2">
+                  <a:schemeClr val="accent1"/>
+                </a:effectRef>
+                <a:fontRef idx="minor">
+                  <a:schemeClr val="lt1"/>
+                </a:fontRef>
+              </p:style>
+              <p:txBody>
+                <a:bodyPr rtlCol="0" anchor="ctr"/>
+                <a:lstStyle/>
+                <a:p>
+                  <a:pPr algn="ctr"/>
+                  <a:endParaRPr lang="fr-FR"/>
+                </a:p>
+              </p:txBody>
+            </p:sp>
+            <p:sp>
+              <p:nvSpPr>
+                <p:cNvPr id="46" name="Ellipse 45"/>
+                <p:cNvSpPr/>
+                <p:nvPr/>
+              </p:nvSpPr>
+              <p:spPr>
+                <a:xfrm>
+                  <a:off x="1897063" y="2557196"/>
+                  <a:ext cx="45719" cy="49479"/>
+                </a:xfrm>
+                <a:prstGeom prst="ellipse">
+                  <a:avLst/>
+                </a:prstGeom>
+                <a:solidFill>
+                  <a:schemeClr val="bg1"/>
+                </a:solidFill>
+                <a:ln>
+                  <a:solidFill>
+                    <a:schemeClr val="tx1"/>
+                  </a:solidFill>
+                </a:ln>
+                <a:sp3d/>
+              </p:spPr>
+              <p:style>
+                <a:lnRef idx="1">
+                  <a:schemeClr val="accent1"/>
+                </a:lnRef>
+                <a:fillRef idx="3">
+                  <a:schemeClr val="accent1"/>
+                </a:fillRef>
+                <a:effectRef idx="2">
+                  <a:schemeClr val="accent1"/>
+                </a:effectRef>
+                <a:fontRef idx="minor">
+                  <a:schemeClr val="lt1"/>
+                </a:fontRef>
+              </p:style>
+              <p:txBody>
+                <a:bodyPr rtlCol="0" anchor="ctr"/>
+                <a:lstStyle/>
+                <a:p>
+                  <a:pPr algn="ctr"/>
+                  <a:endParaRPr lang="fr-FR"/>
+                </a:p>
+              </p:txBody>
+            </p:sp>
+          </p:grpSp>
+          <p:grpSp>
+            <p:nvGrpSpPr>
+              <p:cNvPr id="12" name="Grouper 43"/>
+              <p:cNvGrpSpPr/>
+              <p:nvPr/>
+            </p:nvGrpSpPr>
+            <p:grpSpPr>
+              <a:xfrm rot="2904786">
+                <a:off x="2340980" y="2694971"/>
+                <a:ext cx="129591" cy="140248"/>
+                <a:chOff x="1897063" y="2516188"/>
+                <a:chExt cx="129591" cy="140248"/>
+              </a:xfrm>
+            </p:grpSpPr>
+            <p:sp>
+              <p:nvSpPr>
+                <p:cNvPr id="43" name="Ellipse 42"/>
+                <p:cNvSpPr/>
+                <p:nvPr/>
+              </p:nvSpPr>
+              <p:spPr>
+                <a:xfrm>
+                  <a:off x="1897063" y="2516188"/>
+                  <a:ext cx="129591" cy="140248"/>
+                </a:xfrm>
+                <a:prstGeom prst="ellipse">
+                  <a:avLst/>
+                </a:prstGeom>
+                <a:solidFill>
+                  <a:schemeClr val="tx1"/>
+                </a:solidFill>
+                <a:ln>
+                  <a:solidFill>
+                    <a:schemeClr val="tx1"/>
+                  </a:solidFill>
+                </a:ln>
+                <a:sp3d/>
+              </p:spPr>
+              <p:style>
+                <a:lnRef idx="1">
+                  <a:schemeClr val="accent1"/>
+                </a:lnRef>
+                <a:fillRef idx="3">
+                  <a:schemeClr val="accent1"/>
+                </a:fillRef>
+                <a:effectRef idx="2">
+                  <a:schemeClr val="accent1"/>
+                </a:effectRef>
+                <a:fontRef idx="minor">
+                  <a:schemeClr val="lt1"/>
+                </a:fontRef>
+              </p:style>
+              <p:txBody>
+                <a:bodyPr rtlCol="0" anchor="ctr"/>
+                <a:lstStyle/>
+                <a:p>
+                  <a:pPr algn="ctr"/>
+                  <a:endParaRPr lang="fr-FR"/>
+                </a:p>
+              </p:txBody>
+            </p:sp>
+            <p:sp>
+              <p:nvSpPr>
+                <p:cNvPr id="44" name="Ellipse 43"/>
+                <p:cNvSpPr/>
+                <p:nvPr/>
+              </p:nvSpPr>
+              <p:spPr>
+                <a:xfrm>
+                  <a:off x="1897063" y="2557196"/>
+                  <a:ext cx="45719" cy="49479"/>
+                </a:xfrm>
+                <a:prstGeom prst="ellipse">
+                  <a:avLst/>
+                </a:prstGeom>
+                <a:solidFill>
+                  <a:schemeClr val="bg1"/>
+                </a:solidFill>
+                <a:ln>
+                  <a:solidFill>
+                    <a:schemeClr val="tx1"/>
+                  </a:solidFill>
+                </a:ln>
+                <a:sp3d/>
+              </p:spPr>
+              <p:style>
+                <a:lnRef idx="1">
+                  <a:schemeClr val="accent1"/>
+                </a:lnRef>
+                <a:fillRef idx="3">
+                  <a:schemeClr val="accent1"/>
+                </a:fillRef>
+                <a:effectRef idx="2">
+                  <a:schemeClr val="accent1"/>
+                </a:effectRef>
+                <a:fontRef idx="minor">
+                  <a:schemeClr val="lt1"/>
+                </a:fontRef>
+              </p:style>
+              <p:txBody>
+                <a:bodyPr rtlCol="0" anchor="ctr"/>
+                <a:lstStyle/>
+                <a:p>
+                  <a:pPr algn="ctr"/>
+                  <a:endParaRPr lang="fr-FR"/>
+                </a:p>
+              </p:txBody>
+            </p:sp>
+          </p:grpSp>
+          <p:grpSp>
+            <p:nvGrpSpPr>
+              <p:cNvPr id="13" name="Grouper 46"/>
+              <p:cNvGrpSpPr/>
+              <p:nvPr/>
+            </p:nvGrpSpPr>
+            <p:grpSpPr>
+              <a:xfrm rot="2904786">
+                <a:off x="1761044" y="2694970"/>
+                <a:ext cx="129591" cy="140248"/>
+                <a:chOff x="1897063" y="2516188"/>
+                <a:chExt cx="129591" cy="140248"/>
+              </a:xfrm>
+            </p:grpSpPr>
+            <p:sp>
+              <p:nvSpPr>
+                <p:cNvPr id="41" name="Ellipse 40"/>
+                <p:cNvSpPr/>
+                <p:nvPr/>
+              </p:nvSpPr>
+              <p:spPr>
+                <a:xfrm>
+                  <a:off x="1897063" y="2516188"/>
+                  <a:ext cx="129591" cy="140248"/>
+                </a:xfrm>
+                <a:prstGeom prst="ellipse">
+                  <a:avLst/>
+                </a:prstGeom>
+                <a:solidFill>
+                  <a:schemeClr val="tx1"/>
+                </a:solidFill>
+                <a:ln>
+                  <a:solidFill>
+                    <a:schemeClr val="tx1"/>
+                  </a:solidFill>
+                </a:ln>
+                <a:sp3d/>
+              </p:spPr>
+              <p:style>
+                <a:lnRef idx="1">
+                  <a:schemeClr val="accent1"/>
+                </a:lnRef>
+                <a:fillRef idx="3">
+                  <a:schemeClr val="accent1"/>
+                </a:fillRef>
+                <a:effectRef idx="2">
+                  <a:schemeClr val="accent1"/>
+                </a:effectRef>
+                <a:fontRef idx="minor">
+                  <a:schemeClr val="lt1"/>
+                </a:fontRef>
+              </p:style>
+              <p:txBody>
+                <a:bodyPr rtlCol="0" anchor="ctr"/>
+                <a:lstStyle/>
+                <a:p>
+                  <a:pPr algn="ctr"/>
+                  <a:endParaRPr lang="fr-FR"/>
+                </a:p>
+              </p:txBody>
+            </p:sp>
+            <p:sp>
+              <p:nvSpPr>
+                <p:cNvPr id="42" name="Ellipse 41"/>
+                <p:cNvSpPr/>
+                <p:nvPr/>
+              </p:nvSpPr>
+              <p:spPr>
+                <a:xfrm>
+                  <a:off x="1897063" y="2557196"/>
+                  <a:ext cx="45719" cy="49479"/>
+                </a:xfrm>
+                <a:prstGeom prst="ellipse">
+                  <a:avLst/>
+                </a:prstGeom>
+                <a:solidFill>
+                  <a:schemeClr val="bg1"/>
+                </a:solidFill>
+                <a:ln>
+                  <a:solidFill>
+                    <a:schemeClr val="tx1"/>
+                  </a:solidFill>
+                </a:ln>
+                <a:sp3d/>
+              </p:spPr>
+              <p:style>
+                <a:lnRef idx="1">
+                  <a:schemeClr val="accent1"/>
+                </a:lnRef>
+                <a:fillRef idx="3">
+                  <a:schemeClr val="accent1"/>
+                </a:fillRef>
+                <a:effectRef idx="2">
+                  <a:schemeClr val="accent1"/>
+                </a:effectRef>
+                <a:fontRef idx="minor">
+                  <a:schemeClr val="lt1"/>
+                </a:fontRef>
+              </p:style>
+              <p:txBody>
+                <a:bodyPr rtlCol="0" anchor="ctr"/>
+                <a:lstStyle/>
+                <a:p>
+                  <a:pPr algn="ctr"/>
+                  <a:endParaRPr lang="fr-FR"/>
+                </a:p>
+              </p:txBody>
+            </p:sp>
+          </p:grpSp>
+          <p:grpSp>
+            <p:nvGrpSpPr>
+              <p:cNvPr id="14" name="Grouper 49"/>
+              <p:cNvGrpSpPr/>
+              <p:nvPr/>
+            </p:nvGrpSpPr>
+            <p:grpSpPr>
+              <a:xfrm rot="2904786">
+                <a:off x="2885191" y="2696474"/>
+                <a:ext cx="129591" cy="140248"/>
+                <a:chOff x="1897063" y="2516188"/>
+                <a:chExt cx="129591" cy="140248"/>
+              </a:xfrm>
+            </p:grpSpPr>
+            <p:sp>
+              <p:nvSpPr>
+                <p:cNvPr id="39" name="Ellipse 38"/>
+                <p:cNvSpPr/>
+                <p:nvPr/>
+              </p:nvSpPr>
+              <p:spPr>
+                <a:xfrm>
+                  <a:off x="1897063" y="2516188"/>
+                  <a:ext cx="129591" cy="140248"/>
+                </a:xfrm>
+                <a:prstGeom prst="ellipse">
+                  <a:avLst/>
+                </a:prstGeom>
+                <a:solidFill>
+                  <a:schemeClr val="tx1"/>
+                </a:solidFill>
+                <a:ln>
+                  <a:solidFill>
+                    <a:schemeClr val="tx1"/>
+                  </a:solidFill>
+                </a:ln>
+                <a:sp3d/>
+              </p:spPr>
+              <p:style>
+                <a:lnRef idx="1">
+                  <a:schemeClr val="accent1"/>
+                </a:lnRef>
+                <a:fillRef idx="3">
+                  <a:schemeClr val="accent1"/>
+                </a:fillRef>
+                <a:effectRef idx="2">
+                  <a:schemeClr val="accent1"/>
+                </a:effectRef>
+                <a:fontRef idx="minor">
+                  <a:schemeClr val="lt1"/>
+                </a:fontRef>
+              </p:style>
+              <p:txBody>
+                <a:bodyPr rtlCol="0" anchor="ctr"/>
+                <a:lstStyle/>
+                <a:p>
+                  <a:pPr algn="ctr"/>
+                  <a:endParaRPr lang="fr-FR"/>
+                </a:p>
+              </p:txBody>
+            </p:sp>
+            <p:sp>
+              <p:nvSpPr>
+                <p:cNvPr id="40" name="Ellipse 39"/>
+                <p:cNvSpPr/>
+                <p:nvPr/>
+              </p:nvSpPr>
+              <p:spPr>
+                <a:xfrm>
+                  <a:off x="1897063" y="2557196"/>
+                  <a:ext cx="45719" cy="49479"/>
+                </a:xfrm>
+                <a:prstGeom prst="ellipse">
+                  <a:avLst/>
+                </a:prstGeom>
+                <a:solidFill>
+                  <a:schemeClr val="bg1"/>
+                </a:solidFill>
+                <a:ln>
+                  <a:solidFill>
+                    <a:schemeClr val="tx1"/>
+                  </a:solidFill>
+                </a:ln>
+                <a:sp3d/>
+              </p:spPr>
+              <p:style>
+                <a:lnRef idx="1">
+                  <a:schemeClr val="accent1"/>
+                </a:lnRef>
+                <a:fillRef idx="3">
+                  <a:schemeClr val="accent1"/>
+                </a:fillRef>
+                <a:effectRef idx="2">
+                  <a:schemeClr val="accent1"/>
+                </a:effectRef>
+                <a:fontRef idx="minor">
+                  <a:schemeClr val="lt1"/>
+                </a:fontRef>
+              </p:style>
+              <p:txBody>
+                <a:bodyPr rtlCol="0" anchor="ctr"/>
+                <a:lstStyle/>
+                <a:p>
+                  <a:pPr algn="ctr"/>
+                  <a:endParaRPr lang="fr-FR"/>
+                </a:p>
+              </p:txBody>
+            </p:sp>
+          </p:grpSp>
+          <p:grpSp>
+            <p:nvGrpSpPr>
+              <p:cNvPr id="15" name="Grouper 52"/>
+              <p:cNvGrpSpPr/>
+              <p:nvPr/>
+            </p:nvGrpSpPr>
+            <p:grpSpPr>
+              <a:xfrm rot="2904786">
+                <a:off x="3219148" y="2696474"/>
+                <a:ext cx="129591" cy="140248"/>
+                <a:chOff x="1897063" y="2516188"/>
+                <a:chExt cx="129591" cy="140248"/>
+              </a:xfrm>
+            </p:grpSpPr>
+            <p:sp>
+              <p:nvSpPr>
+                <p:cNvPr id="37" name="Ellipse 36"/>
+                <p:cNvSpPr/>
+                <p:nvPr/>
+              </p:nvSpPr>
+              <p:spPr>
+                <a:xfrm>
+                  <a:off x="1897063" y="2516188"/>
+                  <a:ext cx="129591" cy="140248"/>
+                </a:xfrm>
+                <a:prstGeom prst="ellipse">
+                  <a:avLst/>
+                </a:prstGeom>
+                <a:solidFill>
+                  <a:schemeClr val="tx1"/>
+                </a:solidFill>
+                <a:ln>
+                  <a:solidFill>
+                    <a:schemeClr val="tx1"/>
+                  </a:solidFill>
+                </a:ln>
+                <a:sp3d/>
+              </p:spPr>
+              <p:style>
+                <a:lnRef idx="1">
+                  <a:schemeClr val="accent1"/>
+                </a:lnRef>
+                <a:fillRef idx="3">
+                  <a:schemeClr val="accent1"/>
+                </a:fillRef>
+                <a:effectRef idx="2">
+                  <a:schemeClr val="accent1"/>
+                </a:effectRef>
+                <a:fontRef idx="minor">
+                  <a:schemeClr val="lt1"/>
+                </a:fontRef>
+              </p:style>
+              <p:txBody>
+                <a:bodyPr rtlCol="0" anchor="ctr"/>
+                <a:lstStyle/>
+                <a:p>
+                  <a:pPr algn="ctr"/>
+                  <a:endParaRPr lang="fr-FR"/>
+                </a:p>
+              </p:txBody>
+            </p:sp>
+            <p:sp>
+              <p:nvSpPr>
+                <p:cNvPr id="38" name="Ellipse 37"/>
+                <p:cNvSpPr/>
+                <p:nvPr/>
+              </p:nvSpPr>
+              <p:spPr>
+                <a:xfrm>
+                  <a:off x="1897063" y="2557196"/>
+                  <a:ext cx="45719" cy="49479"/>
+                </a:xfrm>
+                <a:prstGeom prst="ellipse">
+                  <a:avLst/>
+                </a:prstGeom>
+                <a:solidFill>
+                  <a:schemeClr val="bg1"/>
+                </a:solidFill>
+                <a:ln>
+                  <a:solidFill>
+                    <a:schemeClr val="tx1"/>
+                  </a:solidFill>
+                </a:ln>
+                <a:sp3d/>
+              </p:spPr>
+              <p:style>
+                <a:lnRef idx="1">
+                  <a:schemeClr val="accent1"/>
+                </a:lnRef>
+                <a:fillRef idx="3">
+                  <a:schemeClr val="accent1"/>
+                </a:fillRef>
+                <a:effectRef idx="2">
+                  <a:schemeClr val="accent1"/>
+                </a:effectRef>
+                <a:fontRef idx="minor">
+                  <a:schemeClr val="lt1"/>
+                </a:fontRef>
+              </p:style>
+              <p:txBody>
+                <a:bodyPr rtlCol="0" anchor="ctr"/>
+                <a:lstStyle/>
+                <a:p>
+                  <a:pPr algn="ctr"/>
+                  <a:endParaRPr lang="fr-FR"/>
+                </a:p>
+              </p:txBody>
+            </p:sp>
+          </p:grpSp>
+          <p:grpSp>
+            <p:nvGrpSpPr>
+              <p:cNvPr id="16" name="Grouper 55"/>
+              <p:cNvGrpSpPr/>
+              <p:nvPr/>
+            </p:nvGrpSpPr>
+            <p:grpSpPr>
+              <a:xfrm rot="2904786">
+                <a:off x="2571127" y="2694971"/>
+                <a:ext cx="129591" cy="140248"/>
+                <a:chOff x="1897063" y="2516188"/>
+                <a:chExt cx="129591" cy="140248"/>
+              </a:xfrm>
+            </p:grpSpPr>
+            <p:sp>
+              <p:nvSpPr>
+                <p:cNvPr id="35" name="Ellipse 34"/>
+                <p:cNvSpPr/>
+                <p:nvPr/>
+              </p:nvSpPr>
+              <p:spPr>
+                <a:xfrm>
+                  <a:off x="1897063" y="2516188"/>
+                  <a:ext cx="129591" cy="140248"/>
+                </a:xfrm>
+                <a:prstGeom prst="ellipse">
+                  <a:avLst/>
+                </a:prstGeom>
+                <a:solidFill>
+                  <a:schemeClr val="tx1"/>
+                </a:solidFill>
+                <a:ln>
+                  <a:solidFill>
+                    <a:schemeClr val="tx1"/>
+                  </a:solidFill>
+                </a:ln>
+                <a:sp3d/>
+              </p:spPr>
+              <p:style>
+                <a:lnRef idx="1">
+                  <a:schemeClr val="accent1"/>
+                </a:lnRef>
+                <a:fillRef idx="3">
+                  <a:schemeClr val="accent1"/>
+                </a:fillRef>
+                <a:effectRef idx="2">
+                  <a:schemeClr val="accent1"/>
+                </a:effectRef>
+                <a:fontRef idx="minor">
+                  <a:schemeClr val="lt1"/>
+                </a:fontRef>
+              </p:style>
+              <p:txBody>
+                <a:bodyPr rtlCol="0" anchor="ctr"/>
+                <a:lstStyle/>
+                <a:p>
+                  <a:pPr algn="ctr"/>
+                  <a:endParaRPr lang="fr-FR"/>
+                </a:p>
+              </p:txBody>
+            </p:sp>
+            <p:sp>
+              <p:nvSpPr>
+                <p:cNvPr id="36" name="Ellipse 35"/>
+                <p:cNvSpPr/>
+                <p:nvPr/>
+              </p:nvSpPr>
+              <p:spPr>
+                <a:xfrm>
+                  <a:off x="1897063" y="2557196"/>
+                  <a:ext cx="45719" cy="49479"/>
+                </a:xfrm>
+                <a:prstGeom prst="ellipse">
+                  <a:avLst/>
+                </a:prstGeom>
+                <a:solidFill>
+                  <a:schemeClr val="bg1"/>
+                </a:solidFill>
+                <a:ln>
+                  <a:solidFill>
+                    <a:schemeClr val="tx1"/>
+                  </a:solidFill>
+                </a:ln>
+                <a:sp3d/>
+              </p:spPr>
+              <p:style>
+                <a:lnRef idx="1">
+                  <a:schemeClr val="accent1"/>
+                </a:lnRef>
+                <a:fillRef idx="3">
+                  <a:schemeClr val="accent1"/>
+                </a:fillRef>
+                <a:effectRef idx="2">
+                  <a:schemeClr val="accent1"/>
+                </a:effectRef>
+                <a:fontRef idx="minor">
+                  <a:schemeClr val="lt1"/>
+                </a:fontRef>
+              </p:style>
+              <p:txBody>
+                <a:bodyPr rtlCol="0" anchor="ctr"/>
+                <a:lstStyle/>
+                <a:p>
+                  <a:pPr algn="ctr"/>
+                  <a:endParaRPr lang="fr-FR"/>
+                </a:p>
+              </p:txBody>
+            </p:sp>
+          </p:grpSp>
+          <p:grpSp>
+            <p:nvGrpSpPr>
+              <p:cNvPr id="17" name="Grouper 58"/>
+              <p:cNvGrpSpPr/>
+              <p:nvPr/>
+            </p:nvGrpSpPr>
+            <p:grpSpPr>
+              <a:xfrm rot="2904786">
+                <a:off x="3501783" y="3351154"/>
+                <a:ext cx="129591" cy="140248"/>
+                <a:chOff x="1897063" y="2516188"/>
+                <a:chExt cx="129591" cy="140248"/>
+              </a:xfrm>
+            </p:grpSpPr>
+            <p:sp>
+              <p:nvSpPr>
+                <p:cNvPr id="33" name="Ellipse 32"/>
+                <p:cNvSpPr/>
+                <p:nvPr/>
+              </p:nvSpPr>
+              <p:spPr>
+                <a:xfrm>
+                  <a:off x="1897063" y="2516188"/>
+                  <a:ext cx="129591" cy="140248"/>
+                </a:xfrm>
+                <a:prstGeom prst="ellipse">
+                  <a:avLst/>
+                </a:prstGeom>
+                <a:solidFill>
+                  <a:schemeClr val="tx1"/>
+                </a:solidFill>
+                <a:ln>
+                  <a:solidFill>
+                    <a:schemeClr val="tx1"/>
+                  </a:solidFill>
+                </a:ln>
+                <a:sp3d/>
+              </p:spPr>
+              <p:style>
+                <a:lnRef idx="1">
+                  <a:schemeClr val="accent1"/>
+                </a:lnRef>
+                <a:fillRef idx="3">
+                  <a:schemeClr val="accent1"/>
+                </a:fillRef>
+                <a:effectRef idx="2">
+                  <a:schemeClr val="accent1"/>
+                </a:effectRef>
+                <a:fontRef idx="minor">
+                  <a:schemeClr val="lt1"/>
+                </a:fontRef>
+              </p:style>
+              <p:txBody>
+                <a:bodyPr rtlCol="0" anchor="ctr"/>
+                <a:lstStyle/>
+                <a:p>
+                  <a:pPr algn="ctr"/>
+                  <a:endParaRPr lang="fr-FR"/>
+                </a:p>
+              </p:txBody>
+            </p:sp>
+            <p:sp>
+              <p:nvSpPr>
+                <p:cNvPr id="34" name="Ellipse 33"/>
+                <p:cNvSpPr/>
+                <p:nvPr/>
+              </p:nvSpPr>
+              <p:spPr>
+                <a:xfrm>
+                  <a:off x="1897063" y="2557196"/>
+                  <a:ext cx="45719" cy="49479"/>
+                </a:xfrm>
+                <a:prstGeom prst="ellipse">
+                  <a:avLst/>
+                </a:prstGeom>
+                <a:solidFill>
+                  <a:schemeClr val="bg1"/>
+                </a:solidFill>
+                <a:ln>
+                  <a:solidFill>
+                    <a:schemeClr val="tx1"/>
+                  </a:solidFill>
+                </a:ln>
+                <a:sp3d/>
+              </p:spPr>
+              <p:style>
+                <a:lnRef idx="1">
+                  <a:schemeClr val="accent1"/>
+                </a:lnRef>
+                <a:fillRef idx="3">
+                  <a:schemeClr val="accent1"/>
+                </a:fillRef>
+                <a:effectRef idx="2">
+                  <a:schemeClr val="accent1"/>
+                </a:effectRef>
+                <a:fontRef idx="minor">
+                  <a:schemeClr val="lt1"/>
+                </a:fontRef>
+              </p:style>
+              <p:txBody>
+                <a:bodyPr rtlCol="0" anchor="ctr"/>
+                <a:lstStyle/>
+                <a:p>
+                  <a:pPr algn="ctr"/>
+                  <a:endParaRPr lang="fr-FR"/>
+                </a:p>
+              </p:txBody>
+            </p:sp>
+          </p:grpSp>
+          <p:grpSp>
+            <p:nvGrpSpPr>
+              <p:cNvPr id="18" name="Grouper 61"/>
+              <p:cNvGrpSpPr/>
+              <p:nvPr/>
+            </p:nvGrpSpPr>
+            <p:grpSpPr>
+              <a:xfrm rot="2904786">
+                <a:off x="2931524" y="3351153"/>
+                <a:ext cx="129591" cy="140248"/>
+                <a:chOff x="1897063" y="2516188"/>
+                <a:chExt cx="129591" cy="140248"/>
+              </a:xfrm>
+            </p:grpSpPr>
+            <p:sp>
+              <p:nvSpPr>
+                <p:cNvPr id="31" name="Ellipse 30"/>
+                <p:cNvSpPr/>
+                <p:nvPr/>
+              </p:nvSpPr>
+              <p:spPr>
+                <a:xfrm>
+                  <a:off x="1897063" y="2516188"/>
+                  <a:ext cx="129591" cy="140248"/>
+                </a:xfrm>
+                <a:prstGeom prst="ellipse">
+                  <a:avLst/>
+                </a:prstGeom>
+                <a:solidFill>
+                  <a:schemeClr val="tx1"/>
+                </a:solidFill>
+                <a:ln>
+                  <a:solidFill>
+                    <a:schemeClr val="tx1"/>
+                  </a:solidFill>
+                </a:ln>
+                <a:sp3d/>
+              </p:spPr>
+              <p:style>
+                <a:lnRef idx="1">
+                  <a:schemeClr val="accent1"/>
+                </a:lnRef>
+                <a:fillRef idx="3">
+                  <a:schemeClr val="accent1"/>
+                </a:fillRef>
+                <a:effectRef idx="2">
+                  <a:schemeClr val="accent1"/>
+                </a:effectRef>
+                <a:fontRef idx="minor">
+                  <a:schemeClr val="lt1"/>
+                </a:fontRef>
+              </p:style>
+              <p:txBody>
+                <a:bodyPr rtlCol="0" anchor="ctr"/>
+                <a:lstStyle/>
+                <a:p>
+                  <a:pPr algn="ctr"/>
+                  <a:endParaRPr lang="fr-FR"/>
+                </a:p>
+              </p:txBody>
+            </p:sp>
+            <p:sp>
+              <p:nvSpPr>
+                <p:cNvPr id="32" name="Ellipse 31"/>
+                <p:cNvSpPr/>
+                <p:nvPr/>
+              </p:nvSpPr>
+              <p:spPr>
+                <a:xfrm>
+                  <a:off x="1897063" y="2557196"/>
+                  <a:ext cx="45719" cy="49479"/>
+                </a:xfrm>
+                <a:prstGeom prst="ellipse">
+                  <a:avLst/>
+                </a:prstGeom>
+                <a:solidFill>
+                  <a:schemeClr val="bg1"/>
+                </a:solidFill>
+                <a:ln>
+                  <a:solidFill>
+                    <a:schemeClr val="tx1"/>
+                  </a:solidFill>
+                </a:ln>
+                <a:sp3d/>
+              </p:spPr>
+              <p:style>
+                <a:lnRef idx="1">
+                  <a:schemeClr val="accent1"/>
+                </a:lnRef>
+                <a:fillRef idx="3">
+                  <a:schemeClr val="accent1"/>
+                </a:fillRef>
+                <a:effectRef idx="2">
+                  <a:schemeClr val="accent1"/>
+                </a:effectRef>
+                <a:fontRef idx="minor">
+                  <a:schemeClr val="lt1"/>
+                </a:fontRef>
+              </p:style>
+              <p:txBody>
+                <a:bodyPr rtlCol="0" anchor="ctr"/>
+                <a:lstStyle/>
+                <a:p>
+                  <a:pPr algn="ctr"/>
+                  <a:endParaRPr lang="fr-FR"/>
+                </a:p>
+              </p:txBody>
+            </p:sp>
+          </p:grpSp>
+          <p:grpSp>
+            <p:nvGrpSpPr>
+              <p:cNvPr id="19" name="Grouper 64"/>
+              <p:cNvGrpSpPr/>
+              <p:nvPr/>
+            </p:nvGrpSpPr>
+            <p:grpSpPr>
+              <a:xfrm rot="2904786">
+                <a:off x="2325300" y="3351154"/>
+                <a:ext cx="129591" cy="140248"/>
+                <a:chOff x="1897063" y="2516188"/>
+                <a:chExt cx="129591" cy="140248"/>
+              </a:xfrm>
+            </p:grpSpPr>
+            <p:sp>
+              <p:nvSpPr>
+                <p:cNvPr id="29" name="Ellipse 28"/>
+                <p:cNvSpPr/>
+                <p:nvPr/>
+              </p:nvSpPr>
+              <p:spPr>
+                <a:xfrm>
+                  <a:off x="1897063" y="2516188"/>
+                  <a:ext cx="129591" cy="140248"/>
+                </a:xfrm>
+                <a:prstGeom prst="ellipse">
+                  <a:avLst/>
+                </a:prstGeom>
+                <a:solidFill>
+                  <a:schemeClr val="tx1"/>
+                </a:solidFill>
+                <a:ln>
+                  <a:solidFill>
+                    <a:schemeClr val="tx1"/>
+                  </a:solidFill>
+                </a:ln>
+                <a:sp3d/>
+              </p:spPr>
+              <p:style>
+                <a:lnRef idx="1">
+                  <a:schemeClr val="accent1"/>
+                </a:lnRef>
+                <a:fillRef idx="3">
+                  <a:schemeClr val="accent1"/>
+                </a:fillRef>
+                <a:effectRef idx="2">
+                  <a:schemeClr val="accent1"/>
+                </a:effectRef>
+                <a:fontRef idx="minor">
+                  <a:schemeClr val="lt1"/>
+                </a:fontRef>
+              </p:style>
+              <p:txBody>
+                <a:bodyPr rtlCol="0" anchor="ctr"/>
+                <a:lstStyle/>
+                <a:p>
+                  <a:pPr algn="ctr"/>
+                  <a:endParaRPr lang="fr-FR"/>
+                </a:p>
+              </p:txBody>
+            </p:sp>
+            <p:sp>
+              <p:nvSpPr>
+                <p:cNvPr id="30" name="Ellipse 29"/>
+                <p:cNvSpPr/>
+                <p:nvPr/>
+              </p:nvSpPr>
+              <p:spPr>
+                <a:xfrm>
+                  <a:off x="1897063" y="2557196"/>
+                  <a:ext cx="45719" cy="49479"/>
+                </a:xfrm>
+                <a:prstGeom prst="ellipse">
+                  <a:avLst/>
+                </a:prstGeom>
+                <a:solidFill>
+                  <a:schemeClr val="bg1"/>
+                </a:solidFill>
+                <a:ln>
+                  <a:solidFill>
+                    <a:schemeClr val="tx1"/>
+                  </a:solidFill>
+                </a:ln>
+                <a:sp3d/>
+              </p:spPr>
+              <p:style>
+                <a:lnRef idx="1">
+                  <a:schemeClr val="accent1"/>
+                </a:lnRef>
+                <a:fillRef idx="3">
+                  <a:schemeClr val="accent1"/>
+                </a:fillRef>
+                <a:effectRef idx="2">
+                  <a:schemeClr val="accent1"/>
+                </a:effectRef>
+                <a:fontRef idx="minor">
+                  <a:schemeClr val="lt1"/>
+                </a:fontRef>
+              </p:style>
+              <p:txBody>
+                <a:bodyPr rtlCol="0" anchor="ctr"/>
+                <a:lstStyle/>
+                <a:p>
+                  <a:pPr algn="ctr"/>
+                  <a:endParaRPr lang="fr-FR"/>
+                </a:p>
+              </p:txBody>
+            </p:sp>
+          </p:grpSp>
+          <p:cxnSp>
+            <p:nvCxnSpPr>
+              <p:cNvPr id="20" name="Connecteur droit 19"/>
+              <p:cNvCxnSpPr/>
+              <p:nvPr/>
+            </p:nvCxnSpPr>
+            <p:spPr>
+              <a:xfrm rot="10800000" flipH="1" flipV="1">
+                <a:off x="3025155" y="1642295"/>
+                <a:ext cx="636881" cy="351977"/>
+              </a:xfrm>
+              <a:prstGeom prst="line">
+                <a:avLst/>
+              </a:prstGeom>
+              <a:ln>
+                <a:solidFill>
+                  <a:schemeClr val="tx1"/>
+                </a:solidFill>
+              </a:ln>
+              <a:sp3d/>
+            </p:spPr>
+            <p:style>
+              <a:lnRef idx="2">
+                <a:schemeClr val="accent1"/>
+              </a:lnRef>
+              <a:fillRef idx="0">
+                <a:schemeClr val="accent1"/>
+              </a:fillRef>
+              <a:effectRef idx="1">
+                <a:schemeClr val="accent1"/>
+              </a:effectRef>
+              <a:fontRef idx="minor">
+                <a:schemeClr val="tx1"/>
+              </a:fontRef>
+            </p:style>
+          </p:cxnSp>
+          <p:cxnSp>
+            <p:nvCxnSpPr>
+              <p:cNvPr id="21" name="Connecteur droit 20"/>
+              <p:cNvCxnSpPr/>
+              <p:nvPr/>
+            </p:nvCxnSpPr>
+            <p:spPr>
+              <a:xfrm rot="5400000">
+                <a:off x="1774487" y="2302218"/>
+                <a:ext cx="431798" cy="221569"/>
+              </a:xfrm>
+              <a:prstGeom prst="line">
+                <a:avLst/>
+              </a:prstGeom>
+              <a:ln>
+                <a:solidFill>
+                  <a:schemeClr val="tx1"/>
+                </a:solidFill>
+              </a:ln>
+              <a:sp3d/>
+            </p:spPr>
+            <p:style>
+              <a:lnRef idx="2">
+                <a:schemeClr val="accent1"/>
+              </a:lnRef>
+              <a:fillRef idx="0">
+                <a:schemeClr val="accent1"/>
+              </a:fillRef>
+              <a:effectRef idx="1">
+                <a:schemeClr val="accent1"/>
+              </a:effectRef>
+              <a:fontRef idx="minor">
+                <a:schemeClr val="tx1"/>
+              </a:fontRef>
+            </p:style>
+          </p:cxnSp>
+          <p:cxnSp>
+            <p:nvCxnSpPr>
+              <p:cNvPr id="22" name="Connecteur droit 21"/>
+              <p:cNvCxnSpPr/>
+              <p:nvPr/>
+            </p:nvCxnSpPr>
+            <p:spPr>
+              <a:xfrm rot="16200000" flipH="1">
+                <a:off x="2063411" y="2302218"/>
+                <a:ext cx="431798" cy="221569"/>
+              </a:xfrm>
+              <a:prstGeom prst="line">
+                <a:avLst/>
+              </a:prstGeom>
+              <a:ln>
+                <a:solidFill>
+                  <a:schemeClr val="tx1"/>
+                </a:solidFill>
+              </a:ln>
+              <a:sp3d/>
+            </p:spPr>
+            <p:style>
+              <a:lnRef idx="2">
+                <a:schemeClr val="accent1"/>
+              </a:lnRef>
+              <a:fillRef idx="0">
+                <a:schemeClr val="accent1"/>
+              </a:fillRef>
+              <a:effectRef idx="1">
+                <a:schemeClr val="accent1"/>
+              </a:effectRef>
+              <a:fontRef idx="minor">
+                <a:schemeClr val="tx1"/>
+              </a:fontRef>
+            </p:style>
+          </p:cxnSp>
+          <p:cxnSp>
+            <p:nvCxnSpPr>
+              <p:cNvPr id="23" name="Connecteur droit 22"/>
+              <p:cNvCxnSpPr/>
+              <p:nvPr/>
+            </p:nvCxnSpPr>
+            <p:spPr>
+              <a:xfrm rot="5400000">
+                <a:off x="2565062" y="2302220"/>
+                <a:ext cx="431798" cy="221569"/>
+              </a:xfrm>
+              <a:prstGeom prst="line">
+                <a:avLst/>
+              </a:prstGeom>
+              <a:ln>
+                <a:solidFill>
+                  <a:schemeClr val="tx1"/>
+                </a:solidFill>
+              </a:ln>
+              <a:sp3d/>
+            </p:spPr>
+            <p:style>
+              <a:lnRef idx="2">
+                <a:schemeClr val="accent1"/>
+              </a:lnRef>
+              <a:fillRef idx="0">
+                <a:schemeClr val="accent1"/>
+              </a:fillRef>
+              <a:effectRef idx="1">
+                <a:schemeClr val="accent1"/>
+              </a:effectRef>
+              <a:fontRef idx="minor">
+                <a:schemeClr val="tx1"/>
+              </a:fontRef>
+            </p:style>
+          </p:cxnSp>
+          <p:cxnSp>
+            <p:nvCxnSpPr>
+              <p:cNvPr id="24" name="Connecteur droit 23"/>
+              <p:cNvCxnSpPr/>
+              <p:nvPr/>
+            </p:nvCxnSpPr>
+            <p:spPr>
+              <a:xfrm rot="16200000" flipH="1">
+                <a:off x="2957260" y="2302218"/>
+                <a:ext cx="431798" cy="221569"/>
+              </a:xfrm>
+              <a:prstGeom prst="line">
+                <a:avLst/>
+              </a:prstGeom>
+              <a:ln>
+                <a:solidFill>
+                  <a:schemeClr val="tx1"/>
+                </a:solidFill>
+              </a:ln>
+              <a:sp3d/>
+            </p:spPr>
+            <p:style>
+              <a:lnRef idx="2">
+                <a:schemeClr val="accent1"/>
+              </a:lnRef>
+              <a:fillRef idx="0">
+                <a:schemeClr val="accent1"/>
+              </a:fillRef>
+              <a:effectRef idx="1">
+                <a:schemeClr val="accent1"/>
+              </a:effectRef>
+              <a:fontRef idx="minor">
+                <a:schemeClr val="tx1"/>
+              </a:fontRef>
+            </p:style>
+          </p:cxnSp>
+          <p:cxnSp>
+            <p:nvCxnSpPr>
+              <p:cNvPr id="25" name="Connecteur droit 24"/>
+              <p:cNvCxnSpPr/>
+              <p:nvPr/>
+            </p:nvCxnSpPr>
+            <p:spPr>
+              <a:xfrm rot="16200000" flipH="1">
+                <a:off x="2743200" y="2413001"/>
+                <a:ext cx="431801" cy="8"/>
+              </a:xfrm>
+              <a:prstGeom prst="line">
+                <a:avLst/>
+              </a:prstGeom>
+              <a:ln>
+                <a:solidFill>
+                  <a:schemeClr val="tx1"/>
+                </a:solidFill>
+              </a:ln>
+              <a:sp3d/>
+            </p:spPr>
+            <p:style>
+              <a:lnRef idx="2">
+                <a:schemeClr val="accent1"/>
+              </a:lnRef>
+              <a:fillRef idx="0">
+                <a:schemeClr val="accent1"/>
+              </a:fillRef>
+              <a:effectRef idx="1">
+                <a:schemeClr val="accent1"/>
+              </a:effectRef>
+              <a:fontRef idx="minor">
+                <a:schemeClr val="tx1"/>
+              </a:fontRef>
+            </p:style>
+          </p:cxnSp>
+          <p:cxnSp>
+            <p:nvCxnSpPr>
+              <p:cNvPr id="26" name="Connecteur droit 25"/>
+              <p:cNvCxnSpPr/>
+              <p:nvPr/>
+            </p:nvCxnSpPr>
+            <p:spPr>
+              <a:xfrm rot="16200000" flipH="1">
+                <a:off x="2174199" y="3076000"/>
+                <a:ext cx="431801" cy="8"/>
+              </a:xfrm>
+              <a:prstGeom prst="line">
+                <a:avLst/>
+              </a:prstGeom>
+              <a:ln>
+                <a:solidFill>
+                  <a:schemeClr val="tx1"/>
+                </a:solidFill>
+              </a:ln>
+              <a:sp3d/>
+            </p:spPr>
+            <p:style>
+              <a:lnRef idx="2">
+                <a:schemeClr val="accent1"/>
+              </a:lnRef>
+              <a:fillRef idx="0">
+                <a:schemeClr val="accent1"/>
+              </a:fillRef>
+              <a:effectRef idx="1">
+                <a:schemeClr val="accent1"/>
+              </a:effectRef>
+              <a:fontRef idx="minor">
+                <a:schemeClr val="tx1"/>
+              </a:fontRef>
+            </p:style>
+          </p:cxnSp>
+          <p:cxnSp>
+            <p:nvCxnSpPr>
+              <p:cNvPr id="27" name="Connecteur droit 26"/>
+              <p:cNvCxnSpPr/>
+              <p:nvPr/>
+            </p:nvCxnSpPr>
+            <p:spPr>
+              <a:xfrm rot="5400000">
+                <a:off x="2920039" y="2966722"/>
+                <a:ext cx="431798" cy="221569"/>
+              </a:xfrm>
+              <a:prstGeom prst="line">
+                <a:avLst/>
+              </a:prstGeom>
+              <a:ln>
+                <a:solidFill>
+                  <a:schemeClr val="tx1"/>
+                </a:solidFill>
+              </a:ln>
+              <a:sp3d/>
+            </p:spPr>
+            <p:style>
+              <a:lnRef idx="2">
+                <a:schemeClr val="accent1"/>
+              </a:lnRef>
+              <a:fillRef idx="0">
+                <a:schemeClr val="accent1"/>
+              </a:fillRef>
+              <a:effectRef idx="1">
+                <a:schemeClr val="accent1"/>
+              </a:effectRef>
+              <a:fontRef idx="minor">
+                <a:schemeClr val="tx1"/>
+              </a:fontRef>
+            </p:style>
+          </p:cxnSp>
+          <p:cxnSp>
+            <p:nvCxnSpPr>
+              <p:cNvPr id="28" name="Connecteur droit 27"/>
+              <p:cNvCxnSpPr/>
+              <p:nvPr/>
+            </p:nvCxnSpPr>
+            <p:spPr>
+              <a:xfrm rot="16200000" flipH="1">
+                <a:off x="3235705" y="2966723"/>
+                <a:ext cx="431798" cy="221569"/>
+              </a:xfrm>
+              <a:prstGeom prst="line">
+                <a:avLst/>
+              </a:prstGeom>
+              <a:ln>
+                <a:solidFill>
+                  <a:schemeClr val="tx1"/>
+                </a:solidFill>
+              </a:ln>
+              <a:sp3d/>
+            </p:spPr>
+            <p:style>
+              <a:lnRef idx="2">
+                <a:schemeClr val="accent1"/>
+              </a:lnRef>
+              <a:fillRef idx="0">
+                <a:schemeClr val="accent1"/>
+              </a:fillRef>
+              <a:effectRef idx="1">
+                <a:schemeClr val="accent1"/>
+              </a:effectRef>
+              <a:fontRef idx="minor">
+                <a:schemeClr val="tx1"/>
+              </a:fontRef>
+            </p:style>
+          </p:cxnSp>
+        </p:grpSp>
+        <p:grpSp>
+          <p:nvGrpSpPr>
+            <p:cNvPr id="103" name="Grouper 102"/>
+            <p:cNvGrpSpPr/>
+            <p:nvPr/>
+          </p:nvGrpSpPr>
+          <p:grpSpPr>
+            <a:xfrm>
+              <a:off x="1924268" y="1071473"/>
+              <a:ext cx="1356103" cy="1387790"/>
+              <a:chOff x="1229014" y="1934128"/>
+              <a:chExt cx="1997048" cy="2043711"/>
+            </a:xfrm>
+          </p:grpSpPr>
+          <p:cxnSp>
+            <p:nvCxnSpPr>
+              <p:cNvPr id="53" name="Connecteur en arc 52"/>
+              <p:cNvCxnSpPr/>
+              <p:nvPr/>
+            </p:nvCxnSpPr>
+            <p:spPr>
+              <a:xfrm rot="10800000">
+                <a:off x="2569326" y="3324041"/>
+                <a:ext cx="522556" cy="554254"/>
+              </a:xfrm>
+              <a:prstGeom prst="curvedConnector3">
+                <a:avLst>
+                  <a:gd name="adj1" fmla="val 154869"/>
+                </a:avLst>
+              </a:prstGeom>
+              <a:ln>
+                <a:solidFill>
+                  <a:srgbClr val="000000"/>
+                </a:solidFill>
+                <a:tailEnd type="arrow"/>
+              </a:ln>
+            </p:spPr>
+            <p:style>
+              <a:lnRef idx="2">
+                <a:schemeClr val="accent1"/>
+              </a:lnRef>
+              <a:fillRef idx="0">
+                <a:schemeClr val="accent1"/>
+              </a:fillRef>
+              <a:effectRef idx="1">
+                <a:schemeClr val="accent1"/>
+              </a:effectRef>
+              <a:fontRef idx="minor">
+                <a:schemeClr val="tx1"/>
+              </a:fontRef>
+            </p:style>
+          </p:cxnSp>
+          <p:grpSp>
+            <p:nvGrpSpPr>
+              <p:cNvPr id="55" name="Grouper 6"/>
+              <p:cNvGrpSpPr/>
+              <p:nvPr/>
+            </p:nvGrpSpPr>
+            <p:grpSpPr>
+              <a:xfrm rot="2904786">
+                <a:off x="2034030" y="1928800"/>
+                <a:ext cx="129591" cy="140248"/>
+                <a:chOff x="1897063" y="2516188"/>
+                <a:chExt cx="129591" cy="140248"/>
+              </a:xfrm>
+            </p:grpSpPr>
+            <p:sp>
+              <p:nvSpPr>
+                <p:cNvPr id="56" name="Ellipse 3"/>
+                <p:cNvSpPr/>
+                <p:nvPr/>
+              </p:nvSpPr>
+              <p:spPr>
+                <a:xfrm>
+                  <a:off x="1897063" y="2516188"/>
+                  <a:ext cx="129591" cy="140248"/>
+                </a:xfrm>
+                <a:prstGeom prst="ellipse">
+                  <a:avLst/>
+                </a:prstGeom>
+                <a:solidFill>
+                  <a:schemeClr val="tx1"/>
+                </a:solidFill>
+                <a:ln>
+                  <a:solidFill>
+                    <a:schemeClr val="tx1"/>
+                  </a:solidFill>
+                </a:ln>
+              </p:spPr>
+              <p:style>
+                <a:lnRef idx="1">
+                  <a:schemeClr val="accent1"/>
+                </a:lnRef>
+                <a:fillRef idx="3">
+                  <a:schemeClr val="accent1"/>
+                </a:fillRef>
+                <a:effectRef idx="2">
+                  <a:schemeClr val="accent1"/>
+                </a:effectRef>
+                <a:fontRef idx="minor">
+                  <a:schemeClr val="lt1"/>
+                </a:fontRef>
+              </p:style>
+              <p:txBody>
+                <a:bodyPr rtlCol="0" anchor="ctr"/>
+                <a:lstStyle/>
+                <a:p>
+                  <a:pPr algn="ctr"/>
+                  <a:endParaRPr lang="fr-FR"/>
+                </a:p>
+              </p:txBody>
+            </p:sp>
+            <p:sp>
+              <p:nvSpPr>
+                <p:cNvPr id="57" name="Ellipse 5"/>
+                <p:cNvSpPr/>
+                <p:nvPr/>
+              </p:nvSpPr>
+              <p:spPr>
+                <a:xfrm>
+                  <a:off x="1897063" y="2557196"/>
+                  <a:ext cx="45719" cy="49479"/>
+                </a:xfrm>
+                <a:prstGeom prst="ellipse">
+                  <a:avLst/>
+                </a:prstGeom>
+                <a:solidFill>
+                  <a:schemeClr val="bg1"/>
+                </a:solidFill>
+                <a:ln>
+                  <a:solidFill>
+                    <a:schemeClr val="tx1"/>
+                  </a:solidFill>
+                </a:ln>
+              </p:spPr>
+              <p:style>
+                <a:lnRef idx="1">
+                  <a:schemeClr val="accent1"/>
+                </a:lnRef>
+                <a:fillRef idx="3">
+                  <a:schemeClr val="accent1"/>
+                </a:fillRef>
+                <a:effectRef idx="2">
+                  <a:schemeClr val="accent1"/>
+                </a:effectRef>
+                <a:fontRef idx="minor">
+                  <a:schemeClr val="lt1"/>
+                </a:fontRef>
+              </p:style>
+              <p:txBody>
+                <a:bodyPr rtlCol="0" anchor="ctr"/>
+                <a:lstStyle/>
+                <a:p>
+                  <a:pPr algn="ctr"/>
+                  <a:endParaRPr lang="fr-FR"/>
+                </a:p>
+              </p:txBody>
+            </p:sp>
+          </p:grpSp>
+          <p:cxnSp>
+            <p:nvCxnSpPr>
+              <p:cNvPr id="58" name="Connecteur droit 57"/>
+              <p:cNvCxnSpPr/>
+              <p:nvPr/>
+            </p:nvCxnSpPr>
+            <p:spPr>
+              <a:xfrm rot="16200000" flipH="1">
+                <a:off x="1957948" y="2275691"/>
+                <a:ext cx="281754" cy="2"/>
+              </a:xfrm>
+              <a:prstGeom prst="line">
+                <a:avLst/>
+              </a:prstGeom>
+              <a:ln>
+                <a:solidFill>
+                  <a:schemeClr val="tx1"/>
+                </a:solidFill>
+              </a:ln>
+            </p:spPr>
+            <p:style>
+              <a:lnRef idx="2">
+                <a:schemeClr val="accent1"/>
+              </a:lnRef>
+              <a:fillRef idx="0">
+                <a:schemeClr val="accent1"/>
+              </a:fillRef>
+              <a:effectRef idx="1">
+                <a:schemeClr val="accent1"/>
+              </a:effectRef>
+              <a:fontRef idx="minor">
+                <a:schemeClr val="tx1"/>
+              </a:fontRef>
+            </p:style>
+          </p:cxnSp>
+          <p:grpSp>
+            <p:nvGrpSpPr>
+              <p:cNvPr id="59" name="Grouper 7"/>
+              <p:cNvGrpSpPr/>
+              <p:nvPr/>
+            </p:nvGrpSpPr>
+            <p:grpSpPr>
+              <a:xfrm rot="2904786">
+                <a:off x="2024915" y="2484148"/>
+                <a:ext cx="129591" cy="140248"/>
+                <a:chOff x="1897063" y="2516188"/>
+                <a:chExt cx="129591" cy="140248"/>
+              </a:xfrm>
+            </p:grpSpPr>
+            <p:sp>
+              <p:nvSpPr>
+                <p:cNvPr id="60" name="Ellipse 8"/>
+                <p:cNvSpPr/>
+                <p:nvPr/>
+              </p:nvSpPr>
+              <p:spPr>
+                <a:xfrm>
+                  <a:off x="1897063" y="2516188"/>
+                  <a:ext cx="129591" cy="140248"/>
+                </a:xfrm>
+                <a:prstGeom prst="ellipse">
+                  <a:avLst/>
+                </a:prstGeom>
+                <a:solidFill>
+                  <a:schemeClr val="tx1"/>
+                </a:solidFill>
+                <a:ln>
+                  <a:solidFill>
+                    <a:schemeClr val="tx1"/>
+                  </a:solidFill>
+                </a:ln>
+              </p:spPr>
+              <p:style>
+                <a:lnRef idx="1">
+                  <a:schemeClr val="accent1"/>
+                </a:lnRef>
+                <a:fillRef idx="3">
+                  <a:schemeClr val="accent1"/>
+                </a:fillRef>
+                <a:effectRef idx="2">
+                  <a:schemeClr val="accent1"/>
+                </a:effectRef>
+                <a:fontRef idx="minor">
+                  <a:schemeClr val="lt1"/>
+                </a:fontRef>
+              </p:style>
+              <p:txBody>
+                <a:bodyPr rtlCol="0" anchor="ctr"/>
+                <a:lstStyle/>
+                <a:p>
+                  <a:pPr algn="ctr"/>
+                  <a:endParaRPr lang="fr-FR"/>
+                </a:p>
+              </p:txBody>
+            </p:sp>
+            <p:sp>
+              <p:nvSpPr>
+                <p:cNvPr id="61" name="Ellipse 9"/>
+                <p:cNvSpPr/>
+                <p:nvPr/>
+              </p:nvSpPr>
+              <p:spPr>
+                <a:xfrm>
+                  <a:off x="1897063" y="2557196"/>
+                  <a:ext cx="45719" cy="49479"/>
+                </a:xfrm>
+                <a:prstGeom prst="ellipse">
+                  <a:avLst/>
+                </a:prstGeom>
+                <a:solidFill>
+                  <a:schemeClr val="bg1"/>
+                </a:solidFill>
+                <a:ln>
+                  <a:solidFill>
+                    <a:schemeClr val="tx1"/>
+                  </a:solidFill>
+                </a:ln>
+              </p:spPr>
+              <p:style>
+                <a:lnRef idx="1">
+                  <a:schemeClr val="accent1"/>
+                </a:lnRef>
+                <a:fillRef idx="3">
+                  <a:schemeClr val="accent1"/>
+                </a:fillRef>
+                <a:effectRef idx="2">
+                  <a:schemeClr val="accent1"/>
+                </a:effectRef>
+                <a:fontRef idx="minor">
+                  <a:schemeClr val="lt1"/>
+                </a:fontRef>
+              </p:style>
+              <p:txBody>
+                <a:bodyPr rtlCol="0" anchor="ctr"/>
+                <a:lstStyle/>
+                <a:p>
+                  <a:pPr algn="ctr"/>
+                  <a:endParaRPr lang="fr-FR"/>
+                </a:p>
+              </p:txBody>
+            </p:sp>
+          </p:grpSp>
+          <p:grpSp>
+            <p:nvGrpSpPr>
+              <p:cNvPr id="62" name="Grouper 16"/>
+              <p:cNvGrpSpPr/>
+              <p:nvPr/>
+            </p:nvGrpSpPr>
+            <p:grpSpPr>
+              <a:xfrm rot="2904786">
+                <a:off x="2824605" y="2484148"/>
+                <a:ext cx="129591" cy="140248"/>
+                <a:chOff x="1897063" y="2516188"/>
+                <a:chExt cx="129591" cy="140248"/>
+              </a:xfrm>
+            </p:grpSpPr>
+            <p:sp>
+              <p:nvSpPr>
+                <p:cNvPr id="63" name="Ellipse 62"/>
+                <p:cNvSpPr/>
+                <p:nvPr/>
+              </p:nvSpPr>
+              <p:spPr>
+                <a:xfrm>
+                  <a:off x="1897063" y="2516188"/>
+                  <a:ext cx="129591" cy="140248"/>
+                </a:xfrm>
+                <a:prstGeom prst="ellipse">
+                  <a:avLst/>
+                </a:prstGeom>
+                <a:solidFill>
+                  <a:schemeClr val="tx1"/>
+                </a:solidFill>
+                <a:ln>
+                  <a:solidFill>
+                    <a:schemeClr val="tx1"/>
+                  </a:solidFill>
+                </a:ln>
+              </p:spPr>
+              <p:style>
+                <a:lnRef idx="1">
+                  <a:schemeClr val="accent1"/>
+                </a:lnRef>
+                <a:fillRef idx="3">
+                  <a:schemeClr val="accent1"/>
+                </a:fillRef>
+                <a:effectRef idx="2">
+                  <a:schemeClr val="accent1"/>
+                </a:effectRef>
+                <a:fontRef idx="minor">
+                  <a:schemeClr val="lt1"/>
+                </a:fontRef>
+              </p:style>
+              <p:txBody>
+                <a:bodyPr rtlCol="0" anchor="ctr"/>
+                <a:lstStyle/>
+                <a:p>
+                  <a:pPr algn="ctr"/>
+                  <a:endParaRPr lang="fr-FR"/>
+                </a:p>
+              </p:txBody>
+            </p:sp>
+            <p:sp>
+              <p:nvSpPr>
+                <p:cNvPr id="64" name="Ellipse 63"/>
+                <p:cNvSpPr/>
+                <p:nvPr/>
+              </p:nvSpPr>
+              <p:spPr>
+                <a:xfrm>
+                  <a:off x="1897063" y="2557196"/>
+                  <a:ext cx="45719" cy="49479"/>
+                </a:xfrm>
+                <a:prstGeom prst="ellipse">
+                  <a:avLst/>
+                </a:prstGeom>
+                <a:solidFill>
+                  <a:schemeClr val="bg1"/>
+                </a:solidFill>
+                <a:ln>
+                  <a:solidFill>
+                    <a:schemeClr val="tx1"/>
+                  </a:solidFill>
+                </a:ln>
+              </p:spPr>
+              <p:style>
+                <a:lnRef idx="1">
+                  <a:schemeClr val="accent1"/>
+                </a:lnRef>
+                <a:fillRef idx="3">
+                  <a:schemeClr val="accent1"/>
+                </a:fillRef>
+                <a:effectRef idx="2">
+                  <a:schemeClr val="accent1"/>
+                </a:effectRef>
+                <a:fontRef idx="minor">
+                  <a:schemeClr val="lt1"/>
+                </a:fontRef>
+              </p:style>
+              <p:txBody>
+                <a:bodyPr rtlCol="0" anchor="ctr"/>
+                <a:lstStyle/>
+                <a:p>
+                  <a:pPr algn="ctr"/>
+                  <a:endParaRPr lang="fr-FR"/>
+                </a:p>
+              </p:txBody>
+            </p:sp>
+          </p:grpSp>
+          <p:cxnSp>
+            <p:nvCxnSpPr>
+              <p:cNvPr id="65" name="Connecteur droit 64"/>
+              <p:cNvCxnSpPr/>
+              <p:nvPr/>
+            </p:nvCxnSpPr>
+            <p:spPr>
+              <a:xfrm rot="10800000" flipV="1">
+                <a:off x="1394594" y="2134506"/>
+                <a:ext cx="636881" cy="351977"/>
+              </a:xfrm>
+              <a:prstGeom prst="line">
+                <a:avLst/>
+              </a:prstGeom>
+              <a:ln>
+                <a:solidFill>
+                  <a:schemeClr val="tx1"/>
+                </a:solidFill>
+              </a:ln>
+            </p:spPr>
+            <p:style>
+              <a:lnRef idx="2">
+                <a:schemeClr val="accent1"/>
+              </a:lnRef>
+              <a:fillRef idx="0">
+                <a:schemeClr val="accent1"/>
+              </a:fillRef>
+              <a:effectRef idx="1">
+                <a:schemeClr val="accent1"/>
+              </a:effectRef>
+              <a:fontRef idx="minor">
+                <a:schemeClr val="tx1"/>
+              </a:fontRef>
+            </p:style>
+          </p:cxnSp>
+          <p:grpSp>
+            <p:nvGrpSpPr>
+              <p:cNvPr id="69" name="Grouper 43"/>
+              <p:cNvGrpSpPr/>
+              <p:nvPr/>
+            </p:nvGrpSpPr>
+            <p:grpSpPr>
+              <a:xfrm rot="2904786">
+                <a:off x="3091142" y="3186737"/>
+                <a:ext cx="129591" cy="140248"/>
+                <a:chOff x="1897063" y="2516188"/>
+                <a:chExt cx="129591" cy="140248"/>
+              </a:xfrm>
+            </p:grpSpPr>
+            <p:sp>
+              <p:nvSpPr>
+                <p:cNvPr id="70" name="Ellipse 69"/>
+                <p:cNvSpPr/>
+                <p:nvPr/>
+              </p:nvSpPr>
+              <p:spPr>
+                <a:xfrm>
+                  <a:off x="1897063" y="2516188"/>
+                  <a:ext cx="129591" cy="140248"/>
+                </a:xfrm>
+                <a:prstGeom prst="ellipse">
+                  <a:avLst/>
+                </a:prstGeom>
+                <a:solidFill>
+                  <a:schemeClr val="tx1"/>
+                </a:solidFill>
+                <a:ln>
+                  <a:solidFill>
+                    <a:schemeClr val="tx1"/>
+                  </a:solidFill>
+                </a:ln>
+              </p:spPr>
+              <p:style>
+                <a:lnRef idx="1">
+                  <a:schemeClr val="accent1"/>
+                </a:lnRef>
+                <a:fillRef idx="3">
+                  <a:schemeClr val="accent1"/>
+                </a:fillRef>
+                <a:effectRef idx="2">
+                  <a:schemeClr val="accent1"/>
+                </a:effectRef>
+                <a:fontRef idx="minor">
+                  <a:schemeClr val="lt1"/>
+                </a:fontRef>
+              </p:style>
+              <p:txBody>
+                <a:bodyPr rtlCol="0" anchor="ctr"/>
+                <a:lstStyle/>
+                <a:p>
+                  <a:pPr algn="ctr"/>
+                  <a:endParaRPr lang="fr-FR"/>
+                </a:p>
+              </p:txBody>
+            </p:sp>
+            <p:sp>
+              <p:nvSpPr>
+                <p:cNvPr id="71" name="Ellipse 70"/>
+                <p:cNvSpPr/>
+                <p:nvPr/>
+              </p:nvSpPr>
+              <p:spPr>
+                <a:xfrm>
+                  <a:off x="1897063" y="2557196"/>
+                  <a:ext cx="45719" cy="49479"/>
+                </a:xfrm>
+                <a:prstGeom prst="ellipse">
+                  <a:avLst/>
+                </a:prstGeom>
+                <a:solidFill>
+                  <a:schemeClr val="bg1"/>
+                </a:solidFill>
+                <a:ln>
+                  <a:solidFill>
+                    <a:schemeClr val="tx1"/>
+                  </a:solidFill>
+                </a:ln>
+              </p:spPr>
+              <p:style>
+                <a:lnRef idx="1">
+                  <a:schemeClr val="accent1"/>
+                </a:lnRef>
+                <a:fillRef idx="3">
+                  <a:schemeClr val="accent1"/>
+                </a:fillRef>
+                <a:effectRef idx="2">
+                  <a:schemeClr val="accent1"/>
+                </a:effectRef>
+                <a:fontRef idx="minor">
+                  <a:schemeClr val="lt1"/>
+                </a:fontRef>
+              </p:style>
+              <p:txBody>
+                <a:bodyPr rtlCol="0" anchor="ctr"/>
+                <a:lstStyle/>
+                <a:p>
+                  <a:pPr algn="ctr"/>
+                  <a:endParaRPr lang="fr-FR"/>
+                </a:p>
+              </p:txBody>
+            </p:sp>
+          </p:grpSp>
+          <p:grpSp>
+            <p:nvGrpSpPr>
+              <p:cNvPr id="72" name="Grouper 46"/>
+              <p:cNvGrpSpPr/>
+              <p:nvPr/>
+            </p:nvGrpSpPr>
+            <p:grpSpPr>
+              <a:xfrm rot="2904786">
+                <a:off x="2511206" y="3186736"/>
+                <a:ext cx="129591" cy="140248"/>
+                <a:chOff x="1897063" y="2516188"/>
+                <a:chExt cx="129591" cy="140248"/>
+              </a:xfrm>
+            </p:grpSpPr>
+            <p:sp>
+              <p:nvSpPr>
+                <p:cNvPr id="73" name="Ellipse 72"/>
+                <p:cNvSpPr/>
+                <p:nvPr/>
+              </p:nvSpPr>
+              <p:spPr>
+                <a:xfrm>
+                  <a:off x="1897063" y="2516188"/>
+                  <a:ext cx="129591" cy="140248"/>
+                </a:xfrm>
+                <a:prstGeom prst="ellipse">
+                  <a:avLst/>
+                </a:prstGeom>
+                <a:solidFill>
+                  <a:schemeClr val="tx1"/>
+                </a:solidFill>
+                <a:ln>
+                  <a:solidFill>
+                    <a:schemeClr val="tx1"/>
+                  </a:solidFill>
+                </a:ln>
+              </p:spPr>
+              <p:style>
+                <a:lnRef idx="1">
+                  <a:schemeClr val="accent1"/>
+                </a:lnRef>
+                <a:fillRef idx="3">
+                  <a:schemeClr val="accent1"/>
+                </a:fillRef>
+                <a:effectRef idx="2">
+                  <a:schemeClr val="accent1"/>
+                </a:effectRef>
+                <a:fontRef idx="minor">
+                  <a:schemeClr val="lt1"/>
+                </a:fontRef>
+              </p:style>
+              <p:txBody>
+                <a:bodyPr rtlCol="0" anchor="ctr"/>
+                <a:lstStyle/>
+                <a:p>
+                  <a:pPr algn="ctr"/>
+                  <a:endParaRPr lang="fr-FR"/>
+                </a:p>
+              </p:txBody>
+            </p:sp>
+            <p:sp>
+              <p:nvSpPr>
+                <p:cNvPr id="74" name="Ellipse 73"/>
+                <p:cNvSpPr/>
+                <p:nvPr/>
+              </p:nvSpPr>
+              <p:spPr>
+                <a:xfrm>
+                  <a:off x="1897063" y="2557196"/>
+                  <a:ext cx="45719" cy="49479"/>
+                </a:xfrm>
+                <a:prstGeom prst="ellipse">
+                  <a:avLst/>
+                </a:prstGeom>
+                <a:solidFill>
+                  <a:schemeClr val="bg1"/>
+                </a:solidFill>
+                <a:ln>
+                  <a:solidFill>
+                    <a:schemeClr val="tx1"/>
+                  </a:solidFill>
+                </a:ln>
+              </p:spPr>
+              <p:style>
+                <a:lnRef idx="1">
+                  <a:schemeClr val="accent1"/>
+                </a:lnRef>
+                <a:fillRef idx="3">
+                  <a:schemeClr val="accent1"/>
+                </a:fillRef>
+                <a:effectRef idx="2">
+                  <a:schemeClr val="accent1"/>
+                </a:effectRef>
+                <a:fontRef idx="minor">
+                  <a:schemeClr val="lt1"/>
+                </a:fontRef>
+              </p:style>
+              <p:txBody>
+                <a:bodyPr rtlCol="0" anchor="ctr"/>
+                <a:lstStyle/>
+                <a:p>
+                  <a:pPr algn="ctr"/>
+                  <a:endParaRPr lang="fr-FR"/>
+                </a:p>
+              </p:txBody>
+            </p:sp>
+          </p:grpSp>
+          <p:grpSp>
+            <p:nvGrpSpPr>
+              <p:cNvPr id="75" name="Grouper 49"/>
+              <p:cNvGrpSpPr/>
+              <p:nvPr/>
+            </p:nvGrpSpPr>
+            <p:grpSpPr>
+              <a:xfrm rot="2904786">
+                <a:off x="2024916" y="3188993"/>
+                <a:ext cx="129591" cy="140248"/>
+                <a:chOff x="1897063" y="2516188"/>
+                <a:chExt cx="129591" cy="140248"/>
+              </a:xfrm>
+            </p:grpSpPr>
+            <p:sp>
+              <p:nvSpPr>
+                <p:cNvPr id="76" name="Ellipse 75"/>
+                <p:cNvSpPr/>
+                <p:nvPr/>
+              </p:nvSpPr>
+              <p:spPr>
+                <a:xfrm>
+                  <a:off x="1897063" y="2516188"/>
+                  <a:ext cx="129591" cy="140248"/>
+                </a:xfrm>
+                <a:prstGeom prst="ellipse">
+                  <a:avLst/>
+                </a:prstGeom>
+                <a:solidFill>
+                  <a:schemeClr val="tx1"/>
+                </a:solidFill>
+                <a:ln>
+                  <a:solidFill>
+                    <a:schemeClr val="tx1"/>
+                  </a:solidFill>
+                </a:ln>
+              </p:spPr>
+              <p:style>
+                <a:lnRef idx="1">
+                  <a:schemeClr val="accent1"/>
+                </a:lnRef>
+                <a:fillRef idx="3">
+                  <a:schemeClr val="accent1"/>
+                </a:fillRef>
+                <a:effectRef idx="2">
+                  <a:schemeClr val="accent1"/>
+                </a:effectRef>
+                <a:fontRef idx="minor">
+                  <a:schemeClr val="lt1"/>
+                </a:fontRef>
+              </p:style>
+              <p:txBody>
+                <a:bodyPr rtlCol="0" anchor="ctr"/>
+                <a:lstStyle/>
+                <a:p>
+                  <a:pPr algn="ctr"/>
+                  <a:endParaRPr lang="fr-FR"/>
+                </a:p>
+              </p:txBody>
+            </p:sp>
+            <p:sp>
+              <p:nvSpPr>
+                <p:cNvPr id="77" name="Ellipse 76"/>
+                <p:cNvSpPr/>
+                <p:nvPr/>
+              </p:nvSpPr>
+              <p:spPr>
+                <a:xfrm>
+                  <a:off x="1897063" y="2557196"/>
+                  <a:ext cx="45719" cy="49479"/>
+                </a:xfrm>
+                <a:prstGeom prst="ellipse">
+                  <a:avLst/>
+                </a:prstGeom>
+                <a:solidFill>
+                  <a:schemeClr val="bg1"/>
+                </a:solidFill>
+                <a:ln>
+                  <a:solidFill>
+                    <a:schemeClr val="tx1"/>
+                  </a:solidFill>
+                </a:ln>
+              </p:spPr>
+              <p:style>
+                <a:lnRef idx="1">
+                  <a:schemeClr val="accent1"/>
+                </a:lnRef>
+                <a:fillRef idx="3">
+                  <a:schemeClr val="accent1"/>
+                </a:fillRef>
+                <a:effectRef idx="2">
+                  <a:schemeClr val="accent1"/>
+                </a:effectRef>
+                <a:fontRef idx="minor">
+                  <a:schemeClr val="lt1"/>
+                </a:fontRef>
+              </p:style>
+              <p:txBody>
+                <a:bodyPr rtlCol="0" anchor="ctr"/>
+                <a:lstStyle/>
+                <a:p>
+                  <a:pPr algn="ctr"/>
+                  <a:endParaRPr lang="fr-FR"/>
+                </a:p>
+              </p:txBody>
+            </p:sp>
+          </p:grpSp>
+          <p:grpSp>
+            <p:nvGrpSpPr>
+              <p:cNvPr id="81" name="Grouper 55"/>
+              <p:cNvGrpSpPr/>
+              <p:nvPr/>
+            </p:nvGrpSpPr>
+            <p:grpSpPr>
+              <a:xfrm rot="2904786">
+                <a:off x="1710852" y="3187490"/>
+                <a:ext cx="129591" cy="140248"/>
+                <a:chOff x="1897063" y="2516188"/>
+                <a:chExt cx="129591" cy="140248"/>
+              </a:xfrm>
+            </p:grpSpPr>
+            <p:sp>
+              <p:nvSpPr>
+                <p:cNvPr id="82" name="Ellipse 81"/>
+                <p:cNvSpPr/>
+                <p:nvPr/>
+              </p:nvSpPr>
+              <p:spPr>
+                <a:xfrm>
+                  <a:off x="1897063" y="2516188"/>
+                  <a:ext cx="129591" cy="140248"/>
+                </a:xfrm>
+                <a:prstGeom prst="ellipse">
+                  <a:avLst/>
+                </a:prstGeom>
+                <a:solidFill>
+                  <a:schemeClr val="tx1"/>
+                </a:solidFill>
+                <a:ln>
+                  <a:solidFill>
+                    <a:schemeClr val="tx1"/>
+                  </a:solidFill>
+                </a:ln>
+              </p:spPr>
+              <p:style>
+                <a:lnRef idx="1">
+                  <a:schemeClr val="accent1"/>
+                </a:lnRef>
+                <a:fillRef idx="3">
+                  <a:schemeClr val="accent1"/>
+                </a:fillRef>
+                <a:effectRef idx="2">
+                  <a:schemeClr val="accent1"/>
+                </a:effectRef>
+                <a:fontRef idx="minor">
+                  <a:schemeClr val="lt1"/>
+                </a:fontRef>
+              </p:style>
+              <p:txBody>
+                <a:bodyPr rtlCol="0" anchor="ctr"/>
+                <a:lstStyle/>
+                <a:p>
+                  <a:pPr algn="ctr"/>
+                  <a:endParaRPr lang="fr-FR"/>
+                </a:p>
+              </p:txBody>
+            </p:sp>
+            <p:sp>
+              <p:nvSpPr>
+                <p:cNvPr id="83" name="Ellipse 82"/>
+                <p:cNvSpPr/>
+                <p:nvPr/>
+              </p:nvSpPr>
+              <p:spPr>
+                <a:xfrm>
+                  <a:off x="1897063" y="2557196"/>
+                  <a:ext cx="45719" cy="49479"/>
+                </a:xfrm>
+                <a:prstGeom prst="ellipse">
+                  <a:avLst/>
+                </a:prstGeom>
+                <a:solidFill>
+                  <a:schemeClr val="bg1"/>
+                </a:solidFill>
+                <a:ln>
+                  <a:solidFill>
+                    <a:schemeClr val="tx1"/>
+                  </a:solidFill>
+                </a:ln>
+              </p:spPr>
+              <p:style>
+                <a:lnRef idx="1">
+                  <a:schemeClr val="accent1"/>
+                </a:lnRef>
+                <a:fillRef idx="3">
+                  <a:schemeClr val="accent1"/>
+                </a:fillRef>
+                <a:effectRef idx="2">
+                  <a:schemeClr val="accent1"/>
+                </a:effectRef>
+                <a:fontRef idx="minor">
+                  <a:schemeClr val="lt1"/>
+                </a:fontRef>
+              </p:style>
+              <p:txBody>
+                <a:bodyPr rtlCol="0" anchor="ctr"/>
+                <a:lstStyle/>
+                <a:p>
+                  <a:pPr algn="ctr"/>
+                  <a:endParaRPr lang="fr-FR"/>
+                </a:p>
+              </p:txBody>
+            </p:sp>
+          </p:grpSp>
+          <p:grpSp>
+            <p:nvGrpSpPr>
+              <p:cNvPr id="90" name="Grouper 64"/>
+              <p:cNvGrpSpPr/>
+              <p:nvPr/>
+            </p:nvGrpSpPr>
+            <p:grpSpPr>
+              <a:xfrm rot="2904786">
+                <a:off x="3075462" y="3842920"/>
+                <a:ext cx="129591" cy="140248"/>
+                <a:chOff x="1897063" y="2516188"/>
+                <a:chExt cx="129591" cy="140248"/>
+              </a:xfrm>
+            </p:grpSpPr>
+            <p:sp>
+              <p:nvSpPr>
+                <p:cNvPr id="91" name="Ellipse 90"/>
+                <p:cNvSpPr/>
+                <p:nvPr/>
+              </p:nvSpPr>
+              <p:spPr>
+                <a:xfrm>
+                  <a:off x="1897063" y="2516188"/>
+                  <a:ext cx="129591" cy="140248"/>
+                </a:xfrm>
+                <a:prstGeom prst="ellipse">
+                  <a:avLst/>
+                </a:prstGeom>
+                <a:solidFill>
+                  <a:schemeClr val="tx1"/>
+                </a:solidFill>
+                <a:ln>
+                  <a:solidFill>
+                    <a:schemeClr val="tx1"/>
+                  </a:solidFill>
+                </a:ln>
+              </p:spPr>
+              <p:style>
+                <a:lnRef idx="1">
+                  <a:schemeClr val="accent1"/>
+                </a:lnRef>
+                <a:fillRef idx="3">
+                  <a:schemeClr val="accent1"/>
+                </a:fillRef>
+                <a:effectRef idx="2">
+                  <a:schemeClr val="accent1"/>
+                </a:effectRef>
+                <a:fontRef idx="minor">
+                  <a:schemeClr val="lt1"/>
+                </a:fontRef>
+              </p:style>
+              <p:txBody>
+                <a:bodyPr rtlCol="0" anchor="ctr"/>
+                <a:lstStyle/>
+                <a:p>
+                  <a:pPr algn="ctr"/>
+                  <a:endParaRPr lang="fr-FR"/>
+                </a:p>
+              </p:txBody>
+            </p:sp>
+            <p:sp>
+              <p:nvSpPr>
+                <p:cNvPr id="92" name="Ellipse 91"/>
+                <p:cNvSpPr/>
+                <p:nvPr/>
+              </p:nvSpPr>
+              <p:spPr>
+                <a:xfrm>
+                  <a:off x="1897063" y="2557196"/>
+                  <a:ext cx="45719" cy="49479"/>
+                </a:xfrm>
+                <a:prstGeom prst="ellipse">
+                  <a:avLst/>
+                </a:prstGeom>
+                <a:solidFill>
+                  <a:schemeClr val="bg1"/>
+                </a:solidFill>
+                <a:ln>
+                  <a:solidFill>
+                    <a:schemeClr val="tx1"/>
+                  </a:solidFill>
+                </a:ln>
+              </p:spPr>
+              <p:style>
+                <a:lnRef idx="1">
+                  <a:schemeClr val="accent1"/>
+                </a:lnRef>
+                <a:fillRef idx="3">
+                  <a:schemeClr val="accent1"/>
+                </a:fillRef>
+                <a:effectRef idx="2">
+                  <a:schemeClr val="accent1"/>
+                </a:effectRef>
+                <a:fontRef idx="minor">
+                  <a:schemeClr val="lt1"/>
+                </a:fontRef>
+              </p:style>
+              <p:txBody>
+                <a:bodyPr rtlCol="0" anchor="ctr"/>
+                <a:lstStyle/>
+                <a:p>
+                  <a:pPr algn="ctr"/>
+                  <a:endParaRPr lang="fr-FR"/>
+                </a:p>
+              </p:txBody>
+            </p:sp>
+          </p:grpSp>
+          <p:cxnSp>
+            <p:nvCxnSpPr>
+              <p:cNvPr id="93" name="Connecteur droit 92"/>
+              <p:cNvCxnSpPr/>
+              <p:nvPr/>
+            </p:nvCxnSpPr>
+            <p:spPr>
+              <a:xfrm rot="10800000" flipH="1" flipV="1">
+                <a:off x="2164880" y="2134814"/>
+                <a:ext cx="636881" cy="351977"/>
+              </a:xfrm>
+              <a:prstGeom prst="line">
+                <a:avLst/>
+              </a:prstGeom>
+              <a:ln>
+                <a:solidFill>
+                  <a:schemeClr val="tx1"/>
+                </a:solidFill>
+              </a:ln>
+            </p:spPr>
+            <p:style>
+              <a:lnRef idx="2">
+                <a:schemeClr val="accent1"/>
+              </a:lnRef>
+              <a:fillRef idx="0">
+                <a:schemeClr val="accent1"/>
+              </a:fillRef>
+              <a:effectRef idx="1">
+                <a:schemeClr val="accent1"/>
+              </a:effectRef>
+              <a:fontRef idx="minor">
+                <a:schemeClr val="tx1"/>
+              </a:fontRef>
+            </p:style>
+          </p:cxnSp>
+          <p:cxnSp>
+            <p:nvCxnSpPr>
+              <p:cNvPr id="94" name="Connecteur droit 93"/>
+              <p:cNvCxnSpPr/>
+              <p:nvPr/>
+            </p:nvCxnSpPr>
+            <p:spPr>
+              <a:xfrm rot="5400000">
+                <a:off x="2524649" y="2793984"/>
+                <a:ext cx="431798" cy="221569"/>
+              </a:xfrm>
+              <a:prstGeom prst="line">
+                <a:avLst/>
+              </a:prstGeom>
+              <a:ln>
+                <a:solidFill>
+                  <a:schemeClr val="tx1"/>
+                </a:solidFill>
+              </a:ln>
+            </p:spPr>
+            <p:style>
+              <a:lnRef idx="2">
+                <a:schemeClr val="accent1"/>
+              </a:lnRef>
+              <a:fillRef idx="0">
+                <a:schemeClr val="accent1"/>
+              </a:fillRef>
+              <a:effectRef idx="1">
+                <a:schemeClr val="accent1"/>
+              </a:effectRef>
+              <a:fontRef idx="minor">
+                <a:schemeClr val="tx1"/>
+              </a:fontRef>
+            </p:style>
+          </p:cxnSp>
+          <p:cxnSp>
+            <p:nvCxnSpPr>
+              <p:cNvPr id="95" name="Connecteur droit 94"/>
+              <p:cNvCxnSpPr/>
+              <p:nvPr/>
+            </p:nvCxnSpPr>
+            <p:spPr>
+              <a:xfrm rot="16200000" flipH="1">
+                <a:off x="2813573" y="2793984"/>
+                <a:ext cx="431798" cy="221569"/>
+              </a:xfrm>
+              <a:prstGeom prst="line">
+                <a:avLst/>
+              </a:prstGeom>
+              <a:ln>
+                <a:solidFill>
+                  <a:schemeClr val="tx1"/>
+                </a:solidFill>
+              </a:ln>
+            </p:spPr>
+            <p:style>
+              <a:lnRef idx="2">
+                <a:schemeClr val="accent1"/>
+              </a:lnRef>
+              <a:fillRef idx="0">
+                <a:schemeClr val="accent1"/>
+              </a:fillRef>
+              <a:effectRef idx="1">
+                <a:schemeClr val="accent1"/>
+              </a:effectRef>
+              <a:fontRef idx="minor">
+                <a:schemeClr val="tx1"/>
+              </a:fontRef>
+            </p:style>
+          </p:cxnSp>
+          <p:cxnSp>
+            <p:nvCxnSpPr>
+              <p:cNvPr id="96" name="Connecteur droit 95"/>
+              <p:cNvCxnSpPr/>
+              <p:nvPr/>
+            </p:nvCxnSpPr>
+            <p:spPr>
+              <a:xfrm rot="5400000">
+                <a:off x="1704787" y="2794739"/>
+                <a:ext cx="431798" cy="221569"/>
+              </a:xfrm>
+              <a:prstGeom prst="line">
+                <a:avLst/>
+              </a:prstGeom>
+              <a:ln>
+                <a:solidFill>
+                  <a:schemeClr val="tx1"/>
+                </a:solidFill>
+              </a:ln>
+            </p:spPr>
+            <p:style>
+              <a:lnRef idx="2">
+                <a:schemeClr val="accent1"/>
+              </a:lnRef>
+              <a:fillRef idx="0">
+                <a:schemeClr val="accent1"/>
+              </a:fillRef>
+              <a:effectRef idx="1">
+                <a:schemeClr val="accent1"/>
+              </a:effectRef>
+              <a:fontRef idx="minor">
+                <a:schemeClr val="tx1"/>
+              </a:fontRef>
+            </p:style>
+          </p:cxnSp>
+          <p:cxnSp>
+            <p:nvCxnSpPr>
+              <p:cNvPr id="98" name="Connecteur droit 97"/>
+              <p:cNvCxnSpPr/>
+              <p:nvPr/>
+            </p:nvCxnSpPr>
+            <p:spPr>
+              <a:xfrm rot="16200000" flipH="1">
+                <a:off x="1882925" y="2905520"/>
+                <a:ext cx="431801" cy="8"/>
+              </a:xfrm>
+              <a:prstGeom prst="line">
+                <a:avLst/>
+              </a:prstGeom>
+              <a:ln>
+                <a:solidFill>
+                  <a:schemeClr val="tx1"/>
+                </a:solidFill>
+              </a:ln>
+            </p:spPr>
+            <p:style>
+              <a:lnRef idx="2">
+                <a:schemeClr val="accent1"/>
+              </a:lnRef>
+              <a:fillRef idx="0">
+                <a:schemeClr val="accent1"/>
+              </a:fillRef>
+              <a:effectRef idx="1">
+                <a:schemeClr val="accent1"/>
+              </a:effectRef>
+              <a:fontRef idx="minor">
+                <a:schemeClr val="tx1"/>
+              </a:fontRef>
+            </p:style>
+          </p:cxnSp>
+          <p:cxnSp>
+            <p:nvCxnSpPr>
+              <p:cNvPr id="99" name="Connecteur droit 98"/>
+              <p:cNvCxnSpPr/>
+              <p:nvPr/>
+            </p:nvCxnSpPr>
+            <p:spPr>
+              <a:xfrm rot="16200000" flipH="1">
+                <a:off x="2924361" y="3567766"/>
+                <a:ext cx="431801" cy="8"/>
+              </a:xfrm>
+              <a:prstGeom prst="line">
+                <a:avLst/>
+              </a:prstGeom>
+              <a:ln>
+                <a:solidFill>
+                  <a:schemeClr val="tx1"/>
+                </a:solidFill>
+              </a:ln>
+            </p:spPr>
+            <p:style>
+              <a:lnRef idx="2">
+                <a:schemeClr val="accent1"/>
+              </a:lnRef>
+              <a:fillRef idx="0">
+                <a:schemeClr val="accent1"/>
+              </a:fillRef>
+              <a:effectRef idx="1">
+                <a:schemeClr val="accent1"/>
+              </a:effectRef>
+              <a:fontRef idx="minor">
+                <a:schemeClr val="tx1"/>
+              </a:fontRef>
+            </p:style>
+          </p:cxnSp>
+          <p:cxnSp>
+            <p:nvCxnSpPr>
+              <p:cNvPr id="102" name="Connecteur en arc 101"/>
+              <p:cNvCxnSpPr/>
+              <p:nvPr/>
+            </p:nvCxnSpPr>
+            <p:spPr>
+              <a:xfrm rot="10800000">
+                <a:off x="2037263" y="3305663"/>
+                <a:ext cx="1035496" cy="606024"/>
+              </a:xfrm>
+              <a:prstGeom prst="curvedConnector3">
+                <a:avLst>
+                  <a:gd name="adj1" fmla="val 123269"/>
+                </a:avLst>
+              </a:prstGeom>
+              <a:ln>
+                <a:solidFill>
+                  <a:srgbClr val="000000"/>
+                </a:solidFill>
+                <a:tailEnd type="arrow"/>
+              </a:ln>
+            </p:spPr>
+            <p:style>
+              <a:lnRef idx="2">
+                <a:schemeClr val="accent1"/>
+              </a:lnRef>
+              <a:fillRef idx="0">
+                <a:schemeClr val="accent1"/>
+              </a:fillRef>
+              <a:effectRef idx="1">
+                <a:schemeClr val="accent1"/>
+              </a:effectRef>
+              <a:fontRef idx="minor">
+                <a:schemeClr val="tx1"/>
+              </a:fontRef>
+            </p:style>
+          </p:cxnSp>
+          <p:grpSp>
+            <p:nvGrpSpPr>
+              <p:cNvPr id="104" name="Grouper 6"/>
+              <p:cNvGrpSpPr/>
+              <p:nvPr/>
+            </p:nvGrpSpPr>
+            <p:grpSpPr>
+              <a:xfrm rot="2904786">
+                <a:off x="1234342" y="2524490"/>
+                <a:ext cx="129591" cy="140248"/>
+                <a:chOff x="1897063" y="2516188"/>
+                <a:chExt cx="129591" cy="140248"/>
+              </a:xfrm>
+            </p:grpSpPr>
+            <p:sp>
+              <p:nvSpPr>
+                <p:cNvPr id="105" name="Ellipse 3"/>
+                <p:cNvSpPr/>
+                <p:nvPr/>
+              </p:nvSpPr>
+              <p:spPr>
+                <a:xfrm>
+                  <a:off x="1897063" y="2516188"/>
+                  <a:ext cx="129591" cy="140248"/>
+                </a:xfrm>
+                <a:prstGeom prst="ellipse">
+                  <a:avLst/>
+                </a:prstGeom>
+                <a:solidFill>
+                  <a:schemeClr val="tx1"/>
+                </a:solidFill>
+                <a:ln>
+                  <a:solidFill>
+                    <a:schemeClr val="tx1"/>
+                  </a:solidFill>
+                </a:ln>
+              </p:spPr>
+              <p:style>
+                <a:lnRef idx="1">
+                  <a:schemeClr val="accent1"/>
+                </a:lnRef>
+                <a:fillRef idx="3">
+                  <a:schemeClr val="accent1"/>
+                </a:fillRef>
+                <a:effectRef idx="2">
+                  <a:schemeClr val="accent1"/>
+                </a:effectRef>
+                <a:fontRef idx="minor">
+                  <a:schemeClr val="lt1"/>
+                </a:fontRef>
+              </p:style>
+              <p:txBody>
+                <a:bodyPr rtlCol="0" anchor="ctr"/>
+                <a:lstStyle/>
+                <a:p>
+                  <a:pPr algn="ctr"/>
+                  <a:endParaRPr lang="fr-FR"/>
+                </a:p>
+              </p:txBody>
+            </p:sp>
+            <p:sp>
+              <p:nvSpPr>
+                <p:cNvPr id="106" name="Ellipse 5"/>
+                <p:cNvSpPr/>
+                <p:nvPr/>
+              </p:nvSpPr>
+              <p:spPr>
+                <a:xfrm>
+                  <a:off x="1897063" y="2557196"/>
+                  <a:ext cx="45719" cy="49479"/>
+                </a:xfrm>
+                <a:prstGeom prst="ellipse">
+                  <a:avLst/>
+                </a:prstGeom>
+                <a:solidFill>
+                  <a:schemeClr val="bg1"/>
+                </a:solidFill>
+                <a:ln>
+                  <a:solidFill>
+                    <a:schemeClr val="tx1"/>
+                  </a:solidFill>
+                </a:ln>
+              </p:spPr>
+              <p:style>
+                <a:lnRef idx="1">
+                  <a:schemeClr val="accent1"/>
+                </a:lnRef>
+                <a:fillRef idx="3">
+                  <a:schemeClr val="accent1"/>
+                </a:fillRef>
+                <a:effectRef idx="2">
+                  <a:schemeClr val="accent1"/>
+                </a:effectRef>
+                <a:fontRef idx="minor">
+                  <a:schemeClr val="lt1"/>
+                </a:fontRef>
+              </p:style>
+              <p:txBody>
+                <a:bodyPr rtlCol="0" anchor="ctr"/>
+                <a:lstStyle/>
+                <a:p>
+                  <a:pPr algn="ctr"/>
+                  <a:endParaRPr lang="fr-FR"/>
+                </a:p>
+              </p:txBody>
+            </p:sp>
+          </p:grpSp>
+        </p:grpSp>
+        <p:sp>
+          <p:nvSpPr>
+            <p:cNvPr id="116" name="ZoneTexte 115"/>
+            <p:cNvSpPr txBox="1"/>
+            <p:nvPr/>
+          </p:nvSpPr>
+          <p:spPr>
+            <a:xfrm>
+              <a:off x="1326521" y="468868"/>
+              <a:ext cx="2945751" cy="369332"/>
+            </a:xfrm>
+            <a:prstGeom prst="rect">
+              <a:avLst/>
+            </a:prstGeom>
+            <a:noFill/>
+          </p:spPr>
+          <p:txBody>
+            <a:bodyPr wrap="none" rtlCol="0">
+              <a:spAutoFit/>
+            </a:bodyPr>
+            <a:lstStyle/>
+            <a:p>
+              <a:r>
+                <a:rPr lang="fr-FR" dirty="0" err="1" smtClean="0"/>
+                <a:t>Netconf</a:t>
+              </a:r>
+              <a:r>
+                <a:rPr lang="fr-FR" dirty="0" smtClean="0"/>
+                <a:t> </a:t>
+              </a:r>
+              <a:r>
+                <a:rPr lang="fr-FR" dirty="0" err="1" smtClean="0"/>
+                <a:t>edit-config</a:t>
+              </a:r>
+              <a:r>
+                <a:rPr lang="fr-FR" dirty="0" smtClean="0"/>
+                <a:t> </a:t>
+              </a:r>
+              <a:r>
+                <a:rPr lang="fr-FR" dirty="0" err="1" smtClean="0"/>
+                <a:t>operation</a:t>
+              </a:r>
+              <a:endParaRPr lang="fr-FR" dirty="0"/>
+            </a:p>
+          </p:txBody>
+        </p:sp>
+        <p:sp>
+          <p:nvSpPr>
+            <p:cNvPr id="118" name="ZoneTexte 117"/>
+            <p:cNvSpPr txBox="1"/>
+            <p:nvPr/>
+          </p:nvSpPr>
+          <p:spPr>
+            <a:xfrm>
+              <a:off x="6175835" y="5325564"/>
+              <a:ext cx="1457287" cy="369332"/>
+            </a:xfrm>
+            <a:prstGeom prst="rect">
+              <a:avLst/>
+            </a:prstGeom>
+            <a:noFill/>
+          </p:spPr>
+          <p:txBody>
+            <a:bodyPr wrap="none" rtlCol="0">
+              <a:spAutoFit/>
+            </a:bodyPr>
+            <a:lstStyle/>
+            <a:p>
+              <a:r>
+                <a:rPr lang="fr-FR" dirty="0" smtClean="0"/>
+                <a:t>Configuration</a:t>
+              </a:r>
+              <a:endParaRPr lang="fr-FR" dirty="0"/>
+            </a:p>
+          </p:txBody>
+        </p:sp>
+        <p:sp>
+          <p:nvSpPr>
+            <p:cNvPr id="97" name="Rectangle 96"/>
+            <p:cNvSpPr/>
+            <p:nvPr/>
+          </p:nvSpPr>
+          <p:spPr>
+            <a:xfrm>
+              <a:off x="5007925" y="838200"/>
+              <a:ext cx="3956700" cy="5041558"/>
+            </a:xfrm>
+            <a:prstGeom prst="rect">
+              <a:avLst/>
+            </a:prstGeom>
+            <a:noFill/>
             <a:ln>
               <a:solidFill>
                 <a:schemeClr val="tx1"/>
@@ -9599,24 +11141,56 @@
         </p:sp>
         <p:sp>
           <p:nvSpPr>
-            <p:cNvPr id="57" name="Ellipse 5"/>
+            <p:cNvPr id="100" name="ZoneTexte 99"/>
+            <p:cNvSpPr txBox="1"/>
+            <p:nvPr/>
+          </p:nvSpPr>
+          <p:spPr>
+            <a:xfrm>
+              <a:off x="6080075" y="468868"/>
+              <a:ext cx="1710725" cy="369332"/>
+            </a:xfrm>
+            <a:prstGeom prst="rect">
+              <a:avLst/>
+            </a:prstGeom>
+            <a:noFill/>
+          </p:spPr>
+          <p:txBody>
+            <a:bodyPr wrap="none" rtlCol="0">
+              <a:spAutoFit/>
+            </a:bodyPr>
+            <a:lstStyle/>
+            <a:p>
+              <a:r>
+                <a:rPr lang="fr-FR" dirty="0" smtClean="0"/>
+                <a:t>Serveur </a:t>
+              </a:r>
+              <a:r>
+                <a:rPr lang="fr-FR" dirty="0" err="1" smtClean="0"/>
+                <a:t>Netconf</a:t>
+              </a:r>
+              <a:endParaRPr lang="fr-FR" dirty="0"/>
+            </a:p>
+          </p:txBody>
+        </p:sp>
+        <p:sp>
+          <p:nvSpPr>
+            <p:cNvPr id="101" name="Losange 100"/>
             <p:cNvSpPr/>
             <p:nvPr/>
           </p:nvSpPr>
           <p:spPr>
             <a:xfrm>
-              <a:off x="1897063" y="2557196"/>
-              <a:ext cx="45719" cy="49479"/>
+              <a:off x="5746505" y="1399077"/>
+              <a:ext cx="2198267" cy="792575"/>
             </a:xfrm>
-            <a:prstGeom prst="ellipse">
+            <a:prstGeom prst="diamond">
               <a:avLst/>
             </a:prstGeom>
-            <a:solidFill>
-              <a:schemeClr val="bg1"/>
-            </a:solidFill>
+            <a:noFill/>
             <a:ln>
               <a:solidFill>
-                <a:schemeClr val="tx1"/>
+                <a:srgbClr val="000000"/>
               </a:solidFill>
             </a:ln>
           </p:spPr>
@@ -9639,82 +11213,1571 @@
             <a:lstStyle/>
             <a:p>
               <a:pPr algn="ctr"/>
-              <a:endParaRPr lang="fr-FR"/>
+              <a:r>
+                <a:rPr lang="fr-FR" sz="1600" dirty="0" smtClean="0">
+                  <a:solidFill>
+                    <a:schemeClr val="tx1"/>
+                  </a:solidFill>
+                </a:rPr>
+                <a:t>validation</a:t>
+              </a:r>
+              <a:endParaRPr lang="fr-FR" sz="1600" dirty="0">
+                <a:solidFill>
+                  <a:schemeClr val="tx1"/>
+                </a:solidFill>
+              </a:endParaRPr>
             </a:p>
           </p:txBody>
         </p:sp>
-      </p:grpSp>
-      <p:cxnSp>
-        <p:nvCxnSpPr>
-          <p:cNvPr id="58" name="Connecteur droit 57"/>
-          <p:cNvCxnSpPr/>
-          <p:nvPr/>
-        </p:nvCxnSpPr>
-        <p:spPr>
-          <a:xfrm rot="16200000" flipH="1">
-            <a:off x="1957948" y="2275691"/>
-            <a:ext cx="281754" cy="2"/>
-          </a:xfrm>
-          <a:prstGeom prst="line">
-            <a:avLst/>
-          </a:prstGeom>
-          <a:ln>
-            <a:solidFill>
+        <p:cxnSp>
+          <p:nvCxnSpPr>
+            <p:cNvPr id="111" name="Connecteur en arc 110"/>
+            <p:cNvCxnSpPr>
+              <a:stCxn id="101" idx="2"/>
+            </p:cNvCxnSpPr>
+            <p:nvPr/>
+          </p:nvCxnSpPr>
+          <p:spPr>
+            <a:xfrm rot="5400000">
+              <a:off x="3719997" y="508362"/>
+              <a:ext cx="1442353" cy="4808932"/>
+            </a:xfrm>
+            <a:prstGeom prst="curvedConnector2">
+              <a:avLst/>
+            </a:prstGeom>
+            <a:ln>
+              <a:solidFill>
+                <a:srgbClr val="000000"/>
+              </a:solidFill>
+              <a:tailEnd type="arrow"/>
+            </a:ln>
+          </p:spPr>
+          <p:style>
+            <a:lnRef idx="2">
+              <a:schemeClr val="accent1"/>
+            </a:lnRef>
+            <a:fillRef idx="0">
+              <a:schemeClr val="accent1"/>
+            </a:fillRef>
+            <a:effectRef idx="1">
+              <a:schemeClr val="accent1"/>
+            </a:effectRef>
+            <a:fontRef idx="minor">
               <a:schemeClr val="tx1"/>
-            </a:solidFill>
-          </a:ln>
-        </p:spPr>
-        <p:style>
-          <a:lnRef idx="2">
-            <a:schemeClr val="accent1"/>
-          </a:lnRef>
-          <a:fillRef idx="0">
-            <a:schemeClr val="accent1"/>
-          </a:fillRef>
-          <a:effectRef idx="1">
-            <a:schemeClr val="accent1"/>
-          </a:effectRef>
-          <a:fontRef idx="minor">
-            <a:schemeClr val="tx1"/>
-          </a:fontRef>
-        </p:style>
-      </p:cxnSp>
-      <p:grpSp>
-        <p:nvGrpSpPr>
-          <p:cNvPr id="59" name="Grouper 7"/>
-          <p:cNvGrpSpPr/>
-          <p:nvPr/>
-        </p:nvGrpSpPr>
-        <p:grpSpPr>
-          <a:xfrm rot="2904786">
-            <a:off x="2024915" y="2484148"/>
-            <a:ext cx="129591" cy="140248"/>
-            <a:chOff x="1897063" y="2516188"/>
-            <a:chExt cx="129591" cy="140248"/>
-          </a:xfrm>
-        </p:grpSpPr>
+            </a:fontRef>
+          </p:style>
+        </p:cxnSp>
         <p:sp>
           <p:nvSpPr>
-            <p:cNvPr id="60" name="Ellipse 8"/>
+            <p:cNvPr id="113" name="ZoneTexte 112"/>
+            <p:cNvSpPr txBox="1"/>
+            <p:nvPr/>
+          </p:nvSpPr>
+          <p:spPr>
+            <a:xfrm>
+              <a:off x="757764" y="3074881"/>
+              <a:ext cx="3213440" cy="369332"/>
+            </a:xfrm>
+            <a:prstGeom prst="rect">
+              <a:avLst/>
+            </a:prstGeom>
+            <a:noFill/>
+          </p:spPr>
+          <p:txBody>
+            <a:bodyPr wrap="none" rtlCol="0">
+              <a:spAutoFit/>
+            </a:bodyPr>
+            <a:lstStyle/>
+            <a:p>
+              <a:r>
+                <a:rPr lang="fr-FR" dirty="0" err="1" smtClean="0"/>
+                <a:t>Netconf</a:t>
+              </a:r>
+              <a:r>
+                <a:rPr lang="fr-FR" dirty="0" smtClean="0"/>
+                <a:t> </a:t>
+              </a:r>
+              <a:r>
+                <a:rPr lang="fr-FR" dirty="0" err="1" smtClean="0"/>
+                <a:t>rpc-reply</a:t>
+              </a:r>
+              <a:r>
+                <a:rPr lang="fr-FR" dirty="0" smtClean="0"/>
+                <a:t> </a:t>
+              </a:r>
+              <a:r>
+                <a:rPr lang="fr-FR" dirty="0" err="1" smtClean="0"/>
+                <a:t>error</a:t>
+              </a:r>
+              <a:r>
+                <a:rPr lang="fr-FR" dirty="0" smtClean="0"/>
+                <a:t> message</a:t>
+              </a:r>
+              <a:endParaRPr lang="fr-FR" dirty="0"/>
+            </a:p>
+          </p:txBody>
+        </p:sp>
+        <p:grpSp>
+          <p:nvGrpSpPr>
+            <p:cNvPr id="114" name="Grouper 113"/>
+            <p:cNvGrpSpPr/>
+            <p:nvPr/>
+          </p:nvGrpSpPr>
+          <p:grpSpPr>
+            <a:xfrm>
+              <a:off x="7940602" y="2121236"/>
+              <a:ext cx="700716" cy="717089"/>
+              <a:chOff x="1229014" y="1934128"/>
+              <a:chExt cx="1997048" cy="2043711"/>
+            </a:xfrm>
+          </p:grpSpPr>
+          <p:cxnSp>
+            <p:nvCxnSpPr>
+              <p:cNvPr id="117" name="Connecteur en arc 116"/>
+              <p:cNvCxnSpPr/>
+              <p:nvPr/>
+            </p:nvCxnSpPr>
+            <p:spPr>
+              <a:xfrm rot="10800000">
+                <a:off x="2569326" y="3324041"/>
+                <a:ext cx="522556" cy="554254"/>
+              </a:xfrm>
+              <a:prstGeom prst="curvedConnector3">
+                <a:avLst>
+                  <a:gd name="adj1" fmla="val 154869"/>
+                </a:avLst>
+              </a:prstGeom>
+              <a:ln w="9525" cap="flat" cmpd="sng" algn="ctr">
+                <a:solidFill>
+                  <a:srgbClr val="000000"/>
+                </a:solidFill>
+                <a:prstDash val="solid"/>
+                <a:round/>
+                <a:headEnd type="none" w="med" len="med"/>
+                <a:tailEnd type="arrow" w="med" len="med"/>
+              </a:ln>
+            </p:spPr>
+            <p:style>
+              <a:lnRef idx="2">
+                <a:schemeClr val="accent1"/>
+              </a:lnRef>
+              <a:fillRef idx="0">
+                <a:schemeClr val="accent1"/>
+              </a:fillRef>
+              <a:effectRef idx="1">
+                <a:schemeClr val="accent1"/>
+              </a:effectRef>
+              <a:fontRef idx="minor">
+                <a:schemeClr val="tx1"/>
+              </a:fontRef>
+            </p:style>
+          </p:cxnSp>
+          <p:grpSp>
+            <p:nvGrpSpPr>
+              <p:cNvPr id="119" name="Grouper 6"/>
+              <p:cNvGrpSpPr/>
+              <p:nvPr/>
+            </p:nvGrpSpPr>
+            <p:grpSpPr>
+              <a:xfrm rot="2904786">
+                <a:off x="2034030" y="1928800"/>
+                <a:ext cx="129591" cy="140248"/>
+                <a:chOff x="1897063" y="2516188"/>
+                <a:chExt cx="129591" cy="140248"/>
+              </a:xfrm>
+            </p:grpSpPr>
+            <p:sp>
+              <p:nvSpPr>
+                <p:cNvPr id="153" name="Ellipse 3"/>
+                <p:cNvSpPr/>
+                <p:nvPr/>
+              </p:nvSpPr>
+              <p:spPr>
+                <a:xfrm>
+                  <a:off x="1897063" y="2516188"/>
+                  <a:ext cx="129591" cy="140248"/>
+                </a:xfrm>
+                <a:prstGeom prst="ellipse">
+                  <a:avLst/>
+                </a:prstGeom>
+                <a:solidFill>
+                  <a:schemeClr val="tx1"/>
+                </a:solidFill>
+                <a:ln w="9525" cap="flat" cmpd="sng" algn="ctr">
+                  <a:solidFill>
+                    <a:schemeClr val="tx1"/>
+                  </a:solidFill>
+                  <a:prstDash val="solid"/>
+                  <a:round/>
+                  <a:headEnd type="none" w="med" len="med"/>
+                  <a:tailEnd w="med" len="med"/>
+                </a:ln>
+              </p:spPr>
+              <p:style>
+                <a:lnRef idx="1">
+                  <a:schemeClr val="accent1"/>
+                </a:lnRef>
+                <a:fillRef idx="3">
+                  <a:schemeClr val="accent1"/>
+                </a:fillRef>
+                <a:effectRef idx="2">
+                  <a:schemeClr val="accent1"/>
+                </a:effectRef>
+                <a:fontRef idx="minor">
+                  <a:schemeClr val="lt1"/>
+                </a:fontRef>
+              </p:style>
+              <p:txBody>
+                <a:bodyPr rtlCol="0" anchor="ctr"/>
+                <a:lstStyle/>
+                <a:p>
+                  <a:pPr algn="ctr"/>
+                  <a:endParaRPr lang="fr-FR"/>
+                </a:p>
+              </p:txBody>
+            </p:sp>
+            <p:sp>
+              <p:nvSpPr>
+                <p:cNvPr id="154" name="Ellipse 5"/>
+                <p:cNvSpPr/>
+                <p:nvPr/>
+              </p:nvSpPr>
+              <p:spPr>
+                <a:xfrm>
+                  <a:off x="1897063" y="2557196"/>
+                  <a:ext cx="45719" cy="49479"/>
+                </a:xfrm>
+                <a:prstGeom prst="ellipse">
+                  <a:avLst/>
+                </a:prstGeom>
+                <a:solidFill>
+                  <a:schemeClr val="bg1"/>
+                </a:solidFill>
+                <a:ln w="9525" cap="flat" cmpd="sng" algn="ctr">
+                  <a:solidFill>
+                    <a:schemeClr val="tx1"/>
+                  </a:solidFill>
+                  <a:prstDash val="solid"/>
+                  <a:round/>
+                  <a:headEnd type="none" w="med" len="med"/>
+                  <a:tailEnd w="med" len="med"/>
+                </a:ln>
+              </p:spPr>
+              <p:style>
+                <a:lnRef idx="1">
+                  <a:schemeClr val="accent1"/>
+                </a:lnRef>
+                <a:fillRef idx="3">
+                  <a:schemeClr val="accent1"/>
+                </a:fillRef>
+                <a:effectRef idx="2">
+                  <a:schemeClr val="accent1"/>
+                </a:effectRef>
+                <a:fontRef idx="minor">
+                  <a:schemeClr val="lt1"/>
+                </a:fontRef>
+              </p:style>
+              <p:txBody>
+                <a:bodyPr rtlCol="0" anchor="ctr"/>
+                <a:lstStyle/>
+                <a:p>
+                  <a:pPr algn="ctr"/>
+                  <a:endParaRPr lang="fr-FR"/>
+                </a:p>
+              </p:txBody>
+            </p:sp>
+          </p:grpSp>
+          <p:cxnSp>
+            <p:nvCxnSpPr>
+              <p:cNvPr id="120" name="Connecteur droit 119"/>
+              <p:cNvCxnSpPr/>
+              <p:nvPr/>
+            </p:nvCxnSpPr>
+            <p:spPr>
+              <a:xfrm rot="16200000" flipH="1">
+                <a:off x="1957948" y="2275691"/>
+                <a:ext cx="281754" cy="2"/>
+              </a:xfrm>
+              <a:prstGeom prst="line">
+                <a:avLst/>
+              </a:prstGeom>
+              <a:ln w="9525" cap="flat" cmpd="sng" algn="ctr">
+                <a:solidFill>
+                  <a:schemeClr val="tx1"/>
+                </a:solidFill>
+                <a:prstDash val="solid"/>
+                <a:round/>
+                <a:headEnd type="none" w="med" len="med"/>
+                <a:tailEnd w="med" len="med"/>
+              </a:ln>
+            </p:spPr>
+            <p:style>
+              <a:lnRef idx="2">
+                <a:schemeClr val="accent1"/>
+              </a:lnRef>
+              <a:fillRef idx="0">
+                <a:schemeClr val="accent1"/>
+              </a:fillRef>
+              <a:effectRef idx="1">
+                <a:schemeClr val="accent1"/>
+              </a:effectRef>
+              <a:fontRef idx="minor">
+                <a:schemeClr val="tx1"/>
+              </a:fontRef>
+            </p:style>
+          </p:cxnSp>
+          <p:grpSp>
+            <p:nvGrpSpPr>
+              <p:cNvPr id="121" name="Grouper 7"/>
+              <p:cNvGrpSpPr/>
+              <p:nvPr/>
+            </p:nvGrpSpPr>
+            <p:grpSpPr>
+              <a:xfrm rot="2904786">
+                <a:off x="2024915" y="2484148"/>
+                <a:ext cx="129591" cy="140248"/>
+                <a:chOff x="1897063" y="2516188"/>
+                <a:chExt cx="129591" cy="140248"/>
+              </a:xfrm>
+            </p:grpSpPr>
+            <p:sp>
+              <p:nvSpPr>
+                <p:cNvPr id="151" name="Ellipse 8"/>
+                <p:cNvSpPr/>
+                <p:nvPr/>
+              </p:nvSpPr>
+              <p:spPr>
+                <a:xfrm>
+                  <a:off x="1897063" y="2516188"/>
+                  <a:ext cx="129591" cy="140248"/>
+                </a:xfrm>
+                <a:prstGeom prst="ellipse">
+                  <a:avLst/>
+                </a:prstGeom>
+                <a:solidFill>
+                  <a:schemeClr val="tx1"/>
+                </a:solidFill>
+                <a:ln w="9525" cap="flat" cmpd="sng" algn="ctr">
+                  <a:solidFill>
+                    <a:schemeClr val="tx1"/>
+                  </a:solidFill>
+                  <a:prstDash val="solid"/>
+                  <a:round/>
+                  <a:headEnd type="none" w="med" len="med"/>
+                  <a:tailEnd w="med" len="med"/>
+                </a:ln>
+              </p:spPr>
+              <p:style>
+                <a:lnRef idx="1">
+                  <a:schemeClr val="accent1"/>
+                </a:lnRef>
+                <a:fillRef idx="3">
+                  <a:schemeClr val="accent1"/>
+                </a:fillRef>
+                <a:effectRef idx="2">
+                  <a:schemeClr val="accent1"/>
+                </a:effectRef>
+                <a:fontRef idx="minor">
+                  <a:schemeClr val="lt1"/>
+                </a:fontRef>
+              </p:style>
+              <p:txBody>
+                <a:bodyPr rtlCol="0" anchor="ctr"/>
+                <a:lstStyle/>
+                <a:p>
+                  <a:pPr algn="ctr"/>
+                  <a:endParaRPr lang="fr-FR"/>
+                </a:p>
+              </p:txBody>
+            </p:sp>
+            <p:sp>
+              <p:nvSpPr>
+                <p:cNvPr id="152" name="Ellipse 9"/>
+                <p:cNvSpPr/>
+                <p:nvPr/>
+              </p:nvSpPr>
+              <p:spPr>
+                <a:xfrm>
+                  <a:off x="1897063" y="2557196"/>
+                  <a:ext cx="45719" cy="49479"/>
+                </a:xfrm>
+                <a:prstGeom prst="ellipse">
+                  <a:avLst/>
+                </a:prstGeom>
+                <a:solidFill>
+                  <a:schemeClr val="bg1"/>
+                </a:solidFill>
+                <a:ln w="9525" cap="flat" cmpd="sng" algn="ctr">
+                  <a:solidFill>
+                    <a:schemeClr val="tx1"/>
+                  </a:solidFill>
+                  <a:prstDash val="solid"/>
+                  <a:round/>
+                  <a:headEnd type="none" w="med" len="med"/>
+                  <a:tailEnd w="med" len="med"/>
+                </a:ln>
+              </p:spPr>
+              <p:style>
+                <a:lnRef idx="1">
+                  <a:schemeClr val="accent1"/>
+                </a:lnRef>
+                <a:fillRef idx="3">
+                  <a:schemeClr val="accent1"/>
+                </a:fillRef>
+                <a:effectRef idx="2">
+                  <a:schemeClr val="accent1"/>
+                </a:effectRef>
+                <a:fontRef idx="minor">
+                  <a:schemeClr val="lt1"/>
+                </a:fontRef>
+              </p:style>
+              <p:txBody>
+                <a:bodyPr rtlCol="0" anchor="ctr"/>
+                <a:lstStyle/>
+                <a:p>
+                  <a:pPr algn="ctr"/>
+                  <a:endParaRPr lang="fr-FR"/>
+                </a:p>
+              </p:txBody>
+            </p:sp>
+          </p:grpSp>
+          <p:grpSp>
+            <p:nvGrpSpPr>
+              <p:cNvPr id="122" name="Grouper 16"/>
+              <p:cNvGrpSpPr/>
+              <p:nvPr/>
+            </p:nvGrpSpPr>
+            <p:grpSpPr>
+              <a:xfrm rot="2904786">
+                <a:off x="2824605" y="2484148"/>
+                <a:ext cx="129591" cy="140248"/>
+                <a:chOff x="1897063" y="2516188"/>
+                <a:chExt cx="129591" cy="140248"/>
+              </a:xfrm>
+            </p:grpSpPr>
+            <p:sp>
+              <p:nvSpPr>
+                <p:cNvPr id="149" name="Ellipse 148"/>
+                <p:cNvSpPr/>
+                <p:nvPr/>
+              </p:nvSpPr>
+              <p:spPr>
+                <a:xfrm>
+                  <a:off x="1897063" y="2516188"/>
+                  <a:ext cx="129591" cy="140248"/>
+                </a:xfrm>
+                <a:prstGeom prst="ellipse">
+                  <a:avLst/>
+                </a:prstGeom>
+                <a:solidFill>
+                  <a:schemeClr val="tx1"/>
+                </a:solidFill>
+                <a:ln w="9525" cap="flat" cmpd="sng" algn="ctr">
+                  <a:solidFill>
+                    <a:schemeClr val="tx1"/>
+                  </a:solidFill>
+                  <a:prstDash val="solid"/>
+                  <a:round/>
+                  <a:headEnd type="none" w="med" len="med"/>
+                  <a:tailEnd w="med" len="med"/>
+                </a:ln>
+              </p:spPr>
+              <p:style>
+                <a:lnRef idx="1">
+                  <a:schemeClr val="accent1"/>
+                </a:lnRef>
+                <a:fillRef idx="3">
+                  <a:schemeClr val="accent1"/>
+                </a:fillRef>
+                <a:effectRef idx="2">
+                  <a:schemeClr val="accent1"/>
+                </a:effectRef>
+                <a:fontRef idx="minor">
+                  <a:schemeClr val="lt1"/>
+                </a:fontRef>
+              </p:style>
+              <p:txBody>
+                <a:bodyPr rtlCol="0" anchor="ctr"/>
+                <a:lstStyle/>
+                <a:p>
+                  <a:pPr algn="ctr"/>
+                  <a:endParaRPr lang="fr-FR"/>
+                </a:p>
+              </p:txBody>
+            </p:sp>
+            <p:sp>
+              <p:nvSpPr>
+                <p:cNvPr id="150" name="Ellipse 149"/>
+                <p:cNvSpPr/>
+                <p:nvPr/>
+              </p:nvSpPr>
+              <p:spPr>
+                <a:xfrm>
+                  <a:off x="1897063" y="2557196"/>
+                  <a:ext cx="45719" cy="49479"/>
+                </a:xfrm>
+                <a:prstGeom prst="ellipse">
+                  <a:avLst/>
+                </a:prstGeom>
+                <a:solidFill>
+                  <a:schemeClr val="bg1"/>
+                </a:solidFill>
+                <a:ln w="9525" cap="flat" cmpd="sng" algn="ctr">
+                  <a:solidFill>
+                    <a:schemeClr val="tx1"/>
+                  </a:solidFill>
+                  <a:prstDash val="solid"/>
+                  <a:round/>
+                  <a:headEnd type="none" w="med" len="med"/>
+                  <a:tailEnd w="med" len="med"/>
+                </a:ln>
+              </p:spPr>
+              <p:style>
+                <a:lnRef idx="1">
+                  <a:schemeClr val="accent1"/>
+                </a:lnRef>
+                <a:fillRef idx="3">
+                  <a:schemeClr val="accent1"/>
+                </a:fillRef>
+                <a:effectRef idx="2">
+                  <a:schemeClr val="accent1"/>
+                </a:effectRef>
+                <a:fontRef idx="minor">
+                  <a:schemeClr val="lt1"/>
+                </a:fontRef>
+              </p:style>
+              <p:txBody>
+                <a:bodyPr rtlCol="0" anchor="ctr"/>
+                <a:lstStyle/>
+                <a:p>
+                  <a:pPr algn="ctr"/>
+                  <a:endParaRPr lang="fr-FR"/>
+                </a:p>
+              </p:txBody>
+            </p:sp>
+          </p:grpSp>
+          <p:cxnSp>
+            <p:nvCxnSpPr>
+              <p:cNvPr id="123" name="Connecteur droit 122"/>
+              <p:cNvCxnSpPr/>
+              <p:nvPr/>
+            </p:nvCxnSpPr>
+            <p:spPr>
+              <a:xfrm rot="10800000" flipV="1">
+                <a:off x="1394594" y="2134506"/>
+                <a:ext cx="636881" cy="351977"/>
+              </a:xfrm>
+              <a:prstGeom prst="line">
+                <a:avLst/>
+              </a:prstGeom>
+              <a:ln w="9525" cap="flat" cmpd="sng" algn="ctr">
+                <a:solidFill>
+                  <a:schemeClr val="tx1"/>
+                </a:solidFill>
+                <a:prstDash val="solid"/>
+                <a:round/>
+                <a:headEnd type="none" w="med" len="med"/>
+                <a:tailEnd w="med" len="med"/>
+              </a:ln>
+            </p:spPr>
+            <p:style>
+              <a:lnRef idx="2">
+                <a:schemeClr val="accent1"/>
+              </a:lnRef>
+              <a:fillRef idx="0">
+                <a:schemeClr val="accent1"/>
+              </a:fillRef>
+              <a:effectRef idx="1">
+                <a:schemeClr val="accent1"/>
+              </a:effectRef>
+              <a:fontRef idx="minor">
+                <a:schemeClr val="tx1"/>
+              </a:fontRef>
+            </p:style>
+          </p:cxnSp>
+          <p:grpSp>
+            <p:nvGrpSpPr>
+              <p:cNvPr id="124" name="Grouper 43"/>
+              <p:cNvGrpSpPr/>
+              <p:nvPr/>
+            </p:nvGrpSpPr>
+            <p:grpSpPr>
+              <a:xfrm rot="2904786">
+                <a:off x="3091142" y="3186737"/>
+                <a:ext cx="129591" cy="140248"/>
+                <a:chOff x="1897063" y="2516188"/>
+                <a:chExt cx="129591" cy="140248"/>
+              </a:xfrm>
+            </p:grpSpPr>
+            <p:sp>
+              <p:nvSpPr>
+                <p:cNvPr id="147" name="Ellipse 146"/>
+                <p:cNvSpPr/>
+                <p:nvPr/>
+              </p:nvSpPr>
+              <p:spPr>
+                <a:xfrm>
+                  <a:off x="1897063" y="2516188"/>
+                  <a:ext cx="129591" cy="140248"/>
+                </a:xfrm>
+                <a:prstGeom prst="ellipse">
+                  <a:avLst/>
+                </a:prstGeom>
+                <a:solidFill>
+                  <a:schemeClr val="tx1"/>
+                </a:solidFill>
+                <a:ln w="9525" cap="flat" cmpd="sng" algn="ctr">
+                  <a:solidFill>
+                    <a:schemeClr val="tx1"/>
+                  </a:solidFill>
+                  <a:prstDash val="solid"/>
+                  <a:round/>
+                  <a:headEnd type="none" w="med" len="med"/>
+                  <a:tailEnd w="med" len="med"/>
+                </a:ln>
+              </p:spPr>
+              <p:style>
+                <a:lnRef idx="1">
+                  <a:schemeClr val="accent1"/>
+                </a:lnRef>
+                <a:fillRef idx="3">
+                  <a:schemeClr val="accent1"/>
+                </a:fillRef>
+                <a:effectRef idx="2">
+                  <a:schemeClr val="accent1"/>
+                </a:effectRef>
+                <a:fontRef idx="minor">
+                  <a:schemeClr val="lt1"/>
+                </a:fontRef>
+              </p:style>
+              <p:txBody>
+                <a:bodyPr rtlCol="0" anchor="ctr"/>
+                <a:lstStyle/>
+                <a:p>
+                  <a:pPr algn="ctr"/>
+                  <a:endParaRPr lang="fr-FR"/>
+                </a:p>
+              </p:txBody>
+            </p:sp>
+            <p:sp>
+              <p:nvSpPr>
+                <p:cNvPr id="148" name="Ellipse 147"/>
+                <p:cNvSpPr/>
+                <p:nvPr/>
+              </p:nvSpPr>
+              <p:spPr>
+                <a:xfrm>
+                  <a:off x="1897063" y="2557196"/>
+                  <a:ext cx="45719" cy="49479"/>
+                </a:xfrm>
+                <a:prstGeom prst="ellipse">
+                  <a:avLst/>
+                </a:prstGeom>
+                <a:solidFill>
+                  <a:schemeClr val="bg1"/>
+                </a:solidFill>
+                <a:ln w="9525" cap="flat" cmpd="sng" algn="ctr">
+                  <a:solidFill>
+                    <a:schemeClr val="tx1"/>
+                  </a:solidFill>
+                  <a:prstDash val="solid"/>
+                  <a:round/>
+                  <a:headEnd type="none" w="med" len="med"/>
+                  <a:tailEnd w="med" len="med"/>
+                </a:ln>
+              </p:spPr>
+              <p:style>
+                <a:lnRef idx="1">
+                  <a:schemeClr val="accent1"/>
+                </a:lnRef>
+                <a:fillRef idx="3">
+                  <a:schemeClr val="accent1"/>
+                </a:fillRef>
+                <a:effectRef idx="2">
+                  <a:schemeClr val="accent1"/>
+                </a:effectRef>
+                <a:fontRef idx="minor">
+                  <a:schemeClr val="lt1"/>
+                </a:fontRef>
+              </p:style>
+              <p:txBody>
+                <a:bodyPr rtlCol="0" anchor="ctr"/>
+                <a:lstStyle/>
+                <a:p>
+                  <a:pPr algn="ctr"/>
+                  <a:endParaRPr lang="fr-FR"/>
+                </a:p>
+              </p:txBody>
+            </p:sp>
+          </p:grpSp>
+          <p:grpSp>
+            <p:nvGrpSpPr>
+              <p:cNvPr id="125" name="Grouper 46"/>
+              <p:cNvGrpSpPr/>
+              <p:nvPr/>
+            </p:nvGrpSpPr>
+            <p:grpSpPr>
+              <a:xfrm rot="2904786">
+                <a:off x="2511206" y="3186736"/>
+                <a:ext cx="129591" cy="140248"/>
+                <a:chOff x="1897063" y="2516188"/>
+                <a:chExt cx="129591" cy="140248"/>
+              </a:xfrm>
+            </p:grpSpPr>
+            <p:sp>
+              <p:nvSpPr>
+                <p:cNvPr id="145" name="Ellipse 144"/>
+                <p:cNvSpPr/>
+                <p:nvPr/>
+              </p:nvSpPr>
+              <p:spPr>
+                <a:xfrm>
+                  <a:off x="1897063" y="2516188"/>
+                  <a:ext cx="129591" cy="140248"/>
+                </a:xfrm>
+                <a:prstGeom prst="ellipse">
+                  <a:avLst/>
+                </a:prstGeom>
+                <a:solidFill>
+                  <a:schemeClr val="tx1"/>
+                </a:solidFill>
+                <a:ln w="9525" cap="flat" cmpd="sng" algn="ctr">
+                  <a:solidFill>
+                    <a:schemeClr val="tx1"/>
+                  </a:solidFill>
+                  <a:prstDash val="solid"/>
+                  <a:round/>
+                  <a:headEnd type="none" w="med" len="med"/>
+                  <a:tailEnd w="med" len="med"/>
+                </a:ln>
+              </p:spPr>
+              <p:style>
+                <a:lnRef idx="1">
+                  <a:schemeClr val="accent1"/>
+                </a:lnRef>
+                <a:fillRef idx="3">
+                  <a:schemeClr val="accent1"/>
+                </a:fillRef>
+                <a:effectRef idx="2">
+                  <a:schemeClr val="accent1"/>
+                </a:effectRef>
+                <a:fontRef idx="minor">
+                  <a:schemeClr val="lt1"/>
+                </a:fontRef>
+              </p:style>
+              <p:txBody>
+                <a:bodyPr rtlCol="0" anchor="ctr"/>
+                <a:lstStyle/>
+                <a:p>
+                  <a:pPr algn="ctr"/>
+                  <a:endParaRPr lang="fr-FR"/>
+                </a:p>
+              </p:txBody>
+            </p:sp>
+            <p:sp>
+              <p:nvSpPr>
+                <p:cNvPr id="146" name="Ellipse 145"/>
+                <p:cNvSpPr/>
+                <p:nvPr/>
+              </p:nvSpPr>
+              <p:spPr>
+                <a:xfrm>
+                  <a:off x="1897063" y="2557196"/>
+                  <a:ext cx="45719" cy="49479"/>
+                </a:xfrm>
+                <a:prstGeom prst="ellipse">
+                  <a:avLst/>
+                </a:prstGeom>
+                <a:solidFill>
+                  <a:schemeClr val="bg1"/>
+                </a:solidFill>
+                <a:ln w="9525" cap="flat" cmpd="sng" algn="ctr">
+                  <a:solidFill>
+                    <a:schemeClr val="tx1"/>
+                  </a:solidFill>
+                  <a:prstDash val="solid"/>
+                  <a:round/>
+                  <a:headEnd type="none" w="med" len="med"/>
+                  <a:tailEnd w="med" len="med"/>
+                </a:ln>
+              </p:spPr>
+              <p:style>
+                <a:lnRef idx="1">
+                  <a:schemeClr val="accent1"/>
+                </a:lnRef>
+                <a:fillRef idx="3">
+                  <a:schemeClr val="accent1"/>
+                </a:fillRef>
+                <a:effectRef idx="2">
+                  <a:schemeClr val="accent1"/>
+                </a:effectRef>
+                <a:fontRef idx="minor">
+                  <a:schemeClr val="lt1"/>
+                </a:fontRef>
+              </p:style>
+              <p:txBody>
+                <a:bodyPr rtlCol="0" anchor="ctr"/>
+                <a:lstStyle/>
+                <a:p>
+                  <a:pPr algn="ctr"/>
+                  <a:endParaRPr lang="fr-FR"/>
+                </a:p>
+              </p:txBody>
+            </p:sp>
+          </p:grpSp>
+          <p:grpSp>
+            <p:nvGrpSpPr>
+              <p:cNvPr id="126" name="Grouper 49"/>
+              <p:cNvGrpSpPr/>
+              <p:nvPr/>
+            </p:nvGrpSpPr>
+            <p:grpSpPr>
+              <a:xfrm rot="2904786">
+                <a:off x="2024916" y="3188993"/>
+                <a:ext cx="129591" cy="140248"/>
+                <a:chOff x="1897063" y="2516188"/>
+                <a:chExt cx="129591" cy="140248"/>
+              </a:xfrm>
+            </p:grpSpPr>
+            <p:sp>
+              <p:nvSpPr>
+                <p:cNvPr id="143" name="Ellipse 142"/>
+                <p:cNvSpPr/>
+                <p:nvPr/>
+              </p:nvSpPr>
+              <p:spPr>
+                <a:xfrm>
+                  <a:off x="1897063" y="2516188"/>
+                  <a:ext cx="129591" cy="140248"/>
+                </a:xfrm>
+                <a:prstGeom prst="ellipse">
+                  <a:avLst/>
+                </a:prstGeom>
+                <a:solidFill>
+                  <a:schemeClr val="tx1"/>
+                </a:solidFill>
+                <a:ln w="9525" cap="flat" cmpd="sng" algn="ctr">
+                  <a:solidFill>
+                    <a:schemeClr val="tx1"/>
+                  </a:solidFill>
+                  <a:prstDash val="solid"/>
+                  <a:round/>
+                  <a:headEnd type="none" w="med" len="med"/>
+                  <a:tailEnd w="med" len="med"/>
+                </a:ln>
+              </p:spPr>
+              <p:style>
+                <a:lnRef idx="1">
+                  <a:schemeClr val="accent1"/>
+                </a:lnRef>
+                <a:fillRef idx="3">
+                  <a:schemeClr val="accent1"/>
+                </a:fillRef>
+                <a:effectRef idx="2">
+                  <a:schemeClr val="accent1"/>
+                </a:effectRef>
+                <a:fontRef idx="minor">
+                  <a:schemeClr val="lt1"/>
+                </a:fontRef>
+              </p:style>
+              <p:txBody>
+                <a:bodyPr rtlCol="0" anchor="ctr"/>
+                <a:lstStyle/>
+                <a:p>
+                  <a:pPr algn="ctr"/>
+                  <a:endParaRPr lang="fr-FR"/>
+                </a:p>
+              </p:txBody>
+            </p:sp>
+            <p:sp>
+              <p:nvSpPr>
+                <p:cNvPr id="144" name="Ellipse 143"/>
+                <p:cNvSpPr/>
+                <p:nvPr/>
+              </p:nvSpPr>
+              <p:spPr>
+                <a:xfrm>
+                  <a:off x="1897063" y="2557196"/>
+                  <a:ext cx="45719" cy="49479"/>
+                </a:xfrm>
+                <a:prstGeom prst="ellipse">
+                  <a:avLst/>
+                </a:prstGeom>
+                <a:solidFill>
+                  <a:schemeClr val="bg1"/>
+                </a:solidFill>
+                <a:ln w="9525" cap="flat" cmpd="sng" algn="ctr">
+                  <a:solidFill>
+                    <a:schemeClr val="tx1"/>
+                  </a:solidFill>
+                  <a:prstDash val="solid"/>
+                  <a:round/>
+                  <a:headEnd type="none" w="med" len="med"/>
+                  <a:tailEnd w="med" len="med"/>
+                </a:ln>
+              </p:spPr>
+              <p:style>
+                <a:lnRef idx="1">
+                  <a:schemeClr val="accent1"/>
+                </a:lnRef>
+                <a:fillRef idx="3">
+                  <a:schemeClr val="accent1"/>
+                </a:fillRef>
+                <a:effectRef idx="2">
+                  <a:schemeClr val="accent1"/>
+                </a:effectRef>
+                <a:fontRef idx="minor">
+                  <a:schemeClr val="lt1"/>
+                </a:fontRef>
+              </p:style>
+              <p:txBody>
+                <a:bodyPr rtlCol="0" anchor="ctr"/>
+                <a:lstStyle/>
+                <a:p>
+                  <a:pPr algn="ctr"/>
+                  <a:endParaRPr lang="fr-FR"/>
+                </a:p>
+              </p:txBody>
+            </p:sp>
+          </p:grpSp>
+          <p:grpSp>
+            <p:nvGrpSpPr>
+              <p:cNvPr id="127" name="Grouper 55"/>
+              <p:cNvGrpSpPr/>
+              <p:nvPr/>
+            </p:nvGrpSpPr>
+            <p:grpSpPr>
+              <a:xfrm rot="2904786">
+                <a:off x="1710852" y="3187490"/>
+                <a:ext cx="129591" cy="140248"/>
+                <a:chOff x="1897063" y="2516188"/>
+                <a:chExt cx="129591" cy="140248"/>
+              </a:xfrm>
+            </p:grpSpPr>
+            <p:sp>
+              <p:nvSpPr>
+                <p:cNvPr id="141" name="Ellipse 140"/>
+                <p:cNvSpPr/>
+                <p:nvPr/>
+              </p:nvSpPr>
+              <p:spPr>
+                <a:xfrm>
+                  <a:off x="1897063" y="2516188"/>
+                  <a:ext cx="129591" cy="140248"/>
+                </a:xfrm>
+                <a:prstGeom prst="ellipse">
+                  <a:avLst/>
+                </a:prstGeom>
+                <a:solidFill>
+                  <a:schemeClr val="tx1"/>
+                </a:solidFill>
+                <a:ln w="9525" cap="flat" cmpd="sng" algn="ctr">
+                  <a:solidFill>
+                    <a:schemeClr val="tx1"/>
+                  </a:solidFill>
+                  <a:prstDash val="solid"/>
+                  <a:round/>
+                  <a:headEnd type="none" w="med" len="med"/>
+                  <a:tailEnd w="med" len="med"/>
+                </a:ln>
+              </p:spPr>
+              <p:style>
+                <a:lnRef idx="1">
+                  <a:schemeClr val="accent1"/>
+                </a:lnRef>
+                <a:fillRef idx="3">
+                  <a:schemeClr val="accent1"/>
+                </a:fillRef>
+                <a:effectRef idx="2">
+                  <a:schemeClr val="accent1"/>
+                </a:effectRef>
+                <a:fontRef idx="minor">
+                  <a:schemeClr val="lt1"/>
+                </a:fontRef>
+              </p:style>
+              <p:txBody>
+                <a:bodyPr rtlCol="0" anchor="ctr"/>
+                <a:lstStyle/>
+                <a:p>
+                  <a:pPr algn="ctr"/>
+                  <a:endParaRPr lang="fr-FR"/>
+                </a:p>
+              </p:txBody>
+            </p:sp>
+            <p:sp>
+              <p:nvSpPr>
+                <p:cNvPr id="142" name="Ellipse 141"/>
+                <p:cNvSpPr/>
+                <p:nvPr/>
+              </p:nvSpPr>
+              <p:spPr>
+                <a:xfrm>
+                  <a:off x="1897063" y="2557196"/>
+                  <a:ext cx="45719" cy="49479"/>
+                </a:xfrm>
+                <a:prstGeom prst="ellipse">
+                  <a:avLst/>
+                </a:prstGeom>
+                <a:solidFill>
+                  <a:schemeClr val="bg1"/>
+                </a:solidFill>
+                <a:ln w="9525" cap="flat" cmpd="sng" algn="ctr">
+                  <a:solidFill>
+                    <a:schemeClr val="tx1"/>
+                  </a:solidFill>
+                  <a:prstDash val="solid"/>
+                  <a:round/>
+                  <a:headEnd type="none" w="med" len="med"/>
+                  <a:tailEnd w="med" len="med"/>
+                </a:ln>
+              </p:spPr>
+              <p:style>
+                <a:lnRef idx="1">
+                  <a:schemeClr val="accent1"/>
+                </a:lnRef>
+                <a:fillRef idx="3">
+                  <a:schemeClr val="accent1"/>
+                </a:fillRef>
+                <a:effectRef idx="2">
+                  <a:schemeClr val="accent1"/>
+                </a:effectRef>
+                <a:fontRef idx="minor">
+                  <a:schemeClr val="lt1"/>
+                </a:fontRef>
+              </p:style>
+              <p:txBody>
+                <a:bodyPr rtlCol="0" anchor="ctr"/>
+                <a:lstStyle/>
+                <a:p>
+                  <a:pPr algn="ctr"/>
+                  <a:endParaRPr lang="fr-FR"/>
+                </a:p>
+              </p:txBody>
+            </p:sp>
+          </p:grpSp>
+          <p:grpSp>
+            <p:nvGrpSpPr>
+              <p:cNvPr id="128" name="Grouper 64"/>
+              <p:cNvGrpSpPr/>
+              <p:nvPr/>
+            </p:nvGrpSpPr>
+            <p:grpSpPr>
+              <a:xfrm rot="2904786">
+                <a:off x="3075462" y="3842920"/>
+                <a:ext cx="129591" cy="140248"/>
+                <a:chOff x="1897063" y="2516188"/>
+                <a:chExt cx="129591" cy="140248"/>
+              </a:xfrm>
+            </p:grpSpPr>
+            <p:sp>
+              <p:nvSpPr>
+                <p:cNvPr id="139" name="Ellipse 138"/>
+                <p:cNvSpPr/>
+                <p:nvPr/>
+              </p:nvSpPr>
+              <p:spPr>
+                <a:xfrm>
+                  <a:off x="1897063" y="2516188"/>
+                  <a:ext cx="129591" cy="140248"/>
+                </a:xfrm>
+                <a:prstGeom prst="ellipse">
+                  <a:avLst/>
+                </a:prstGeom>
+                <a:solidFill>
+                  <a:schemeClr val="tx1"/>
+                </a:solidFill>
+                <a:ln w="9525" cap="flat" cmpd="sng" algn="ctr">
+                  <a:solidFill>
+                    <a:schemeClr val="tx1"/>
+                  </a:solidFill>
+                  <a:prstDash val="solid"/>
+                  <a:round/>
+                  <a:headEnd type="none" w="med" len="med"/>
+                  <a:tailEnd w="med" len="med"/>
+                </a:ln>
+              </p:spPr>
+              <p:style>
+                <a:lnRef idx="1">
+                  <a:schemeClr val="accent1"/>
+                </a:lnRef>
+                <a:fillRef idx="3">
+                  <a:schemeClr val="accent1"/>
+                </a:fillRef>
+                <a:effectRef idx="2">
+                  <a:schemeClr val="accent1"/>
+                </a:effectRef>
+                <a:fontRef idx="minor">
+                  <a:schemeClr val="lt1"/>
+                </a:fontRef>
+              </p:style>
+              <p:txBody>
+                <a:bodyPr rtlCol="0" anchor="ctr"/>
+                <a:lstStyle/>
+                <a:p>
+                  <a:pPr algn="ctr"/>
+                  <a:endParaRPr lang="fr-FR"/>
+                </a:p>
+              </p:txBody>
+            </p:sp>
+            <p:sp>
+              <p:nvSpPr>
+                <p:cNvPr id="140" name="Ellipse 139"/>
+                <p:cNvSpPr/>
+                <p:nvPr/>
+              </p:nvSpPr>
+              <p:spPr>
+                <a:xfrm>
+                  <a:off x="1897063" y="2557196"/>
+                  <a:ext cx="45719" cy="49479"/>
+                </a:xfrm>
+                <a:prstGeom prst="ellipse">
+                  <a:avLst/>
+                </a:prstGeom>
+                <a:solidFill>
+                  <a:schemeClr val="bg1"/>
+                </a:solidFill>
+                <a:ln w="9525" cap="flat" cmpd="sng" algn="ctr">
+                  <a:solidFill>
+                    <a:schemeClr val="tx1"/>
+                  </a:solidFill>
+                  <a:prstDash val="solid"/>
+                  <a:round/>
+                  <a:headEnd type="none" w="med" len="med"/>
+                  <a:tailEnd w="med" len="med"/>
+                </a:ln>
+              </p:spPr>
+              <p:style>
+                <a:lnRef idx="1">
+                  <a:schemeClr val="accent1"/>
+                </a:lnRef>
+                <a:fillRef idx="3">
+                  <a:schemeClr val="accent1"/>
+                </a:fillRef>
+                <a:effectRef idx="2">
+                  <a:schemeClr val="accent1"/>
+                </a:effectRef>
+                <a:fontRef idx="minor">
+                  <a:schemeClr val="lt1"/>
+                </a:fontRef>
+              </p:style>
+              <p:txBody>
+                <a:bodyPr rtlCol="0" anchor="ctr"/>
+                <a:lstStyle/>
+                <a:p>
+                  <a:pPr algn="ctr"/>
+                  <a:endParaRPr lang="fr-FR"/>
+                </a:p>
+              </p:txBody>
+            </p:sp>
+          </p:grpSp>
+          <p:cxnSp>
+            <p:nvCxnSpPr>
+              <p:cNvPr id="129" name="Connecteur droit 128"/>
+              <p:cNvCxnSpPr/>
+              <p:nvPr/>
+            </p:nvCxnSpPr>
+            <p:spPr>
+              <a:xfrm rot="10800000" flipH="1" flipV="1">
+                <a:off x="2164880" y="2134814"/>
+                <a:ext cx="636881" cy="351977"/>
+              </a:xfrm>
+              <a:prstGeom prst="line">
+                <a:avLst/>
+              </a:prstGeom>
+              <a:ln w="9525" cap="flat" cmpd="sng" algn="ctr">
+                <a:solidFill>
+                  <a:schemeClr val="tx1"/>
+                </a:solidFill>
+                <a:prstDash val="solid"/>
+                <a:round/>
+                <a:headEnd type="none" w="med" len="med"/>
+                <a:tailEnd w="med" len="med"/>
+              </a:ln>
+            </p:spPr>
+            <p:style>
+              <a:lnRef idx="2">
+                <a:schemeClr val="accent1"/>
+              </a:lnRef>
+              <a:fillRef idx="0">
+                <a:schemeClr val="accent1"/>
+              </a:fillRef>
+              <a:effectRef idx="1">
+                <a:schemeClr val="accent1"/>
+              </a:effectRef>
+              <a:fontRef idx="minor">
+                <a:schemeClr val="tx1"/>
+              </a:fontRef>
+            </p:style>
+          </p:cxnSp>
+          <p:cxnSp>
+            <p:nvCxnSpPr>
+              <p:cNvPr id="130" name="Connecteur droit 129"/>
+              <p:cNvCxnSpPr/>
+              <p:nvPr/>
+            </p:nvCxnSpPr>
+            <p:spPr>
+              <a:xfrm rot="5400000">
+                <a:off x="2524649" y="2793984"/>
+                <a:ext cx="431798" cy="221569"/>
+              </a:xfrm>
+              <a:prstGeom prst="line">
+                <a:avLst/>
+              </a:prstGeom>
+              <a:ln w="9525" cap="flat" cmpd="sng" algn="ctr">
+                <a:solidFill>
+                  <a:schemeClr val="tx1"/>
+                </a:solidFill>
+                <a:prstDash val="solid"/>
+                <a:round/>
+                <a:headEnd type="none" w="med" len="med"/>
+                <a:tailEnd w="med" len="med"/>
+              </a:ln>
+            </p:spPr>
+            <p:style>
+              <a:lnRef idx="2">
+                <a:schemeClr val="accent1"/>
+              </a:lnRef>
+              <a:fillRef idx="0">
+                <a:schemeClr val="accent1"/>
+              </a:fillRef>
+              <a:effectRef idx="1">
+                <a:schemeClr val="accent1"/>
+              </a:effectRef>
+              <a:fontRef idx="minor">
+                <a:schemeClr val="tx1"/>
+              </a:fontRef>
+            </p:style>
+          </p:cxnSp>
+          <p:cxnSp>
+            <p:nvCxnSpPr>
+              <p:cNvPr id="131" name="Connecteur droit 130"/>
+              <p:cNvCxnSpPr/>
+              <p:nvPr/>
+            </p:nvCxnSpPr>
+            <p:spPr>
+              <a:xfrm rot="16200000" flipH="1">
+                <a:off x="2813573" y="2793984"/>
+                <a:ext cx="431798" cy="221569"/>
+              </a:xfrm>
+              <a:prstGeom prst="line">
+                <a:avLst/>
+              </a:prstGeom>
+              <a:ln w="9525" cap="flat" cmpd="sng" algn="ctr">
+                <a:solidFill>
+                  <a:schemeClr val="tx1"/>
+                </a:solidFill>
+                <a:prstDash val="solid"/>
+                <a:round/>
+                <a:headEnd type="none" w="med" len="med"/>
+                <a:tailEnd w="med" len="med"/>
+              </a:ln>
+            </p:spPr>
+            <p:style>
+              <a:lnRef idx="2">
+                <a:schemeClr val="accent1"/>
+              </a:lnRef>
+              <a:fillRef idx="0">
+                <a:schemeClr val="accent1"/>
+              </a:fillRef>
+              <a:effectRef idx="1">
+                <a:schemeClr val="accent1"/>
+              </a:effectRef>
+              <a:fontRef idx="minor">
+                <a:schemeClr val="tx1"/>
+              </a:fontRef>
+            </p:style>
+          </p:cxnSp>
+          <p:cxnSp>
+            <p:nvCxnSpPr>
+              <p:cNvPr id="132" name="Connecteur droit 131"/>
+              <p:cNvCxnSpPr/>
+              <p:nvPr/>
+            </p:nvCxnSpPr>
+            <p:spPr>
+              <a:xfrm rot="5400000">
+                <a:off x="1704787" y="2794739"/>
+                <a:ext cx="431798" cy="221569"/>
+              </a:xfrm>
+              <a:prstGeom prst="line">
+                <a:avLst/>
+              </a:prstGeom>
+              <a:ln w="9525" cap="flat" cmpd="sng" algn="ctr">
+                <a:solidFill>
+                  <a:schemeClr val="tx1"/>
+                </a:solidFill>
+                <a:prstDash val="solid"/>
+                <a:round/>
+                <a:headEnd type="none" w="med" len="med"/>
+                <a:tailEnd w="med" len="med"/>
+              </a:ln>
+            </p:spPr>
+            <p:style>
+              <a:lnRef idx="2">
+                <a:schemeClr val="accent1"/>
+              </a:lnRef>
+              <a:fillRef idx="0">
+                <a:schemeClr val="accent1"/>
+              </a:fillRef>
+              <a:effectRef idx="1">
+                <a:schemeClr val="accent1"/>
+              </a:effectRef>
+              <a:fontRef idx="minor">
+                <a:schemeClr val="tx1"/>
+              </a:fontRef>
+            </p:style>
+          </p:cxnSp>
+          <p:cxnSp>
+            <p:nvCxnSpPr>
+              <p:cNvPr id="133" name="Connecteur droit 132"/>
+              <p:cNvCxnSpPr/>
+              <p:nvPr/>
+            </p:nvCxnSpPr>
+            <p:spPr>
+              <a:xfrm rot="16200000" flipH="1">
+                <a:off x="1882925" y="2905520"/>
+                <a:ext cx="431801" cy="8"/>
+              </a:xfrm>
+              <a:prstGeom prst="line">
+                <a:avLst/>
+              </a:prstGeom>
+              <a:ln w="9525" cap="flat" cmpd="sng" algn="ctr">
+                <a:solidFill>
+                  <a:schemeClr val="tx1"/>
+                </a:solidFill>
+                <a:prstDash val="solid"/>
+                <a:round/>
+                <a:headEnd type="none" w="med" len="med"/>
+                <a:tailEnd w="med" len="med"/>
+              </a:ln>
+            </p:spPr>
+            <p:style>
+              <a:lnRef idx="2">
+                <a:schemeClr val="accent1"/>
+              </a:lnRef>
+              <a:fillRef idx="0">
+                <a:schemeClr val="accent1"/>
+              </a:fillRef>
+              <a:effectRef idx="1">
+                <a:schemeClr val="accent1"/>
+              </a:effectRef>
+              <a:fontRef idx="minor">
+                <a:schemeClr val="tx1"/>
+              </a:fontRef>
+            </p:style>
+          </p:cxnSp>
+          <p:cxnSp>
+            <p:nvCxnSpPr>
+              <p:cNvPr id="134" name="Connecteur droit 133"/>
+              <p:cNvCxnSpPr/>
+              <p:nvPr/>
+            </p:nvCxnSpPr>
+            <p:spPr>
+              <a:xfrm rot="16200000" flipH="1">
+                <a:off x="2924361" y="3567766"/>
+                <a:ext cx="431801" cy="8"/>
+              </a:xfrm>
+              <a:prstGeom prst="line">
+                <a:avLst/>
+              </a:prstGeom>
+              <a:ln w="9525" cap="flat" cmpd="sng" algn="ctr">
+                <a:solidFill>
+                  <a:schemeClr val="tx1"/>
+                </a:solidFill>
+                <a:prstDash val="solid"/>
+                <a:round/>
+                <a:headEnd type="none" w="med" len="med"/>
+                <a:tailEnd w="med" len="med"/>
+              </a:ln>
+            </p:spPr>
+            <p:style>
+              <a:lnRef idx="2">
+                <a:schemeClr val="accent1"/>
+              </a:lnRef>
+              <a:fillRef idx="0">
+                <a:schemeClr val="accent1"/>
+              </a:fillRef>
+              <a:effectRef idx="1">
+                <a:schemeClr val="accent1"/>
+              </a:effectRef>
+              <a:fontRef idx="minor">
+                <a:schemeClr val="tx1"/>
+              </a:fontRef>
+            </p:style>
+          </p:cxnSp>
+          <p:cxnSp>
+            <p:nvCxnSpPr>
+              <p:cNvPr id="135" name="Connecteur en arc 134"/>
+              <p:cNvCxnSpPr/>
+              <p:nvPr/>
+            </p:nvCxnSpPr>
+            <p:spPr>
+              <a:xfrm rot="10800000">
+                <a:off x="2037263" y="3305663"/>
+                <a:ext cx="1035496" cy="606024"/>
+              </a:xfrm>
+              <a:prstGeom prst="curvedConnector3">
+                <a:avLst>
+                  <a:gd name="adj1" fmla="val 123269"/>
+                </a:avLst>
+              </a:prstGeom>
+              <a:ln w="9525" cap="flat" cmpd="sng" algn="ctr">
+                <a:solidFill>
+                  <a:srgbClr val="000000"/>
+                </a:solidFill>
+                <a:prstDash val="solid"/>
+                <a:round/>
+                <a:headEnd type="none" w="med" len="med"/>
+                <a:tailEnd type="arrow" w="med" len="med"/>
+              </a:ln>
+            </p:spPr>
+            <p:style>
+              <a:lnRef idx="2">
+                <a:schemeClr val="accent1"/>
+              </a:lnRef>
+              <a:fillRef idx="0">
+                <a:schemeClr val="accent1"/>
+              </a:fillRef>
+              <a:effectRef idx="1">
+                <a:schemeClr val="accent1"/>
+              </a:effectRef>
+              <a:fontRef idx="minor">
+                <a:schemeClr val="tx1"/>
+              </a:fontRef>
+            </p:style>
+          </p:cxnSp>
+          <p:grpSp>
+            <p:nvGrpSpPr>
+              <p:cNvPr id="136" name="Grouper 6"/>
+              <p:cNvGrpSpPr/>
+              <p:nvPr/>
+            </p:nvGrpSpPr>
+            <p:grpSpPr>
+              <a:xfrm rot="2904786">
+                <a:off x="1234342" y="2524490"/>
+                <a:ext cx="129591" cy="140248"/>
+                <a:chOff x="1897063" y="2516188"/>
+                <a:chExt cx="129591" cy="140248"/>
+              </a:xfrm>
+            </p:grpSpPr>
+            <p:sp>
+              <p:nvSpPr>
+                <p:cNvPr id="137" name="Ellipse 3"/>
+                <p:cNvSpPr/>
+                <p:nvPr/>
+              </p:nvSpPr>
+              <p:spPr>
+                <a:xfrm>
+                  <a:off x="1897063" y="2516188"/>
+                  <a:ext cx="129591" cy="140248"/>
+                </a:xfrm>
+                <a:prstGeom prst="ellipse">
+                  <a:avLst/>
+                </a:prstGeom>
+                <a:solidFill>
+                  <a:schemeClr val="tx1"/>
+                </a:solidFill>
+                <a:ln w="9525" cap="flat" cmpd="sng" algn="ctr">
+                  <a:solidFill>
+                    <a:schemeClr val="tx1"/>
+                  </a:solidFill>
+                  <a:prstDash val="solid"/>
+                  <a:round/>
+                  <a:headEnd type="none" w="med" len="med"/>
+                  <a:tailEnd w="med" len="med"/>
+                </a:ln>
+              </p:spPr>
+              <p:style>
+                <a:lnRef idx="1">
+                  <a:schemeClr val="accent1"/>
+                </a:lnRef>
+                <a:fillRef idx="3">
+                  <a:schemeClr val="accent1"/>
+                </a:fillRef>
+                <a:effectRef idx="2">
+                  <a:schemeClr val="accent1"/>
+                </a:effectRef>
+                <a:fontRef idx="minor">
+                  <a:schemeClr val="lt1"/>
+                </a:fontRef>
+              </p:style>
+              <p:txBody>
+                <a:bodyPr rtlCol="0" anchor="ctr"/>
+                <a:lstStyle/>
+                <a:p>
+                  <a:pPr algn="ctr"/>
+                  <a:endParaRPr lang="fr-FR"/>
+                </a:p>
+              </p:txBody>
+            </p:sp>
+            <p:sp>
+              <p:nvSpPr>
+                <p:cNvPr id="138" name="Ellipse 5"/>
+                <p:cNvSpPr/>
+                <p:nvPr/>
+              </p:nvSpPr>
+              <p:spPr>
+                <a:xfrm>
+                  <a:off x="1897063" y="2557196"/>
+                  <a:ext cx="45719" cy="49479"/>
+                </a:xfrm>
+                <a:prstGeom prst="ellipse">
+                  <a:avLst/>
+                </a:prstGeom>
+                <a:solidFill>
+                  <a:schemeClr val="bg1"/>
+                </a:solidFill>
+                <a:ln w="9525" cap="flat" cmpd="sng" algn="ctr">
+                  <a:solidFill>
+                    <a:schemeClr val="tx1"/>
+                  </a:solidFill>
+                  <a:prstDash val="solid"/>
+                  <a:round/>
+                  <a:headEnd type="none" w="med" len="med"/>
+                  <a:tailEnd w="med" len="med"/>
+                </a:ln>
+              </p:spPr>
+              <p:style>
+                <a:lnRef idx="1">
+                  <a:schemeClr val="accent1"/>
+                </a:lnRef>
+                <a:fillRef idx="3">
+                  <a:schemeClr val="accent1"/>
+                </a:fillRef>
+                <a:effectRef idx="2">
+                  <a:schemeClr val="accent1"/>
+                </a:effectRef>
+                <a:fontRef idx="minor">
+                  <a:schemeClr val="lt1"/>
+                </a:fontRef>
+              </p:style>
+              <p:txBody>
+                <a:bodyPr rtlCol="0" anchor="ctr"/>
+                <a:lstStyle/>
+                <a:p>
+                  <a:pPr algn="ctr"/>
+                  <a:endParaRPr lang="fr-FR"/>
+                </a:p>
+              </p:txBody>
+            </p:sp>
+          </p:grpSp>
+        </p:grpSp>
+        <p:sp>
+          <p:nvSpPr>
+            <p:cNvPr id="156" name="Losange 155"/>
             <p:cNvSpPr/>
             <p:nvPr/>
           </p:nvSpPr>
           <p:spPr>
             <a:xfrm>
-              <a:off x="1897063" y="2516188"/>
-              <a:ext cx="129591" cy="140248"/>
+              <a:off x="6940896" y="3046513"/>
+              <a:ext cx="1533327" cy="795399"/>
             </a:xfrm>
-            <a:prstGeom prst="ellipse">
+            <a:prstGeom prst="diamond">
               <a:avLst/>
             </a:prstGeom>
             <a:solidFill>
-              <a:schemeClr val="tx1"/>
+              <a:srgbClr val="FFFFFF"/>
             </a:solidFill>
-            <a:ln>
-              <a:solidFill>
-                <a:schemeClr val="tx1"/>
-              </a:solidFill>
-            </a:ln>
           </p:spPr>
           <p:style>
             <a:lnRef idx="1">
@@ -9735,1149 +12798,273 @@
             <a:lstStyle/>
             <a:p>
               <a:pPr algn="ctr"/>
-              <a:endParaRPr lang="fr-FR"/>
+              <a:r>
+                <a:rPr lang="fr-FR" sz="1600" dirty="0" err="1" smtClean="0">
+                  <a:solidFill>
+                    <a:srgbClr val="000000"/>
+                  </a:solidFill>
+                </a:rPr>
+                <a:t>e</a:t>
+              </a:r>
+              <a:r>
+                <a:rPr lang="fr-FR" sz="1600" dirty="0" err="1" smtClean="0">
+                  <a:solidFill>
+                    <a:srgbClr val="000000"/>
+                  </a:solidFill>
+                </a:rPr>
+                <a:t>dit-config</a:t>
+              </a:r>
+              <a:endParaRPr lang="fr-FR" sz="1600" dirty="0">
+                <a:solidFill>
+                  <a:srgbClr val="000000"/>
+                </a:solidFill>
+              </a:endParaRPr>
+            </a:p>
+          </p:txBody>
+        </p:sp>
+        <p:cxnSp>
+          <p:nvCxnSpPr>
+            <p:cNvPr id="162" name="Connecteur en arc 161"/>
+            <p:cNvCxnSpPr>
+              <a:stCxn id="156" idx="1"/>
+            </p:cNvCxnSpPr>
+            <p:nvPr/>
+          </p:nvCxnSpPr>
+          <p:spPr>
+            <a:xfrm rot="10800000" flipV="1">
+              <a:off x="2004146" y="3444213"/>
+              <a:ext cx="4936750" cy="175528"/>
+            </a:xfrm>
+            <a:prstGeom prst="curvedConnector3">
+              <a:avLst>
+                <a:gd name="adj1" fmla="val 33963"/>
+              </a:avLst>
+            </a:prstGeom>
+            <a:ln>
+              <a:solidFill>
+                <a:srgbClr val="000000"/>
+              </a:solidFill>
+              <a:tailEnd type="arrow"/>
+            </a:ln>
+          </p:spPr>
+          <p:style>
+            <a:lnRef idx="2">
+              <a:schemeClr val="accent1"/>
+            </a:lnRef>
+            <a:fillRef idx="0">
+              <a:schemeClr val="accent1"/>
+            </a:fillRef>
+            <a:effectRef idx="1">
+              <a:schemeClr val="accent1"/>
+            </a:effectRef>
+            <a:fontRef idx="minor">
+              <a:schemeClr val="tx1"/>
+            </a:fontRef>
+          </p:style>
+        </p:cxnSp>
+        <p:cxnSp>
+          <p:nvCxnSpPr>
+            <p:cNvPr id="166" name="Connecteur en arc 165"/>
+            <p:cNvCxnSpPr>
+              <a:stCxn id="4" idx="0"/>
+              <a:endCxn id="156" idx="2"/>
+            </p:cNvCxnSpPr>
+            <p:nvPr/>
+          </p:nvCxnSpPr>
+          <p:spPr>
+            <a:xfrm rot="5400000" flipH="1" flipV="1">
+              <a:off x="7183861" y="3528703"/>
+              <a:ext cx="210489" cy="836909"/>
+            </a:xfrm>
+            <a:prstGeom prst="curvedConnector3">
+              <a:avLst>
+                <a:gd name="adj1" fmla="val 50000"/>
+              </a:avLst>
+            </a:prstGeom>
+            <a:ln>
+              <a:solidFill>
+                <a:srgbClr val="000000"/>
+              </a:solidFill>
+              <a:tailEnd type="arrow"/>
+            </a:ln>
+          </p:spPr>
+          <p:style>
+            <a:lnRef idx="2">
+              <a:schemeClr val="accent1"/>
+            </a:lnRef>
+            <a:fillRef idx="0">
+              <a:schemeClr val="accent1"/>
+            </a:fillRef>
+            <a:effectRef idx="1">
+              <a:schemeClr val="accent1"/>
+            </a:effectRef>
+            <a:fontRef idx="minor">
+              <a:schemeClr val="tx1"/>
+            </a:fontRef>
+          </p:style>
+        </p:cxnSp>
+        <p:cxnSp>
+          <p:nvCxnSpPr>
+            <p:cNvPr id="170" name="Connecteur en arc 169"/>
+            <p:cNvCxnSpPr>
+              <a:stCxn id="156" idx="3"/>
+              <a:endCxn id="4" idx="6"/>
+            </p:cNvCxnSpPr>
+            <p:nvPr/>
+          </p:nvCxnSpPr>
+          <p:spPr>
+            <a:xfrm>
+              <a:off x="8474223" y="3444213"/>
+              <a:ext cx="138381" cy="1225168"/>
+            </a:xfrm>
+            <a:prstGeom prst="curvedConnector3">
+              <a:avLst>
+                <a:gd name="adj1" fmla="val 265196"/>
+              </a:avLst>
+            </a:prstGeom>
+            <a:ln>
+              <a:solidFill>
+                <a:srgbClr val="000000"/>
+              </a:solidFill>
+              <a:tailEnd type="arrow"/>
+            </a:ln>
+          </p:spPr>
+          <p:style>
+            <a:lnRef idx="2">
+              <a:schemeClr val="accent1"/>
+            </a:lnRef>
+            <a:fillRef idx="0">
+              <a:schemeClr val="accent1"/>
+            </a:fillRef>
+            <a:effectRef idx="1">
+              <a:schemeClr val="accent1"/>
+            </a:effectRef>
+            <a:fontRef idx="minor">
+              <a:schemeClr val="tx1"/>
+            </a:fontRef>
+          </p:style>
+        </p:cxnSp>
+        <p:sp>
+          <p:nvSpPr>
+            <p:cNvPr id="184" name="ZoneTexte 183"/>
+            <p:cNvSpPr txBox="1"/>
+            <p:nvPr/>
+          </p:nvSpPr>
+          <p:spPr>
+            <a:xfrm>
+              <a:off x="5960694" y="2153901"/>
+              <a:ext cx="774571" cy="369332"/>
+            </a:xfrm>
+            <a:prstGeom prst="rect">
+              <a:avLst/>
+            </a:prstGeom>
+            <a:noFill/>
+          </p:spPr>
+          <p:txBody>
+            <a:bodyPr wrap="none" rtlCol="0">
+              <a:spAutoFit/>
+            </a:bodyPr>
+            <a:lstStyle/>
+            <a:p>
+              <a:r>
+                <a:rPr lang="fr-FR" dirty="0" smtClean="0"/>
+                <a:t>erreur</a:t>
+              </a:r>
+              <a:endParaRPr lang="fr-FR" dirty="0"/>
             </a:p>
           </p:txBody>
         </p:sp>
         <p:sp>
           <p:nvSpPr>
-            <p:cNvPr id="61" name="Ellipse 9"/>
-            <p:cNvSpPr/>
+            <p:cNvPr id="185" name="ZoneTexte 184"/>
+            <p:cNvSpPr txBox="1"/>
             <p:nvPr/>
           </p:nvSpPr>
           <p:spPr>
             <a:xfrm>
-              <a:off x="1897063" y="2557196"/>
-              <a:ext cx="45719" cy="49479"/>
+              <a:off x="6166325" y="3472581"/>
+              <a:ext cx="774571" cy="369332"/>
             </a:xfrm>
-            <a:prstGeom prst="ellipse">
+            <a:prstGeom prst="rect">
               <a:avLst/>
             </a:prstGeom>
-            <a:solidFill>
-              <a:schemeClr val="bg1"/>
-            </a:solidFill>
-            <a:ln>
-              <a:solidFill>
-                <a:schemeClr val="tx1"/>
-              </a:solidFill>
-            </a:ln>
+            <a:noFill/>
           </p:spPr>
-          <p:style>
-            <a:lnRef idx="1">
-              <a:schemeClr val="accent1"/>
-            </a:lnRef>
-            <a:fillRef idx="3">
-              <a:schemeClr val="accent1"/>
-            </a:fillRef>
-            <a:effectRef idx="2">
-              <a:schemeClr val="accent1"/>
-            </a:effectRef>
-            <a:fontRef idx="minor">
-              <a:schemeClr val="lt1"/>
-            </a:fontRef>
-          </p:style>
           <p:txBody>
-            <a:bodyPr rtlCol="0" anchor="ctr"/>
+            <a:bodyPr wrap="none" rtlCol="0">
+              <a:spAutoFit/>
+            </a:bodyPr>
             <a:lstStyle/>
             <a:p>
-              <a:pPr algn="ctr"/>
-              <a:endParaRPr lang="fr-FR"/>
-            </a:p>
-          </p:txBody>
-        </p:sp>
-      </p:grpSp>
-      <p:grpSp>
-        <p:nvGrpSpPr>
-          <p:cNvPr id="62" name="Grouper 16"/>
-          <p:cNvGrpSpPr/>
-          <p:nvPr/>
-        </p:nvGrpSpPr>
-        <p:grpSpPr>
-          <a:xfrm rot="2904786">
-            <a:off x="2824605" y="2484148"/>
-            <a:ext cx="129591" cy="140248"/>
-            <a:chOff x="1897063" y="2516188"/>
-            <a:chExt cx="129591" cy="140248"/>
-          </a:xfrm>
-        </p:grpSpPr>
-        <p:sp>
-          <p:nvSpPr>
-            <p:cNvPr id="63" name="Ellipse 62"/>
-            <p:cNvSpPr/>
-            <p:nvPr/>
-          </p:nvSpPr>
-          <p:spPr>
-            <a:xfrm>
-              <a:off x="1897063" y="2516188"/>
-              <a:ext cx="129591" cy="140248"/>
-            </a:xfrm>
-            <a:prstGeom prst="ellipse">
-              <a:avLst/>
-            </a:prstGeom>
-            <a:solidFill>
-              <a:schemeClr val="tx1"/>
-            </a:solidFill>
-            <a:ln>
-              <a:solidFill>
-                <a:schemeClr val="tx1"/>
-              </a:solidFill>
-            </a:ln>
-          </p:spPr>
-          <p:style>
-            <a:lnRef idx="1">
-              <a:schemeClr val="accent1"/>
-            </a:lnRef>
-            <a:fillRef idx="3">
-              <a:schemeClr val="accent1"/>
-            </a:fillRef>
-            <a:effectRef idx="2">
-              <a:schemeClr val="accent1"/>
-            </a:effectRef>
-            <a:fontRef idx="minor">
-              <a:schemeClr val="lt1"/>
-            </a:fontRef>
-          </p:style>
-          <p:txBody>
-            <a:bodyPr rtlCol="0" anchor="ctr"/>
-            <a:lstStyle/>
-            <a:p>
-              <a:pPr algn="ctr"/>
-              <a:endParaRPr lang="fr-FR"/>
+              <a:r>
+                <a:rPr lang="fr-FR" dirty="0" smtClean="0"/>
+                <a:t>erreur</a:t>
+              </a:r>
+              <a:endParaRPr lang="fr-FR" dirty="0"/>
             </a:p>
           </p:txBody>
         </p:sp>
         <p:sp>
           <p:nvSpPr>
-            <p:cNvPr id="64" name="Ellipse 63"/>
-            <p:cNvSpPr/>
+            <p:cNvPr id="186" name="ZoneTexte 185"/>
+            <p:cNvSpPr txBox="1"/>
             <p:nvPr/>
           </p:nvSpPr>
           <p:spPr>
             <a:xfrm>
-              <a:off x="1897063" y="2557196"/>
-              <a:ext cx="45719" cy="49479"/>
+              <a:off x="7944771" y="1289280"/>
+              <a:ext cx="457427" cy="369332"/>
             </a:xfrm>
-            <a:prstGeom prst="ellipse">
+            <a:prstGeom prst="rect">
               <a:avLst/>
             </a:prstGeom>
-            <a:solidFill>
-              <a:schemeClr val="bg1"/>
-            </a:solidFill>
-            <a:ln>
-              <a:solidFill>
-                <a:schemeClr val="tx1"/>
-              </a:solidFill>
-            </a:ln>
+            <a:noFill/>
           </p:spPr>
-          <p:style>
-            <a:lnRef idx="1">
-              <a:schemeClr val="accent1"/>
-            </a:lnRef>
-            <a:fillRef idx="3">
-              <a:schemeClr val="accent1"/>
-            </a:fillRef>
-            <a:effectRef idx="2">
-              <a:schemeClr val="accent1"/>
-            </a:effectRef>
-            <a:fontRef idx="minor">
-              <a:schemeClr val="lt1"/>
-            </a:fontRef>
-          </p:style>
           <p:txBody>
-            <a:bodyPr rtlCol="0" anchor="ctr"/>
+            <a:bodyPr wrap="none" rtlCol="0">
+              <a:spAutoFit/>
+            </a:bodyPr>
             <a:lstStyle/>
             <a:p>
-              <a:pPr algn="ctr"/>
-              <a:endParaRPr lang="fr-FR"/>
-            </a:p>
-          </p:txBody>
-        </p:sp>
-      </p:grpSp>
-      <p:cxnSp>
-        <p:nvCxnSpPr>
-          <p:cNvPr id="65" name="Connecteur droit 64"/>
-          <p:cNvCxnSpPr/>
-          <p:nvPr/>
-        </p:nvCxnSpPr>
-        <p:spPr>
-          <a:xfrm rot="10800000" flipV="1">
-            <a:off x="1394594" y="2134506"/>
-            <a:ext cx="636881" cy="351977"/>
-          </a:xfrm>
-          <a:prstGeom prst="line">
-            <a:avLst/>
-          </a:prstGeom>
-          <a:ln>
-            <a:solidFill>
-              <a:schemeClr val="tx1"/>
-            </a:solidFill>
-          </a:ln>
-        </p:spPr>
-        <p:style>
-          <a:lnRef idx="2">
-            <a:schemeClr val="accent1"/>
-          </a:lnRef>
-          <a:fillRef idx="0">
-            <a:schemeClr val="accent1"/>
-          </a:fillRef>
-          <a:effectRef idx="1">
-            <a:schemeClr val="accent1"/>
-          </a:effectRef>
-          <a:fontRef idx="minor">
-            <a:schemeClr val="tx1"/>
-          </a:fontRef>
-        </p:style>
-      </p:cxnSp>
-      <p:grpSp>
-        <p:nvGrpSpPr>
-          <p:cNvPr id="69" name="Grouper 43"/>
-          <p:cNvGrpSpPr/>
-          <p:nvPr/>
-        </p:nvGrpSpPr>
-        <p:grpSpPr>
-          <a:xfrm rot="2904786">
-            <a:off x="3091142" y="3186737"/>
-            <a:ext cx="129591" cy="140248"/>
-            <a:chOff x="1897063" y="2516188"/>
-            <a:chExt cx="129591" cy="140248"/>
-          </a:xfrm>
-        </p:grpSpPr>
-        <p:sp>
-          <p:nvSpPr>
-            <p:cNvPr id="70" name="Ellipse 69"/>
-            <p:cNvSpPr/>
-            <p:nvPr/>
-          </p:nvSpPr>
-          <p:spPr>
-            <a:xfrm>
-              <a:off x="1897063" y="2516188"/>
-              <a:ext cx="129591" cy="140248"/>
-            </a:xfrm>
-            <a:prstGeom prst="ellipse">
-              <a:avLst/>
-            </a:prstGeom>
-            <a:solidFill>
-              <a:schemeClr val="tx1"/>
-            </a:solidFill>
-            <a:ln>
-              <a:solidFill>
-                <a:schemeClr val="tx1"/>
-              </a:solidFill>
-            </a:ln>
-          </p:spPr>
-          <p:style>
-            <a:lnRef idx="1">
-              <a:schemeClr val="accent1"/>
-            </a:lnRef>
-            <a:fillRef idx="3">
-              <a:schemeClr val="accent1"/>
-            </a:fillRef>
-            <a:effectRef idx="2">
-              <a:schemeClr val="accent1"/>
-            </a:effectRef>
-            <a:fontRef idx="minor">
-              <a:schemeClr val="lt1"/>
-            </a:fontRef>
-          </p:style>
-          <p:txBody>
-            <a:bodyPr rtlCol="0" anchor="ctr"/>
-            <a:lstStyle/>
-            <a:p>
-              <a:pPr algn="ctr"/>
-              <a:endParaRPr lang="fr-FR"/>
+              <a:r>
+                <a:rPr lang="fr-FR" dirty="0" smtClean="0"/>
+                <a:t>OK</a:t>
+              </a:r>
+              <a:endParaRPr lang="fr-FR" dirty="0"/>
             </a:p>
           </p:txBody>
         </p:sp>
         <p:sp>
           <p:nvSpPr>
-            <p:cNvPr id="71" name="Ellipse 70"/>
-            <p:cNvSpPr/>
+            <p:cNvPr id="187" name="ZoneTexte 186"/>
+            <p:cNvSpPr txBox="1"/>
             <p:nvPr/>
           </p:nvSpPr>
           <p:spPr>
             <a:xfrm>
-              <a:off x="1897063" y="2557196"/>
-              <a:ext cx="45719" cy="49479"/>
+              <a:off x="8218007" y="3566966"/>
+              <a:ext cx="457427" cy="369332"/>
             </a:xfrm>
-            <a:prstGeom prst="ellipse">
+            <a:prstGeom prst="rect">
               <a:avLst/>
             </a:prstGeom>
-            <a:solidFill>
-              <a:schemeClr val="bg1"/>
-            </a:solidFill>
-            <a:ln>
-              <a:solidFill>
-                <a:schemeClr val="tx1"/>
-              </a:solidFill>
-            </a:ln>
+            <a:noFill/>
           </p:spPr>
-          <p:style>
-            <a:lnRef idx="1">
-              <a:schemeClr val="accent1"/>
-            </a:lnRef>
-            <a:fillRef idx="3">
-              <a:schemeClr val="accent1"/>
-            </a:fillRef>
-            <a:effectRef idx="2">
-              <a:schemeClr val="accent1"/>
-            </a:effectRef>
-            <a:fontRef idx="minor">
-              <a:schemeClr val="lt1"/>
-            </a:fontRef>
-          </p:style>
           <p:txBody>
-            <a:bodyPr rtlCol="0" anchor="ctr"/>
+            <a:bodyPr wrap="none" rtlCol="0">
+              <a:spAutoFit/>
+            </a:bodyPr>
             <a:lstStyle/>
             <a:p>
-              <a:pPr algn="ctr"/>
-              <a:endParaRPr lang="fr-FR"/>
+              <a:r>
+                <a:rPr lang="fr-FR" dirty="0" smtClean="0"/>
+                <a:t>OK</a:t>
+              </a:r>
+              <a:endParaRPr lang="fr-FR" dirty="0"/>
             </a:p>
           </p:txBody>
         </p:sp>
       </p:grpSp>
-      <p:grpSp>
-        <p:nvGrpSpPr>
-          <p:cNvPr id="72" name="Grouper 46"/>
-          <p:cNvGrpSpPr/>
-          <p:nvPr/>
-        </p:nvGrpSpPr>
-        <p:grpSpPr>
-          <a:xfrm rot="2904786">
-            <a:off x="2511206" y="3186736"/>
-            <a:ext cx="129591" cy="140248"/>
-            <a:chOff x="1897063" y="2516188"/>
-            <a:chExt cx="129591" cy="140248"/>
-          </a:xfrm>
-        </p:grpSpPr>
-        <p:sp>
-          <p:nvSpPr>
-            <p:cNvPr id="73" name="Ellipse 72"/>
-            <p:cNvSpPr/>
-            <p:nvPr/>
-          </p:nvSpPr>
-          <p:spPr>
-            <a:xfrm>
-              <a:off x="1897063" y="2516188"/>
-              <a:ext cx="129591" cy="140248"/>
-            </a:xfrm>
-            <a:prstGeom prst="ellipse">
-              <a:avLst/>
-            </a:prstGeom>
-            <a:solidFill>
-              <a:schemeClr val="tx1"/>
-            </a:solidFill>
-            <a:ln>
-              <a:solidFill>
-                <a:schemeClr val="tx1"/>
-              </a:solidFill>
-            </a:ln>
-          </p:spPr>
-          <p:style>
-            <a:lnRef idx="1">
-              <a:schemeClr val="accent1"/>
-            </a:lnRef>
-            <a:fillRef idx="3">
-              <a:schemeClr val="accent1"/>
-            </a:fillRef>
-            <a:effectRef idx="2">
-              <a:schemeClr val="accent1"/>
-            </a:effectRef>
-            <a:fontRef idx="minor">
-              <a:schemeClr val="lt1"/>
-            </a:fontRef>
-          </p:style>
-          <p:txBody>
-            <a:bodyPr rtlCol="0" anchor="ctr"/>
-            <a:lstStyle/>
-            <a:p>
-              <a:pPr algn="ctr"/>
-              <a:endParaRPr lang="fr-FR"/>
-            </a:p>
-          </p:txBody>
-        </p:sp>
-        <p:sp>
-          <p:nvSpPr>
-            <p:cNvPr id="74" name="Ellipse 73"/>
-            <p:cNvSpPr/>
-            <p:nvPr/>
-          </p:nvSpPr>
-          <p:spPr>
-            <a:xfrm>
-              <a:off x="1897063" y="2557196"/>
-              <a:ext cx="45719" cy="49479"/>
-            </a:xfrm>
-            <a:prstGeom prst="ellipse">
-              <a:avLst/>
-            </a:prstGeom>
-            <a:solidFill>
-              <a:schemeClr val="bg1"/>
-            </a:solidFill>
-            <a:ln>
-              <a:solidFill>
-                <a:schemeClr val="tx1"/>
-              </a:solidFill>
-            </a:ln>
-          </p:spPr>
-          <p:style>
-            <a:lnRef idx="1">
-              <a:schemeClr val="accent1"/>
-            </a:lnRef>
-            <a:fillRef idx="3">
-              <a:schemeClr val="accent1"/>
-            </a:fillRef>
-            <a:effectRef idx="2">
-              <a:schemeClr val="accent1"/>
-            </a:effectRef>
-            <a:fontRef idx="minor">
-              <a:schemeClr val="lt1"/>
-            </a:fontRef>
-          </p:style>
-          <p:txBody>
-            <a:bodyPr rtlCol="0" anchor="ctr"/>
-            <a:lstStyle/>
-            <a:p>
-              <a:pPr algn="ctr"/>
-              <a:endParaRPr lang="fr-FR"/>
-            </a:p>
-          </p:txBody>
-        </p:sp>
-      </p:grpSp>
-      <p:grpSp>
-        <p:nvGrpSpPr>
-          <p:cNvPr id="75" name="Grouper 49"/>
-          <p:cNvGrpSpPr/>
-          <p:nvPr/>
-        </p:nvGrpSpPr>
-        <p:grpSpPr>
-          <a:xfrm rot="2904786">
-            <a:off x="2024916" y="3188993"/>
-            <a:ext cx="129591" cy="140248"/>
-            <a:chOff x="1897063" y="2516188"/>
-            <a:chExt cx="129591" cy="140248"/>
-          </a:xfrm>
-        </p:grpSpPr>
-        <p:sp>
-          <p:nvSpPr>
-            <p:cNvPr id="76" name="Ellipse 75"/>
-            <p:cNvSpPr/>
-            <p:nvPr/>
-          </p:nvSpPr>
-          <p:spPr>
-            <a:xfrm>
-              <a:off x="1897063" y="2516188"/>
-              <a:ext cx="129591" cy="140248"/>
-            </a:xfrm>
-            <a:prstGeom prst="ellipse">
-              <a:avLst/>
-            </a:prstGeom>
-            <a:solidFill>
-              <a:schemeClr val="tx1"/>
-            </a:solidFill>
-            <a:ln>
-              <a:solidFill>
-                <a:schemeClr val="tx1"/>
-              </a:solidFill>
-            </a:ln>
-          </p:spPr>
-          <p:style>
-            <a:lnRef idx="1">
-              <a:schemeClr val="accent1"/>
-            </a:lnRef>
-            <a:fillRef idx="3">
-              <a:schemeClr val="accent1"/>
-            </a:fillRef>
-            <a:effectRef idx="2">
-              <a:schemeClr val="accent1"/>
-            </a:effectRef>
-            <a:fontRef idx="minor">
-              <a:schemeClr val="lt1"/>
-            </a:fontRef>
-          </p:style>
-          <p:txBody>
-            <a:bodyPr rtlCol="0" anchor="ctr"/>
-            <a:lstStyle/>
-            <a:p>
-              <a:pPr algn="ctr"/>
-              <a:endParaRPr lang="fr-FR"/>
-            </a:p>
-          </p:txBody>
-        </p:sp>
-        <p:sp>
-          <p:nvSpPr>
-            <p:cNvPr id="77" name="Ellipse 76"/>
-            <p:cNvSpPr/>
-            <p:nvPr/>
-          </p:nvSpPr>
-          <p:spPr>
-            <a:xfrm>
-              <a:off x="1897063" y="2557196"/>
-              <a:ext cx="45719" cy="49479"/>
-            </a:xfrm>
-            <a:prstGeom prst="ellipse">
-              <a:avLst/>
-            </a:prstGeom>
-            <a:solidFill>
-              <a:schemeClr val="bg1"/>
-            </a:solidFill>
-            <a:ln>
-              <a:solidFill>
-                <a:schemeClr val="tx1"/>
-              </a:solidFill>
-            </a:ln>
-          </p:spPr>
-          <p:style>
-            <a:lnRef idx="1">
-              <a:schemeClr val="accent1"/>
-            </a:lnRef>
-            <a:fillRef idx="3">
-              <a:schemeClr val="accent1"/>
-            </a:fillRef>
-            <a:effectRef idx="2">
-              <a:schemeClr val="accent1"/>
-            </a:effectRef>
-            <a:fontRef idx="minor">
-              <a:schemeClr val="lt1"/>
-            </a:fontRef>
-          </p:style>
-          <p:txBody>
-            <a:bodyPr rtlCol="0" anchor="ctr"/>
-            <a:lstStyle/>
-            <a:p>
-              <a:pPr algn="ctr"/>
-              <a:endParaRPr lang="fr-FR"/>
-            </a:p>
-          </p:txBody>
-        </p:sp>
-      </p:grpSp>
-      <p:grpSp>
-        <p:nvGrpSpPr>
-          <p:cNvPr id="81" name="Grouper 55"/>
-          <p:cNvGrpSpPr/>
-          <p:nvPr/>
-        </p:nvGrpSpPr>
-        <p:grpSpPr>
-          <a:xfrm rot="2904786">
-            <a:off x="1710852" y="3187490"/>
-            <a:ext cx="129591" cy="140248"/>
-            <a:chOff x="1897063" y="2516188"/>
-            <a:chExt cx="129591" cy="140248"/>
-          </a:xfrm>
-        </p:grpSpPr>
-        <p:sp>
-          <p:nvSpPr>
-            <p:cNvPr id="82" name="Ellipse 81"/>
-            <p:cNvSpPr/>
-            <p:nvPr/>
-          </p:nvSpPr>
-          <p:spPr>
-            <a:xfrm>
-              <a:off x="1897063" y="2516188"/>
-              <a:ext cx="129591" cy="140248"/>
-            </a:xfrm>
-            <a:prstGeom prst="ellipse">
-              <a:avLst/>
-            </a:prstGeom>
-            <a:solidFill>
-              <a:schemeClr val="tx1"/>
-            </a:solidFill>
-            <a:ln>
-              <a:solidFill>
-                <a:schemeClr val="tx1"/>
-              </a:solidFill>
-            </a:ln>
-          </p:spPr>
-          <p:style>
-            <a:lnRef idx="1">
-              <a:schemeClr val="accent1"/>
-            </a:lnRef>
-            <a:fillRef idx="3">
-              <a:schemeClr val="accent1"/>
-            </a:fillRef>
-            <a:effectRef idx="2">
-              <a:schemeClr val="accent1"/>
-            </a:effectRef>
-            <a:fontRef idx="minor">
-              <a:schemeClr val="lt1"/>
-            </a:fontRef>
-          </p:style>
-          <p:txBody>
-            <a:bodyPr rtlCol="0" anchor="ctr"/>
-            <a:lstStyle/>
-            <a:p>
-              <a:pPr algn="ctr"/>
-              <a:endParaRPr lang="fr-FR"/>
-            </a:p>
-          </p:txBody>
-        </p:sp>
-        <p:sp>
-          <p:nvSpPr>
-            <p:cNvPr id="83" name="Ellipse 82"/>
-            <p:cNvSpPr/>
-            <p:nvPr/>
-          </p:nvSpPr>
-          <p:spPr>
-            <a:xfrm>
-              <a:off x="1897063" y="2557196"/>
-              <a:ext cx="45719" cy="49479"/>
-            </a:xfrm>
-            <a:prstGeom prst="ellipse">
-              <a:avLst/>
-            </a:prstGeom>
-            <a:solidFill>
-              <a:schemeClr val="bg1"/>
-            </a:solidFill>
-            <a:ln>
-              <a:solidFill>
-                <a:schemeClr val="tx1"/>
-              </a:solidFill>
-            </a:ln>
-          </p:spPr>
-          <p:style>
-            <a:lnRef idx="1">
-              <a:schemeClr val="accent1"/>
-            </a:lnRef>
-            <a:fillRef idx="3">
-              <a:schemeClr val="accent1"/>
-            </a:fillRef>
-            <a:effectRef idx="2">
-              <a:schemeClr val="accent1"/>
-            </a:effectRef>
-            <a:fontRef idx="minor">
-              <a:schemeClr val="lt1"/>
-            </a:fontRef>
-          </p:style>
-          <p:txBody>
-            <a:bodyPr rtlCol="0" anchor="ctr"/>
-            <a:lstStyle/>
-            <a:p>
-              <a:pPr algn="ctr"/>
-              <a:endParaRPr lang="fr-FR"/>
-            </a:p>
-          </p:txBody>
-        </p:sp>
-      </p:grpSp>
-      <p:grpSp>
-        <p:nvGrpSpPr>
-          <p:cNvPr id="90" name="Grouper 64"/>
-          <p:cNvGrpSpPr/>
-          <p:nvPr/>
-        </p:nvGrpSpPr>
-        <p:grpSpPr>
-          <a:xfrm rot="2904786">
-            <a:off x="3075462" y="3842920"/>
-            <a:ext cx="129591" cy="140248"/>
-            <a:chOff x="1897063" y="2516188"/>
-            <a:chExt cx="129591" cy="140248"/>
-          </a:xfrm>
-        </p:grpSpPr>
-        <p:sp>
-          <p:nvSpPr>
-            <p:cNvPr id="91" name="Ellipse 90"/>
-            <p:cNvSpPr/>
-            <p:nvPr/>
-          </p:nvSpPr>
-          <p:spPr>
-            <a:xfrm>
-              <a:off x="1897063" y="2516188"/>
-              <a:ext cx="129591" cy="140248"/>
-            </a:xfrm>
-            <a:prstGeom prst="ellipse">
-              <a:avLst/>
-            </a:prstGeom>
-            <a:solidFill>
-              <a:schemeClr val="tx1"/>
-            </a:solidFill>
-            <a:ln>
-              <a:solidFill>
-                <a:schemeClr val="tx1"/>
-              </a:solidFill>
-            </a:ln>
-          </p:spPr>
-          <p:style>
-            <a:lnRef idx="1">
-              <a:schemeClr val="accent1"/>
-            </a:lnRef>
-            <a:fillRef idx="3">
-              <a:schemeClr val="accent1"/>
-            </a:fillRef>
-            <a:effectRef idx="2">
-              <a:schemeClr val="accent1"/>
-            </a:effectRef>
-            <a:fontRef idx="minor">
-              <a:schemeClr val="lt1"/>
-            </a:fontRef>
-          </p:style>
-          <p:txBody>
-            <a:bodyPr rtlCol="0" anchor="ctr"/>
-            <a:lstStyle/>
-            <a:p>
-              <a:pPr algn="ctr"/>
-              <a:endParaRPr lang="fr-FR"/>
-            </a:p>
-          </p:txBody>
-        </p:sp>
-        <p:sp>
-          <p:nvSpPr>
-            <p:cNvPr id="92" name="Ellipse 91"/>
-            <p:cNvSpPr/>
-            <p:nvPr/>
-          </p:nvSpPr>
-          <p:spPr>
-            <a:xfrm>
-              <a:off x="1897063" y="2557196"/>
-              <a:ext cx="45719" cy="49479"/>
-            </a:xfrm>
-            <a:prstGeom prst="ellipse">
-              <a:avLst/>
-            </a:prstGeom>
-            <a:solidFill>
-              <a:schemeClr val="bg1"/>
-            </a:solidFill>
-            <a:ln>
-              <a:solidFill>
-                <a:schemeClr val="tx1"/>
-              </a:solidFill>
-            </a:ln>
-          </p:spPr>
-          <p:style>
-            <a:lnRef idx="1">
-              <a:schemeClr val="accent1"/>
-            </a:lnRef>
-            <a:fillRef idx="3">
-              <a:schemeClr val="accent1"/>
-            </a:fillRef>
-            <a:effectRef idx="2">
-              <a:schemeClr val="accent1"/>
-            </a:effectRef>
-            <a:fontRef idx="minor">
-              <a:schemeClr val="lt1"/>
-            </a:fontRef>
-          </p:style>
-          <p:txBody>
-            <a:bodyPr rtlCol="0" anchor="ctr"/>
-            <a:lstStyle/>
-            <a:p>
-              <a:pPr algn="ctr"/>
-              <a:endParaRPr lang="fr-FR"/>
-            </a:p>
-          </p:txBody>
-        </p:sp>
-      </p:grpSp>
-      <p:cxnSp>
-        <p:nvCxnSpPr>
-          <p:cNvPr id="93" name="Connecteur droit 92"/>
-          <p:cNvCxnSpPr/>
-          <p:nvPr/>
-        </p:nvCxnSpPr>
-        <p:spPr>
-          <a:xfrm rot="10800000" flipH="1" flipV="1">
-            <a:off x="2164880" y="2134814"/>
-            <a:ext cx="636881" cy="351977"/>
-          </a:xfrm>
-          <a:prstGeom prst="line">
-            <a:avLst/>
-          </a:prstGeom>
-          <a:ln>
-            <a:solidFill>
-              <a:schemeClr val="tx1"/>
-            </a:solidFill>
-          </a:ln>
-        </p:spPr>
-        <p:style>
-          <a:lnRef idx="2">
-            <a:schemeClr val="accent1"/>
-          </a:lnRef>
-          <a:fillRef idx="0">
-            <a:schemeClr val="accent1"/>
-          </a:fillRef>
-          <a:effectRef idx="1">
-            <a:schemeClr val="accent1"/>
-          </a:effectRef>
-          <a:fontRef idx="minor">
-            <a:schemeClr val="tx1"/>
-          </a:fontRef>
-        </p:style>
-      </p:cxnSp>
-      <p:cxnSp>
-        <p:nvCxnSpPr>
-          <p:cNvPr id="94" name="Connecteur droit 93"/>
-          <p:cNvCxnSpPr/>
-          <p:nvPr/>
-        </p:nvCxnSpPr>
-        <p:spPr>
-          <a:xfrm rot="5400000">
-            <a:off x="2524649" y="2793984"/>
-            <a:ext cx="431798" cy="221569"/>
-          </a:xfrm>
-          <a:prstGeom prst="line">
-            <a:avLst/>
-          </a:prstGeom>
-          <a:ln>
-            <a:solidFill>
-              <a:schemeClr val="tx1"/>
-            </a:solidFill>
-          </a:ln>
-        </p:spPr>
-        <p:style>
-          <a:lnRef idx="2">
-            <a:schemeClr val="accent1"/>
-          </a:lnRef>
-          <a:fillRef idx="0">
-            <a:schemeClr val="accent1"/>
-          </a:fillRef>
-          <a:effectRef idx="1">
-            <a:schemeClr val="accent1"/>
-          </a:effectRef>
-          <a:fontRef idx="minor">
-            <a:schemeClr val="tx1"/>
-          </a:fontRef>
-        </p:style>
-      </p:cxnSp>
-      <p:cxnSp>
-        <p:nvCxnSpPr>
-          <p:cNvPr id="95" name="Connecteur droit 94"/>
-          <p:cNvCxnSpPr/>
-          <p:nvPr/>
-        </p:nvCxnSpPr>
-        <p:spPr>
-          <a:xfrm rot="16200000" flipH="1">
-            <a:off x="2813573" y="2793984"/>
-            <a:ext cx="431798" cy="221569"/>
-          </a:xfrm>
-          <a:prstGeom prst="line">
-            <a:avLst/>
-          </a:prstGeom>
-          <a:ln>
-            <a:solidFill>
-              <a:schemeClr val="tx1"/>
-            </a:solidFill>
-          </a:ln>
-        </p:spPr>
-        <p:style>
-          <a:lnRef idx="2">
-            <a:schemeClr val="accent1"/>
-          </a:lnRef>
-          <a:fillRef idx="0">
-            <a:schemeClr val="accent1"/>
-          </a:fillRef>
-          <a:effectRef idx="1">
-            <a:schemeClr val="accent1"/>
-          </a:effectRef>
-          <a:fontRef idx="minor">
-            <a:schemeClr val="tx1"/>
-          </a:fontRef>
-        </p:style>
-      </p:cxnSp>
-      <p:cxnSp>
-        <p:nvCxnSpPr>
-          <p:cNvPr id="96" name="Connecteur droit 95"/>
-          <p:cNvCxnSpPr/>
-          <p:nvPr/>
-        </p:nvCxnSpPr>
-        <p:spPr>
-          <a:xfrm rot="5400000">
-            <a:off x="1704787" y="2794739"/>
-            <a:ext cx="431798" cy="221569"/>
-          </a:xfrm>
-          <a:prstGeom prst="line">
-            <a:avLst/>
-          </a:prstGeom>
-          <a:ln>
-            <a:solidFill>
-              <a:schemeClr val="tx1"/>
-            </a:solidFill>
-          </a:ln>
-        </p:spPr>
-        <p:style>
-          <a:lnRef idx="2">
-            <a:schemeClr val="accent1"/>
-          </a:lnRef>
-          <a:fillRef idx="0">
-            <a:schemeClr val="accent1"/>
-          </a:fillRef>
-          <a:effectRef idx="1">
-            <a:schemeClr val="accent1"/>
-          </a:effectRef>
-          <a:fontRef idx="minor">
-            <a:schemeClr val="tx1"/>
-          </a:fontRef>
-        </p:style>
-      </p:cxnSp>
-      <p:cxnSp>
-        <p:nvCxnSpPr>
-          <p:cNvPr id="98" name="Connecteur droit 97"/>
-          <p:cNvCxnSpPr/>
-          <p:nvPr/>
-        </p:nvCxnSpPr>
-        <p:spPr>
-          <a:xfrm rot="16200000" flipH="1">
-            <a:off x="1882925" y="2905520"/>
-            <a:ext cx="431801" cy="8"/>
-          </a:xfrm>
-          <a:prstGeom prst="line">
-            <a:avLst/>
-          </a:prstGeom>
-          <a:ln>
-            <a:solidFill>
-              <a:schemeClr val="tx1"/>
-            </a:solidFill>
-          </a:ln>
-        </p:spPr>
-        <p:style>
-          <a:lnRef idx="2">
-            <a:schemeClr val="accent1"/>
-          </a:lnRef>
-          <a:fillRef idx="0">
-            <a:schemeClr val="accent1"/>
-          </a:fillRef>
-          <a:effectRef idx="1">
-            <a:schemeClr val="accent1"/>
-          </a:effectRef>
-          <a:fontRef idx="minor">
-            <a:schemeClr val="tx1"/>
-          </a:fontRef>
-        </p:style>
-      </p:cxnSp>
-      <p:cxnSp>
-        <p:nvCxnSpPr>
-          <p:cNvPr id="99" name="Connecteur droit 98"/>
-          <p:cNvCxnSpPr/>
-          <p:nvPr/>
-        </p:nvCxnSpPr>
-        <p:spPr>
-          <a:xfrm rot="16200000" flipH="1">
-            <a:off x="2924361" y="3567766"/>
-            <a:ext cx="431801" cy="8"/>
-          </a:xfrm>
-          <a:prstGeom prst="line">
-            <a:avLst/>
-          </a:prstGeom>
-          <a:ln>
-            <a:solidFill>
-              <a:schemeClr val="tx1"/>
-            </a:solidFill>
-          </a:ln>
-        </p:spPr>
-        <p:style>
-          <a:lnRef idx="2">
-            <a:schemeClr val="accent1"/>
-          </a:lnRef>
-          <a:fillRef idx="0">
-            <a:schemeClr val="accent1"/>
-          </a:fillRef>
-          <a:effectRef idx="1">
-            <a:schemeClr val="accent1"/>
-          </a:effectRef>
-          <a:fontRef idx="minor">
-            <a:schemeClr val="tx1"/>
-          </a:fontRef>
-        </p:style>
-      </p:cxnSp>
-      <p:cxnSp>
-        <p:nvCxnSpPr>
-          <p:cNvPr id="102" name="Connecteur en arc 101"/>
-          <p:cNvCxnSpPr/>
-          <p:nvPr/>
-        </p:nvCxnSpPr>
-        <p:spPr>
-          <a:xfrm rot="10800000">
-            <a:off x="2037263" y="3305663"/>
-            <a:ext cx="1035496" cy="606024"/>
-          </a:xfrm>
-          <a:prstGeom prst="curvedConnector3">
-            <a:avLst>
-              <a:gd name="adj1" fmla="val 123269"/>
-            </a:avLst>
-          </a:prstGeom>
-          <a:ln>
-            <a:solidFill>
-              <a:srgbClr val="000000"/>
-            </a:solidFill>
-            <a:tailEnd type="arrow"/>
-          </a:ln>
-        </p:spPr>
-        <p:style>
-          <a:lnRef idx="2">
-            <a:schemeClr val="accent1"/>
-          </a:lnRef>
-          <a:fillRef idx="0">
-            <a:schemeClr val="accent1"/>
-          </a:fillRef>
-          <a:effectRef idx="1">
-            <a:schemeClr val="accent1"/>
-          </a:effectRef>
-          <a:fontRef idx="minor">
-            <a:schemeClr val="tx1"/>
-          </a:fontRef>
-        </p:style>
-      </p:cxnSp>
-      <p:grpSp>
-        <p:nvGrpSpPr>
-          <p:cNvPr id="104" name="Grouper 6"/>
-          <p:cNvGrpSpPr/>
-          <p:nvPr/>
-        </p:nvGrpSpPr>
-        <p:grpSpPr>
-          <a:xfrm rot="2904786">
-            <a:off x="1234342" y="2524490"/>
-            <a:ext cx="129591" cy="140248"/>
-            <a:chOff x="1897063" y="2516188"/>
-            <a:chExt cx="129591" cy="140248"/>
-          </a:xfrm>
-        </p:grpSpPr>
-        <p:sp>
-          <p:nvSpPr>
-            <p:cNvPr id="105" name="Ellipse 3"/>
-            <p:cNvSpPr/>
-            <p:nvPr/>
-          </p:nvSpPr>
-          <p:spPr>
-            <a:xfrm>
-              <a:off x="1897063" y="2516188"/>
-              <a:ext cx="129591" cy="140248"/>
-            </a:xfrm>
-            <a:prstGeom prst="ellipse">
-              <a:avLst/>
-            </a:prstGeom>
-            <a:solidFill>
-              <a:schemeClr val="tx1"/>
-            </a:solidFill>
-            <a:ln>
-              <a:solidFill>
-                <a:schemeClr val="tx1"/>
-              </a:solidFill>
-            </a:ln>
-          </p:spPr>
-          <p:style>
-            <a:lnRef idx="1">
-              <a:schemeClr val="accent1"/>
-            </a:lnRef>
-            <a:fillRef idx="3">
-              <a:schemeClr val="accent1"/>
-            </a:fillRef>
-            <a:effectRef idx="2">
-              <a:schemeClr val="accent1"/>
-            </a:effectRef>
-            <a:fontRef idx="minor">
-              <a:schemeClr val="lt1"/>
-            </a:fontRef>
-          </p:style>
-          <p:txBody>
-            <a:bodyPr rtlCol="0" anchor="ctr"/>
-            <a:lstStyle/>
-            <a:p>
-              <a:pPr algn="ctr"/>
-              <a:endParaRPr lang="fr-FR"/>
-            </a:p>
-          </p:txBody>
-        </p:sp>
-        <p:sp>
-          <p:nvSpPr>
-            <p:cNvPr id="106" name="Ellipse 5"/>
-            <p:cNvSpPr/>
-            <p:nvPr/>
-          </p:nvSpPr>
-          <p:spPr>
-            <a:xfrm>
-              <a:off x="1897063" y="2557196"/>
-              <a:ext cx="45719" cy="49479"/>
-            </a:xfrm>
-            <a:prstGeom prst="ellipse">
-              <a:avLst/>
-            </a:prstGeom>
-            <a:solidFill>
-              <a:schemeClr val="bg1"/>
-            </a:solidFill>
-            <a:ln>
-              <a:solidFill>
-                <a:schemeClr val="tx1"/>
-              </a:solidFill>
-            </a:ln>
-          </p:spPr>
-          <p:style>
-            <a:lnRef idx="1">
-              <a:schemeClr val="accent1"/>
-            </a:lnRef>
-            <a:fillRef idx="3">
-              <a:schemeClr val="accent1"/>
-            </a:fillRef>
-            <a:effectRef idx="2">
-              <a:schemeClr val="accent1"/>
-            </a:effectRef>
-            <a:fontRef idx="minor">
-              <a:schemeClr val="lt1"/>
-            </a:fontRef>
-          </p:style>
-          <p:txBody>
-            <a:bodyPr rtlCol="0" anchor="ctr"/>
-            <a:lstStyle/>
-            <a:p>
-              <a:pPr algn="ctr"/>
-              <a:endParaRPr lang="fr-FR"/>
-            </a:p>
-          </p:txBody>
-        </p:sp>
-      </p:grpSp>
-      <p:sp>
-        <p:nvSpPr>
-          <p:cNvPr id="116" name="ZoneTexte 115"/>
-          <p:cNvSpPr txBox="1"/>
-          <p:nvPr/>
-        </p:nvSpPr>
-        <p:spPr>
-          <a:xfrm>
-            <a:off x="1523611" y="4387334"/>
-            <a:ext cx="941283" cy="369332"/>
-          </a:xfrm>
-          <a:prstGeom prst="rect">
-            <a:avLst/>
-          </a:prstGeom>
-          <a:noFill/>
-        </p:spPr>
-        <p:txBody>
-          <a:bodyPr wrap="none" rtlCol="0">
-            <a:spAutoFit/>
-          </a:bodyPr>
-          <a:lstStyle/>
-          <a:p>
-            <a:r>
-              <a:rPr lang="fr-FR" dirty="0" err="1" smtClean="0"/>
-              <a:t>Netconf</a:t>
-            </a:r>
-            <a:endParaRPr lang="fr-FR" dirty="0"/>
-          </a:p>
-        </p:txBody>
-      </p:sp>
-      <p:sp>
-        <p:nvSpPr>
-          <p:cNvPr id="118" name="ZoneTexte 117"/>
-          <p:cNvSpPr txBox="1"/>
-          <p:nvPr/>
-        </p:nvSpPr>
-        <p:spPr>
-          <a:xfrm>
-            <a:off x="6113903" y="4008053"/>
-            <a:ext cx="1457287" cy="369332"/>
-          </a:xfrm>
-          <a:prstGeom prst="rect">
-            <a:avLst/>
-          </a:prstGeom>
-          <a:noFill/>
-        </p:spPr>
-        <p:txBody>
-          <a:bodyPr wrap="none" rtlCol="0">
-            <a:spAutoFit/>
-          </a:bodyPr>
-          <a:lstStyle/>
-          <a:p>
-            <a:r>
-              <a:rPr lang="fr-FR" dirty="0" smtClean="0"/>
-              <a:t>Configuration</a:t>
-            </a:r>
-            <a:endParaRPr lang="fr-FR" dirty="0"/>
-          </a:p>
-        </p:txBody>
-      </p:sp>
     </p:spTree>
   </p:cSld>
   <p:clrMapOvr>
